--- a/Présentation.pptx
+++ b/Présentation.pptx
@@ -1,38 +1,38 @@
 
 <file path=ppt/presentation.xml><?xml version="1.0" encoding="utf-8"?>
-<p:presentation xmlns:a="http://schemas.openxmlformats.org/drawingml/2006/main" xmlns:r="http://schemas.openxmlformats.org/officeDocument/2006/relationships" xmlns:mc="http://schemas.openxmlformats.org/markup-compatibility/2006" xmlns:mv="urn:schemas-microsoft-com:mac:vml" xmlns:p="http://schemas.openxmlformats.org/presentationml/2006/main" xmlns:c="http://schemas.openxmlformats.org/drawingml/2006/chart" xmlns:dgm="http://schemas.openxmlformats.org/drawingml/2006/diagram" xmlns:o="urn:schemas-microsoft-com:office:office" xmlns:v="urn:schemas-microsoft-com:vml" xmlns:pvml="urn:schemas-microsoft-com:office:powerpoint" xmlns:com="http://schemas.openxmlformats.org/drawingml/2006/compatibility" xmlns:p14="http://schemas.microsoft.com/office/powerpoint/2010/main" xmlns:p15="http://schemas.microsoft.com/office/powerpoint/2012/main" xmlns:ahyp="http://schemas.microsoft.com/office/drawing/2018/hyperlinkcolor" autoCompressPictures="0" embedTrueTypeFonts="1" strictFirstAndLastChars="0" saveSubsetFonts="1">
+<p:presentation xmlns:a="http://schemas.openxmlformats.org/drawingml/2006/main" xmlns:r="http://schemas.openxmlformats.org/officeDocument/2006/relationships" xmlns:p="http://schemas.openxmlformats.org/presentationml/2006/main" strictFirstAndLastChars="0" embedTrueTypeFonts="1" saveSubsetFonts="1" autoCompressPictures="0">
   <p:sldMasterIdLst>
-    <p:sldMasterId id="2147483659" r:id="rId4"/>
+    <p:sldMasterId id="2147483659" r:id="rId1"/>
   </p:sldMasterIdLst>
   <p:notesMasterIdLst>
-    <p:notesMasterId r:id="rId5"/>
+    <p:notesMasterId r:id="rId8"/>
   </p:notesMasterIdLst>
   <p:sldIdLst>
-    <p:sldId id="256" r:id="rId6"/>
-    <p:sldId id="257" r:id="rId7"/>
-    <p:sldId id="258" r:id="rId8"/>
-    <p:sldId id="259" r:id="rId9"/>
-    <p:sldId id="260" r:id="rId10"/>
-    <p:sldId id="261" r:id="rId11"/>
+    <p:sldId id="256" r:id="rId2"/>
+    <p:sldId id="257" r:id="rId3"/>
+    <p:sldId id="258" r:id="rId4"/>
+    <p:sldId id="259" r:id="rId5"/>
+    <p:sldId id="260" r:id="rId6"/>
+    <p:sldId id="261" r:id="rId7"/>
   </p:sldIdLst>
-  <p:sldSz cy="5143500" cx="9144000"/>
+  <p:sldSz cx="9144000" cy="5143500" type="screen16x9"/>
   <p:notesSz cx="6858000" cy="9144000"/>
   <p:embeddedFontLst>
     <p:embeddedFont>
-      <p:font typeface="Roboto Slab"/>
-      <p:regular r:id="rId12"/>
-      <p:bold r:id="rId13"/>
+      <p:font typeface="Roboto" panose="02000000000000000000" pitchFamily="2" charset="0"/>
+      <p:regular r:id="rId9"/>
+      <p:bold r:id="rId10"/>
+      <p:italic r:id="rId11"/>
+      <p:boldItalic r:id="rId12"/>
     </p:embeddedFont>
     <p:embeddedFont>
-      <p:font typeface="Roboto"/>
-      <p:regular r:id="rId14"/>
-      <p:bold r:id="rId15"/>
-      <p:italic r:id="rId16"/>
-      <p:boldItalic r:id="rId17"/>
+      <p:font typeface="Roboto Slab" panose="020B0604020202020204" charset="0"/>
+      <p:regular r:id="rId13"/>
+      <p:bold r:id="rId14"/>
     </p:embeddedFont>
   </p:embeddedFontLst>
   <p:defaultTextStyle>
-    <a:defPPr lvl="0" marR="0" rtl="0" algn="l">
+    <a:defPPr marR="0" lvl="0" algn="l" rtl="0">
       <a:lnSpc>
         <a:spcPct val="100000"/>
       </a:lnSpc>
@@ -43,7 +43,7 @@
         <a:spcPts val="0"/>
       </a:spcAft>
     </a:defPPr>
-    <a:lvl1pPr lvl="0" marR="0" rtl="0" algn="l">
+    <a:lvl1pPr marR="0" lvl="0" algn="l" rtl="0">
       <a:lnSpc>
         <a:spcPct val="100000"/>
       </a:lnSpc>
@@ -57,7 +57,7 @@
         <a:srgbClr val="000000"/>
       </a:buClr>
       <a:buFont typeface="Arial"/>
-      <a:defRPr b="0" i="0" sz="1400" u="none" cap="none" strike="noStrike">
+      <a:defRPr sz="1400" b="0" i="0" u="none" strike="noStrike" cap="none">
         <a:solidFill>
           <a:srgbClr val="000000"/>
         </a:solidFill>
@@ -67,7 +67,7 @@
         <a:sym typeface="Arial"/>
       </a:defRPr>
     </a:lvl1pPr>
-    <a:lvl2pPr lvl="1" marR="0" rtl="0" algn="l">
+    <a:lvl2pPr marR="0" lvl="1" algn="l" rtl="0">
       <a:lnSpc>
         <a:spcPct val="100000"/>
       </a:lnSpc>
@@ -81,7 +81,7 @@
         <a:srgbClr val="000000"/>
       </a:buClr>
       <a:buFont typeface="Arial"/>
-      <a:defRPr b="0" i="0" sz="1400" u="none" cap="none" strike="noStrike">
+      <a:defRPr sz="1400" b="0" i="0" u="none" strike="noStrike" cap="none">
         <a:solidFill>
           <a:srgbClr val="000000"/>
         </a:solidFill>
@@ -91,7 +91,7 @@
         <a:sym typeface="Arial"/>
       </a:defRPr>
     </a:lvl2pPr>
-    <a:lvl3pPr lvl="2" marR="0" rtl="0" algn="l">
+    <a:lvl3pPr marR="0" lvl="2" algn="l" rtl="0">
       <a:lnSpc>
         <a:spcPct val="100000"/>
       </a:lnSpc>
@@ -105,7 +105,7 @@
         <a:srgbClr val="000000"/>
       </a:buClr>
       <a:buFont typeface="Arial"/>
-      <a:defRPr b="0" i="0" sz="1400" u="none" cap="none" strike="noStrike">
+      <a:defRPr sz="1400" b="0" i="0" u="none" strike="noStrike" cap="none">
         <a:solidFill>
           <a:srgbClr val="000000"/>
         </a:solidFill>
@@ -115,7 +115,7 @@
         <a:sym typeface="Arial"/>
       </a:defRPr>
     </a:lvl3pPr>
-    <a:lvl4pPr lvl="3" marR="0" rtl="0" algn="l">
+    <a:lvl4pPr marR="0" lvl="3" algn="l" rtl="0">
       <a:lnSpc>
         <a:spcPct val="100000"/>
       </a:lnSpc>
@@ -129,7 +129,7 @@
         <a:srgbClr val="000000"/>
       </a:buClr>
       <a:buFont typeface="Arial"/>
-      <a:defRPr b="0" i="0" sz="1400" u="none" cap="none" strike="noStrike">
+      <a:defRPr sz="1400" b="0" i="0" u="none" strike="noStrike" cap="none">
         <a:solidFill>
           <a:srgbClr val="000000"/>
         </a:solidFill>
@@ -139,7 +139,7 @@
         <a:sym typeface="Arial"/>
       </a:defRPr>
     </a:lvl4pPr>
-    <a:lvl5pPr lvl="4" marR="0" rtl="0" algn="l">
+    <a:lvl5pPr marR="0" lvl="4" algn="l" rtl="0">
       <a:lnSpc>
         <a:spcPct val="100000"/>
       </a:lnSpc>
@@ -153,7 +153,7 @@
         <a:srgbClr val="000000"/>
       </a:buClr>
       <a:buFont typeface="Arial"/>
-      <a:defRPr b="0" i="0" sz="1400" u="none" cap="none" strike="noStrike">
+      <a:defRPr sz="1400" b="0" i="0" u="none" strike="noStrike" cap="none">
         <a:solidFill>
           <a:srgbClr val="000000"/>
         </a:solidFill>
@@ -163,7 +163,7 @@
         <a:sym typeface="Arial"/>
       </a:defRPr>
     </a:lvl5pPr>
-    <a:lvl6pPr lvl="5" marR="0" rtl="0" algn="l">
+    <a:lvl6pPr marR="0" lvl="5" algn="l" rtl="0">
       <a:lnSpc>
         <a:spcPct val="100000"/>
       </a:lnSpc>
@@ -177,7 +177,7 @@
         <a:srgbClr val="000000"/>
       </a:buClr>
       <a:buFont typeface="Arial"/>
-      <a:defRPr b="0" i="0" sz="1400" u="none" cap="none" strike="noStrike">
+      <a:defRPr sz="1400" b="0" i="0" u="none" strike="noStrike" cap="none">
         <a:solidFill>
           <a:srgbClr val="000000"/>
         </a:solidFill>
@@ -187,7 +187,7 @@
         <a:sym typeface="Arial"/>
       </a:defRPr>
     </a:lvl6pPr>
-    <a:lvl7pPr lvl="6" marR="0" rtl="0" algn="l">
+    <a:lvl7pPr marR="0" lvl="6" algn="l" rtl="0">
       <a:lnSpc>
         <a:spcPct val="100000"/>
       </a:lnSpc>
@@ -201,7 +201,7 @@
         <a:srgbClr val="000000"/>
       </a:buClr>
       <a:buFont typeface="Arial"/>
-      <a:defRPr b="0" i="0" sz="1400" u="none" cap="none" strike="noStrike">
+      <a:defRPr sz="1400" b="0" i="0" u="none" strike="noStrike" cap="none">
         <a:solidFill>
           <a:srgbClr val="000000"/>
         </a:solidFill>
@@ -211,7 +211,7 @@
         <a:sym typeface="Arial"/>
       </a:defRPr>
     </a:lvl7pPr>
-    <a:lvl8pPr lvl="7" marR="0" rtl="0" algn="l">
+    <a:lvl8pPr marR="0" lvl="7" algn="l" rtl="0">
       <a:lnSpc>
         <a:spcPct val="100000"/>
       </a:lnSpc>
@@ -225,7 +225,7 @@
         <a:srgbClr val="000000"/>
       </a:buClr>
       <a:buFont typeface="Arial"/>
-      <a:defRPr b="0" i="0" sz="1400" u="none" cap="none" strike="noStrike">
+      <a:defRPr sz="1400" b="0" i="0" u="none" strike="noStrike" cap="none">
         <a:solidFill>
           <a:srgbClr val="000000"/>
         </a:solidFill>
@@ -235,7 +235,7 @@
         <a:sym typeface="Arial"/>
       </a:defRPr>
     </a:lvl8pPr>
-    <a:lvl9pPr lvl="8" marR="0" rtl="0" algn="l">
+    <a:lvl9pPr marR="0" lvl="8" algn="l" rtl="0">
       <a:lnSpc>
         <a:spcPct val="100000"/>
       </a:lnSpc>
@@ -249,7 +249,7 @@
         <a:srgbClr val="000000"/>
       </a:buClr>
       <a:buFont typeface="Arial"/>
-      <a:defRPr b="0" i="0" sz="1400" u="none" cap="none" strike="noStrike">
+      <a:defRPr sz="1400" b="0" i="0" u="none" strike="noStrike" cap="none">
         <a:solidFill>
           <a:srgbClr val="000000"/>
         </a:solidFill>
@@ -262,7 +262,7 @@
   </p:defaultTextStyle>
   <p:extLst>
     <p:ext uri="{EFAFB233-063F-42B5-8137-9DF3F51BA10A}">
-      <p15:sldGuideLst>
+      <p15:sldGuideLst xmlns:p15="http://schemas.microsoft.com/office/powerpoint/2012/main">
         <p15:guide id="1" orient="horz" pos="1620">
           <p15:clr>
             <a:srgbClr val="A4A3A4"/>
@@ -280,11 +280,16 @@
 </file>
 
 <file path=ppt/notesMasters/notesMaster1.xml><?xml version="1.0" encoding="utf-8"?>
-<p:notesMaster xmlns:a="http://schemas.openxmlformats.org/drawingml/2006/main" xmlns:r="http://schemas.openxmlformats.org/officeDocument/2006/relationships" xmlns:mc="http://schemas.openxmlformats.org/markup-compatibility/2006" xmlns:mv="urn:schemas-microsoft-com:mac:vml" xmlns:p="http://schemas.openxmlformats.org/presentationml/2006/main" xmlns:c="http://schemas.openxmlformats.org/drawingml/2006/chart" xmlns:dgm="http://schemas.openxmlformats.org/drawingml/2006/diagram" xmlns:o="urn:schemas-microsoft-com:office:office" xmlns:v="urn:schemas-microsoft-com:vml" xmlns:pvml="urn:schemas-microsoft-com:office:powerpoint" xmlns:com="http://schemas.openxmlformats.org/drawingml/2006/compatibility" xmlns:p14="http://schemas.microsoft.com/office/powerpoint/2010/main" xmlns:p15="http://schemas.microsoft.com/office/powerpoint/2012/main" xmlns:ahyp="http://schemas.microsoft.com/office/drawing/2018/hyperlinkcolor">
+<p:notesMaster xmlns:a="http://schemas.openxmlformats.org/drawingml/2006/main" xmlns:r="http://schemas.openxmlformats.org/officeDocument/2006/relationships" xmlns:p="http://schemas.openxmlformats.org/presentationml/2006/main">
   <p:cSld>
+    <p:bg>
+      <p:bgRef idx="1001">
+        <a:schemeClr val="bg1"/>
+      </p:bgRef>
+    </p:bg>
     <p:spTree>
       <p:nvGrpSpPr>
-        <p:cNvPr id="2" name="Shape 2"/>
+        <p:cNvPr id="1" name="Shape 2"/>
         <p:cNvGrpSpPr/>
         <p:nvPr/>
       </p:nvGrpSpPr>
@@ -299,9 +304,11 @@
       <p:sp>
         <p:nvSpPr>
           <p:cNvPr id="3" name="Google Shape;3;n"/>
-          <p:cNvSpPr/>
+          <p:cNvSpPr>
+            <a:spLocks noGrp="1" noRot="1" noChangeAspect="1"/>
+          </p:cNvSpPr>
           <p:nvPr>
-            <p:ph idx="2" type="sldImg"/>
+            <p:ph type="sldImg" idx="2"/>
           </p:nvPr>
         </p:nvSpPr>
         <p:spPr>
@@ -310,9 +317,13 @@
             <a:ext cx="6096075" cy="3429000"/>
           </a:xfrm>
           <a:custGeom>
-            <a:rect b="b" l="l" r="r" t="t"/>
+            <a:avLst/>
+            <a:gdLst/>
+            <a:ahLst/>
+            <a:cxnLst/>
+            <a:rect l="l" t="t" r="r" b="b"/>
             <a:pathLst>
-              <a:path extrusionOk="0" h="120000" w="120000">
+              <a:path w="120000" h="120000" extrusionOk="0">
                 <a:moveTo>
                   <a:pt x="0" y="0"/>
                 </a:moveTo>
@@ -330,23 +341,25 @@
             </a:pathLst>
           </a:custGeom>
           <a:noFill/>
-          <a:ln cap="flat" cmpd="sng" w="9525">
+          <a:ln w="9525" cap="flat" cmpd="sng">
             <a:solidFill>
               <a:srgbClr val="000000"/>
             </a:solidFill>
             <a:prstDash val="solid"/>
             <a:round/>
-            <a:headEnd len="sm" w="sm" type="none"/>
-            <a:tailEnd len="sm" w="sm" type="none"/>
+            <a:headEnd type="none" w="sm" len="sm"/>
+            <a:tailEnd type="none" w="sm" len="sm"/>
           </a:ln>
         </p:spPr>
       </p:sp>
       <p:sp>
         <p:nvSpPr>
           <p:cNvPr id="4" name="Google Shape;4;n"/>
-          <p:cNvSpPr txBox="1"/>
+          <p:cNvSpPr txBox="1">
+            <a:spLocks noGrp="1"/>
+          </p:cNvSpPr>
           <p:nvPr>
-            <p:ph idx="1" type="body"/>
+            <p:ph type="body" idx="1"/>
           </p:nvPr>
         </p:nvSpPr>
         <p:spPr>
@@ -363,11 +376,11 @@
           </a:ln>
         </p:spPr>
         <p:txBody>
-          <a:bodyPr anchorCtr="0" anchor="t" bIns="91425" lIns="91425" spcFirstLastPara="1" rIns="91425" wrap="square" tIns="91425">
+          <a:bodyPr spcFirstLastPara="1" wrap="square" lIns="91425" tIns="91425" rIns="91425" bIns="91425" anchor="t" anchorCtr="0">
             <a:noAutofit/>
           </a:bodyPr>
           <a:lstStyle>
-            <a:lvl1pPr indent="-298450" lvl="0" marL="457200">
+            <a:lvl1pPr marL="457200" lvl="0" indent="-298450">
               <a:spcBef>
                 <a:spcPts val="0"/>
               </a:spcBef>
@@ -378,7 +391,7 @@
               <a:buChar char="●"/>
               <a:defRPr sz="1100"/>
             </a:lvl1pPr>
-            <a:lvl2pPr indent="-298450" lvl="1" marL="914400">
+            <a:lvl2pPr marL="914400" lvl="1" indent="-298450">
               <a:spcBef>
                 <a:spcPts val="0"/>
               </a:spcBef>
@@ -389,7 +402,7 @@
               <a:buChar char="○"/>
               <a:defRPr sz="1100"/>
             </a:lvl2pPr>
-            <a:lvl3pPr indent="-298450" lvl="2" marL="1371600">
+            <a:lvl3pPr marL="1371600" lvl="2" indent="-298450">
               <a:spcBef>
                 <a:spcPts val="0"/>
               </a:spcBef>
@@ -400,7 +413,7 @@
               <a:buChar char="■"/>
               <a:defRPr sz="1100"/>
             </a:lvl3pPr>
-            <a:lvl4pPr indent="-298450" lvl="3" marL="1828800">
+            <a:lvl4pPr marL="1828800" lvl="3" indent="-298450">
               <a:spcBef>
                 <a:spcPts val="0"/>
               </a:spcBef>
@@ -411,7 +424,7 @@
               <a:buChar char="●"/>
               <a:defRPr sz="1100"/>
             </a:lvl4pPr>
-            <a:lvl5pPr indent="-298450" lvl="4" marL="2286000">
+            <a:lvl5pPr marL="2286000" lvl="4" indent="-298450">
               <a:spcBef>
                 <a:spcPts val="0"/>
               </a:spcBef>
@@ -422,7 +435,7 @@
               <a:buChar char="○"/>
               <a:defRPr sz="1100"/>
             </a:lvl5pPr>
-            <a:lvl6pPr indent="-298450" lvl="5" marL="2743200">
+            <a:lvl6pPr marL="2743200" lvl="5" indent="-298450">
               <a:spcBef>
                 <a:spcPts val="0"/>
               </a:spcBef>
@@ -433,7 +446,7 @@
               <a:buChar char="■"/>
               <a:defRPr sz="1100"/>
             </a:lvl6pPr>
-            <a:lvl7pPr indent="-298450" lvl="6" marL="3200400">
+            <a:lvl7pPr marL="3200400" lvl="6" indent="-298450">
               <a:spcBef>
                 <a:spcPts val="0"/>
               </a:spcBef>
@@ -444,7 +457,7 @@
               <a:buChar char="●"/>
               <a:defRPr sz="1100"/>
             </a:lvl7pPr>
-            <a:lvl8pPr indent="-298450" lvl="7" marL="3657600">
+            <a:lvl8pPr marL="3657600" lvl="7" indent="-298450">
               <a:spcBef>
                 <a:spcPts val="0"/>
               </a:spcBef>
@@ -455,7 +468,7 @@
               <a:buChar char="○"/>
               <a:defRPr sz="1100"/>
             </a:lvl8pPr>
-            <a:lvl9pPr indent="-298450" lvl="8" marL="4114800">
+            <a:lvl9pPr marL="4114800" lvl="8" indent="-298450">
               <a:spcBef>
                 <a:spcPts val="0"/>
               </a:spcBef>
@@ -467,14 +480,16 @@
               <a:defRPr sz="1100"/>
             </a:lvl9pPr>
           </a:lstStyle>
-          <a:p/>
+          <a:p>
+            <a:endParaRPr/>
+          </a:p>
         </p:txBody>
       </p:sp>
     </p:spTree>
   </p:cSld>
-  <p:clrMap accent1="accent1" accent2="accent2" accent3="accent3" accent4="accent4" accent5="accent5" accent6="accent6" bg1="lt1" bg2="dk2" tx1="dk1" tx2="lt2" folHlink="folHlink" hlink="hlink"/>
+  <p:clrMap bg1="lt1" tx1="dk1" bg2="dk2" tx2="lt2" accent1="accent1" accent2="accent2" accent3="accent3" accent4="accent4" accent5="accent5" accent6="accent6" hlink="hlink" folHlink="folHlink"/>
   <p:notesStyle>
-    <a:defPPr lvl="0" marR="0" rtl="0" algn="l">
+    <a:defPPr marR="0" lvl="0" algn="l" rtl="0">
       <a:lnSpc>
         <a:spcPct val="100000"/>
       </a:lnSpc>
@@ -485,7 +500,7 @@
         <a:spcPts val="0"/>
       </a:spcAft>
     </a:defPPr>
-    <a:lvl1pPr lvl="0" marR="0" rtl="0" algn="l">
+    <a:lvl1pPr marR="0" lvl="0" algn="l" rtl="0">
       <a:lnSpc>
         <a:spcPct val="100000"/>
       </a:lnSpc>
@@ -499,7 +514,7 @@
         <a:srgbClr val="000000"/>
       </a:buClr>
       <a:buFont typeface="Arial"/>
-      <a:defRPr b="0" i="0" sz="1400" u="none" cap="none" strike="noStrike">
+      <a:defRPr sz="1400" b="0" i="0" u="none" strike="noStrike" cap="none">
         <a:solidFill>
           <a:srgbClr val="000000"/>
         </a:solidFill>
@@ -509,7 +524,7 @@
         <a:sym typeface="Arial"/>
       </a:defRPr>
     </a:lvl1pPr>
-    <a:lvl2pPr lvl="1" marR="0" rtl="0" algn="l">
+    <a:lvl2pPr marR="0" lvl="1" algn="l" rtl="0">
       <a:lnSpc>
         <a:spcPct val="100000"/>
       </a:lnSpc>
@@ -523,7 +538,7 @@
         <a:srgbClr val="000000"/>
       </a:buClr>
       <a:buFont typeface="Arial"/>
-      <a:defRPr b="0" i="0" sz="1400" u="none" cap="none" strike="noStrike">
+      <a:defRPr sz="1400" b="0" i="0" u="none" strike="noStrike" cap="none">
         <a:solidFill>
           <a:srgbClr val="000000"/>
         </a:solidFill>
@@ -533,7 +548,7 @@
         <a:sym typeface="Arial"/>
       </a:defRPr>
     </a:lvl2pPr>
-    <a:lvl3pPr lvl="2" marR="0" rtl="0" algn="l">
+    <a:lvl3pPr marR="0" lvl="2" algn="l" rtl="0">
       <a:lnSpc>
         <a:spcPct val="100000"/>
       </a:lnSpc>
@@ -547,7 +562,7 @@
         <a:srgbClr val="000000"/>
       </a:buClr>
       <a:buFont typeface="Arial"/>
-      <a:defRPr b="0" i="0" sz="1400" u="none" cap="none" strike="noStrike">
+      <a:defRPr sz="1400" b="0" i="0" u="none" strike="noStrike" cap="none">
         <a:solidFill>
           <a:srgbClr val="000000"/>
         </a:solidFill>
@@ -557,7 +572,7 @@
         <a:sym typeface="Arial"/>
       </a:defRPr>
     </a:lvl3pPr>
-    <a:lvl4pPr lvl="3" marR="0" rtl="0" algn="l">
+    <a:lvl4pPr marR="0" lvl="3" algn="l" rtl="0">
       <a:lnSpc>
         <a:spcPct val="100000"/>
       </a:lnSpc>
@@ -571,7 +586,7 @@
         <a:srgbClr val="000000"/>
       </a:buClr>
       <a:buFont typeface="Arial"/>
-      <a:defRPr b="0" i="0" sz="1400" u="none" cap="none" strike="noStrike">
+      <a:defRPr sz="1400" b="0" i="0" u="none" strike="noStrike" cap="none">
         <a:solidFill>
           <a:srgbClr val="000000"/>
         </a:solidFill>
@@ -581,7 +596,7 @@
         <a:sym typeface="Arial"/>
       </a:defRPr>
     </a:lvl4pPr>
-    <a:lvl5pPr lvl="4" marR="0" rtl="0" algn="l">
+    <a:lvl5pPr marR="0" lvl="4" algn="l" rtl="0">
       <a:lnSpc>
         <a:spcPct val="100000"/>
       </a:lnSpc>
@@ -595,7 +610,7 @@
         <a:srgbClr val="000000"/>
       </a:buClr>
       <a:buFont typeface="Arial"/>
-      <a:defRPr b="0" i="0" sz="1400" u="none" cap="none" strike="noStrike">
+      <a:defRPr sz="1400" b="0" i="0" u="none" strike="noStrike" cap="none">
         <a:solidFill>
           <a:srgbClr val="000000"/>
         </a:solidFill>
@@ -605,7 +620,7 @@
         <a:sym typeface="Arial"/>
       </a:defRPr>
     </a:lvl5pPr>
-    <a:lvl6pPr lvl="5" marR="0" rtl="0" algn="l">
+    <a:lvl6pPr marR="0" lvl="5" algn="l" rtl="0">
       <a:lnSpc>
         <a:spcPct val="100000"/>
       </a:lnSpc>
@@ -619,7 +634,7 @@
         <a:srgbClr val="000000"/>
       </a:buClr>
       <a:buFont typeface="Arial"/>
-      <a:defRPr b="0" i="0" sz="1400" u="none" cap="none" strike="noStrike">
+      <a:defRPr sz="1400" b="0" i="0" u="none" strike="noStrike" cap="none">
         <a:solidFill>
           <a:srgbClr val="000000"/>
         </a:solidFill>
@@ -629,7 +644,7 @@
         <a:sym typeface="Arial"/>
       </a:defRPr>
     </a:lvl6pPr>
-    <a:lvl7pPr lvl="6" marR="0" rtl="0" algn="l">
+    <a:lvl7pPr marR="0" lvl="6" algn="l" rtl="0">
       <a:lnSpc>
         <a:spcPct val="100000"/>
       </a:lnSpc>
@@ -643,7 +658,7 @@
         <a:srgbClr val="000000"/>
       </a:buClr>
       <a:buFont typeface="Arial"/>
-      <a:defRPr b="0" i="0" sz="1400" u="none" cap="none" strike="noStrike">
+      <a:defRPr sz="1400" b="0" i="0" u="none" strike="noStrike" cap="none">
         <a:solidFill>
           <a:srgbClr val="000000"/>
         </a:solidFill>
@@ -653,7 +668,7 @@
         <a:sym typeface="Arial"/>
       </a:defRPr>
     </a:lvl7pPr>
-    <a:lvl8pPr lvl="7" marR="0" rtl="0" algn="l">
+    <a:lvl8pPr marR="0" lvl="7" algn="l" rtl="0">
       <a:lnSpc>
         <a:spcPct val="100000"/>
       </a:lnSpc>
@@ -667,7 +682,7 @@
         <a:srgbClr val="000000"/>
       </a:buClr>
       <a:buFont typeface="Arial"/>
-      <a:defRPr b="0" i="0" sz="1400" u="none" cap="none" strike="noStrike">
+      <a:defRPr sz="1400" b="0" i="0" u="none" strike="noStrike" cap="none">
         <a:solidFill>
           <a:srgbClr val="000000"/>
         </a:solidFill>
@@ -677,7 +692,7 @@
         <a:sym typeface="Arial"/>
       </a:defRPr>
     </a:lvl8pPr>
-    <a:lvl9pPr lvl="8" marR="0" rtl="0" algn="l">
+    <a:lvl9pPr marR="0" lvl="8" algn="l" rtl="0">
       <a:lnSpc>
         <a:spcPct val="100000"/>
       </a:lnSpc>
@@ -691,7 +706,7 @@
         <a:srgbClr val="000000"/>
       </a:buClr>
       <a:buFont typeface="Arial"/>
-      <a:defRPr b="0" i="0" sz="1400" u="none" cap="none" strike="noStrike">
+      <a:defRPr sz="1400" b="0" i="0" u="none" strike="noStrike" cap="none">
         <a:solidFill>
           <a:srgbClr val="000000"/>
         </a:solidFill>
@@ -706,11 +721,11 @@
 </file>
 
 <file path=ppt/notesSlides/notesSlide1.xml><?xml version="1.0" encoding="utf-8"?>
-<p:notes xmlns:a="http://schemas.openxmlformats.org/drawingml/2006/main" xmlns:r="http://schemas.openxmlformats.org/officeDocument/2006/relationships" xmlns:mc="http://schemas.openxmlformats.org/markup-compatibility/2006" xmlns:mv="urn:schemas-microsoft-com:mac:vml" xmlns:p="http://schemas.openxmlformats.org/presentationml/2006/main" xmlns:c="http://schemas.openxmlformats.org/drawingml/2006/chart" xmlns:dgm="http://schemas.openxmlformats.org/drawingml/2006/diagram" xmlns:o="urn:schemas-microsoft-com:office:office" xmlns:v="urn:schemas-microsoft-com:vml" xmlns:pvml="urn:schemas-microsoft-com:office:powerpoint" xmlns:com="http://schemas.openxmlformats.org/drawingml/2006/compatibility" xmlns:p14="http://schemas.microsoft.com/office/powerpoint/2010/main" xmlns:p15="http://schemas.microsoft.com/office/powerpoint/2012/main" xmlns:ahyp="http://schemas.microsoft.com/office/drawing/2018/hyperlinkcolor" showMasterPhAnim="0" showMasterSp="0">
+<p:notes xmlns:a="http://schemas.openxmlformats.org/drawingml/2006/main" xmlns:r="http://schemas.openxmlformats.org/officeDocument/2006/relationships" xmlns:p="http://schemas.openxmlformats.org/presentationml/2006/main" showMasterSp="0" showMasterPhAnim="0">
   <p:cSld>
     <p:spTree>
       <p:nvGrpSpPr>
-        <p:cNvPr id="59" name="Shape 59"/>
+        <p:cNvPr id="1" name="Shape 59"/>
         <p:cNvGrpSpPr/>
         <p:nvPr/>
       </p:nvGrpSpPr>
@@ -725,9 +740,11 @@
       <p:sp>
         <p:nvSpPr>
           <p:cNvPr id="60" name="Google Shape;60;p:notes"/>
-          <p:cNvSpPr/>
+          <p:cNvSpPr>
+            <a:spLocks noGrp="1" noRot="1" noChangeAspect="1"/>
+          </p:cNvSpPr>
           <p:nvPr>
-            <p:ph idx="2" type="sldImg"/>
+            <p:ph type="sldImg" idx="2"/>
           </p:nvPr>
         </p:nvSpPr>
         <p:spPr>
@@ -736,9 +753,13 @@
             <a:ext cx="6096075" cy="3429000"/>
           </a:xfrm>
           <a:custGeom>
-            <a:rect b="b" l="l" r="r" t="t"/>
+            <a:avLst/>
+            <a:gdLst/>
+            <a:ahLst/>
+            <a:cxnLst/>
+            <a:rect l="l" t="t" r="r" b="b"/>
             <a:pathLst>
-              <a:path extrusionOk="0" h="120000" w="120000">
+              <a:path w="120000" h="120000" extrusionOk="0">
                 <a:moveTo>
                   <a:pt x="0" y="0"/>
                 </a:moveTo>
@@ -760,9 +781,11 @@
       <p:sp>
         <p:nvSpPr>
           <p:cNvPr id="61" name="Google Shape;61;p:notes"/>
-          <p:cNvSpPr txBox="1"/>
+          <p:cNvSpPr txBox="1">
+            <a:spLocks noGrp="1"/>
+          </p:cNvSpPr>
           <p:nvPr>
-            <p:ph idx="1" type="body"/>
+            <p:ph type="body" idx="1"/>
           </p:nvPr>
         </p:nvSpPr>
         <p:spPr>
@@ -775,12 +798,12 @@
           </a:prstGeom>
         </p:spPr>
         <p:txBody>
-          <a:bodyPr anchorCtr="0" anchor="t" bIns="91425" lIns="91425" spcFirstLastPara="1" rIns="91425" wrap="square" tIns="91425">
+          <a:bodyPr spcFirstLastPara="1" wrap="square" lIns="91425" tIns="91425" rIns="91425" bIns="91425" anchor="t" anchorCtr="0">
             <a:noAutofit/>
           </a:bodyPr>
           <a:lstStyle/>
           <a:p>
-            <a:pPr indent="0" lvl="0" marL="0" rtl="0" algn="l">
+            <a:pPr marL="0" lvl="0" indent="0" algn="l" rtl="0">
               <a:spcBef>
                 <a:spcPts val="0"/>
               </a:spcBef>
@@ -789,9 +812,6 @@
               </a:spcAft>
               <a:buNone/>
             </a:pPr>
-            <a:r>
-              <a:t/>
-            </a:r>
             <a:endParaRPr/>
           </a:p>
         </p:txBody>
@@ -805,11 +825,11 @@
 </file>
 
 <file path=ppt/notesSlides/notesSlide2.xml><?xml version="1.0" encoding="utf-8"?>
-<p:notes xmlns:a="http://schemas.openxmlformats.org/drawingml/2006/main" xmlns:r="http://schemas.openxmlformats.org/officeDocument/2006/relationships" xmlns:mc="http://schemas.openxmlformats.org/markup-compatibility/2006" xmlns:mv="urn:schemas-microsoft-com:mac:vml" xmlns:p="http://schemas.openxmlformats.org/presentationml/2006/main" xmlns:c="http://schemas.openxmlformats.org/drawingml/2006/chart" xmlns:dgm="http://schemas.openxmlformats.org/drawingml/2006/diagram" xmlns:o="urn:schemas-microsoft-com:office:office" xmlns:v="urn:schemas-microsoft-com:vml" xmlns:pvml="urn:schemas-microsoft-com:office:powerpoint" xmlns:com="http://schemas.openxmlformats.org/drawingml/2006/compatibility" xmlns:p14="http://schemas.microsoft.com/office/powerpoint/2010/main" xmlns:p15="http://schemas.microsoft.com/office/powerpoint/2012/main" xmlns:ahyp="http://schemas.microsoft.com/office/drawing/2018/hyperlinkcolor" showMasterPhAnim="0" showMasterSp="0">
+<p:notes xmlns:a="http://schemas.openxmlformats.org/drawingml/2006/main" xmlns:r="http://schemas.openxmlformats.org/officeDocument/2006/relationships" xmlns:p="http://schemas.openxmlformats.org/presentationml/2006/main" showMasterSp="0" showMasterPhAnim="0">
   <p:cSld>
     <p:spTree>
       <p:nvGrpSpPr>
-        <p:cNvPr id="65" name="Shape 65"/>
+        <p:cNvPr id="1" name="Shape 65"/>
         <p:cNvGrpSpPr/>
         <p:nvPr/>
       </p:nvGrpSpPr>
@@ -824,9 +844,11 @@
       <p:sp>
         <p:nvSpPr>
           <p:cNvPr id="66" name="Google Shape;66;gd8814be2e2_0_111:notes"/>
-          <p:cNvSpPr/>
+          <p:cNvSpPr>
+            <a:spLocks noGrp="1" noRot="1" noChangeAspect="1"/>
+          </p:cNvSpPr>
           <p:nvPr>
-            <p:ph idx="2" type="sldImg"/>
+            <p:ph type="sldImg" idx="2"/>
           </p:nvPr>
         </p:nvSpPr>
         <p:spPr>
@@ -835,9 +857,13 @@
             <a:ext cx="6096000" cy="3429000"/>
           </a:xfrm>
           <a:custGeom>
-            <a:rect b="b" l="l" r="r" t="t"/>
+            <a:avLst/>
+            <a:gdLst/>
+            <a:ahLst/>
+            <a:cxnLst/>
+            <a:rect l="l" t="t" r="r" b="b"/>
             <a:pathLst>
-              <a:path extrusionOk="0" h="120000" w="120000">
+              <a:path w="120000" h="120000" extrusionOk="0">
                 <a:moveTo>
                   <a:pt x="0" y="0"/>
                 </a:moveTo>
@@ -859,9 +885,11 @@
       <p:sp>
         <p:nvSpPr>
           <p:cNvPr id="67" name="Google Shape;67;gd8814be2e2_0_111:notes"/>
-          <p:cNvSpPr txBox="1"/>
+          <p:cNvSpPr txBox="1">
+            <a:spLocks noGrp="1"/>
+          </p:cNvSpPr>
           <p:nvPr>
-            <p:ph idx="1" type="body"/>
+            <p:ph type="body" idx="1"/>
           </p:nvPr>
         </p:nvSpPr>
         <p:spPr>
@@ -874,12 +902,12 @@
           </a:prstGeom>
         </p:spPr>
         <p:txBody>
-          <a:bodyPr anchorCtr="0" anchor="t" bIns="91425" lIns="91425" spcFirstLastPara="1" rIns="91425" wrap="square" tIns="91425">
+          <a:bodyPr spcFirstLastPara="1" wrap="square" lIns="91425" tIns="91425" rIns="91425" bIns="91425" anchor="t" anchorCtr="0">
             <a:noAutofit/>
           </a:bodyPr>
           <a:lstStyle/>
           <a:p>
-            <a:pPr indent="0" lvl="0" marL="0" rtl="0" algn="l">
+            <a:pPr marL="0" lvl="0" indent="0" algn="l" rtl="0">
               <a:spcBef>
                 <a:spcPts val="0"/>
               </a:spcBef>
@@ -888,9 +916,6 @@
               </a:spcAft>
               <a:buNone/>
             </a:pPr>
-            <a:r>
-              <a:t/>
-            </a:r>
             <a:endParaRPr/>
           </a:p>
         </p:txBody>
@@ -904,11 +929,11 @@
 </file>
 
 <file path=ppt/notesSlides/notesSlide3.xml><?xml version="1.0" encoding="utf-8"?>
-<p:notes xmlns:a="http://schemas.openxmlformats.org/drawingml/2006/main" xmlns:r="http://schemas.openxmlformats.org/officeDocument/2006/relationships" xmlns:mc="http://schemas.openxmlformats.org/markup-compatibility/2006" xmlns:mv="urn:schemas-microsoft-com:mac:vml" xmlns:p="http://schemas.openxmlformats.org/presentationml/2006/main" xmlns:c="http://schemas.openxmlformats.org/drawingml/2006/chart" xmlns:dgm="http://schemas.openxmlformats.org/drawingml/2006/diagram" xmlns:o="urn:schemas-microsoft-com:office:office" xmlns:v="urn:schemas-microsoft-com:vml" xmlns:pvml="urn:schemas-microsoft-com:office:powerpoint" xmlns:com="http://schemas.openxmlformats.org/drawingml/2006/compatibility" xmlns:p14="http://schemas.microsoft.com/office/powerpoint/2010/main" xmlns:p15="http://schemas.microsoft.com/office/powerpoint/2012/main" xmlns:ahyp="http://schemas.microsoft.com/office/drawing/2018/hyperlinkcolor" showMasterPhAnim="0" showMasterSp="0">
+<p:notes xmlns:a="http://schemas.openxmlformats.org/drawingml/2006/main" xmlns:r="http://schemas.openxmlformats.org/officeDocument/2006/relationships" xmlns:p="http://schemas.openxmlformats.org/presentationml/2006/main" showMasterSp="0" showMasterPhAnim="0">
   <p:cSld>
     <p:spTree>
       <p:nvGrpSpPr>
-        <p:cNvPr id="71" name="Shape 71"/>
+        <p:cNvPr id="1" name="Shape 71"/>
         <p:cNvGrpSpPr/>
         <p:nvPr/>
       </p:nvGrpSpPr>
@@ -923,20 +948,26 @@
       <p:sp>
         <p:nvSpPr>
           <p:cNvPr id="72" name="Google Shape;72;gda30f557eb_0_0:notes"/>
-          <p:cNvSpPr/>
+          <p:cNvSpPr>
+            <a:spLocks noGrp="1" noRot="1" noChangeAspect="1"/>
+          </p:cNvSpPr>
           <p:nvPr>
-            <p:ph idx="2" type="sldImg"/>
+            <p:ph type="sldImg" idx="2"/>
           </p:nvPr>
         </p:nvSpPr>
         <p:spPr>
           <a:xfrm>
-            <a:off x="381300" y="685800"/>
+            <a:off x="381000" y="685800"/>
             <a:ext cx="6096000" cy="3429000"/>
           </a:xfrm>
           <a:custGeom>
-            <a:rect b="b" l="l" r="r" t="t"/>
+            <a:avLst/>
+            <a:gdLst/>
+            <a:ahLst/>
+            <a:cxnLst/>
+            <a:rect l="l" t="t" r="r" b="b"/>
             <a:pathLst>
-              <a:path extrusionOk="0" h="120000" w="120000">
+              <a:path w="120000" h="120000" extrusionOk="0">
                 <a:moveTo>
                   <a:pt x="0" y="0"/>
                 </a:moveTo>
@@ -958,9 +989,11 @@
       <p:sp>
         <p:nvSpPr>
           <p:cNvPr id="73" name="Google Shape;73;gda30f557eb_0_0:notes"/>
-          <p:cNvSpPr txBox="1"/>
+          <p:cNvSpPr txBox="1">
+            <a:spLocks noGrp="1"/>
+          </p:cNvSpPr>
           <p:nvPr>
-            <p:ph idx="1" type="body"/>
+            <p:ph type="body" idx="1"/>
           </p:nvPr>
         </p:nvSpPr>
         <p:spPr>
@@ -973,12 +1006,12 @@
           </a:prstGeom>
         </p:spPr>
         <p:txBody>
-          <a:bodyPr anchorCtr="0" anchor="t" bIns="91425" lIns="91425" spcFirstLastPara="1" rIns="91425" wrap="square" tIns="91425">
+          <a:bodyPr spcFirstLastPara="1" wrap="square" lIns="91425" tIns="91425" rIns="91425" bIns="91425" anchor="t" anchorCtr="0">
             <a:noAutofit/>
           </a:bodyPr>
           <a:lstStyle/>
           <a:p>
-            <a:pPr indent="0" lvl="0" marL="0" rtl="0" algn="l">
+            <a:pPr marL="0" lvl="0" indent="0" algn="l" rtl="0">
               <a:spcBef>
                 <a:spcPts val="0"/>
               </a:spcBef>
@@ -987,9 +1020,6 @@
               </a:spcAft>
               <a:buNone/>
             </a:pPr>
-            <a:r>
-              <a:t/>
-            </a:r>
             <a:endParaRPr/>
           </a:p>
         </p:txBody>
@@ -1003,11 +1033,11 @@
 </file>
 
 <file path=ppt/notesSlides/notesSlide4.xml><?xml version="1.0" encoding="utf-8"?>
-<p:notes xmlns:a="http://schemas.openxmlformats.org/drawingml/2006/main" xmlns:r="http://schemas.openxmlformats.org/officeDocument/2006/relationships" xmlns:mc="http://schemas.openxmlformats.org/markup-compatibility/2006" xmlns:mv="urn:schemas-microsoft-com:mac:vml" xmlns:p="http://schemas.openxmlformats.org/presentationml/2006/main" xmlns:c="http://schemas.openxmlformats.org/drawingml/2006/chart" xmlns:dgm="http://schemas.openxmlformats.org/drawingml/2006/diagram" xmlns:o="urn:schemas-microsoft-com:office:office" xmlns:v="urn:schemas-microsoft-com:vml" xmlns:pvml="urn:schemas-microsoft-com:office:powerpoint" xmlns:com="http://schemas.openxmlformats.org/drawingml/2006/compatibility" xmlns:p14="http://schemas.microsoft.com/office/powerpoint/2010/main" xmlns:p15="http://schemas.microsoft.com/office/powerpoint/2012/main" xmlns:ahyp="http://schemas.microsoft.com/office/drawing/2018/hyperlinkcolor" showMasterPhAnim="0" showMasterSp="0">
+<p:notes xmlns:a="http://schemas.openxmlformats.org/drawingml/2006/main" xmlns:r="http://schemas.openxmlformats.org/officeDocument/2006/relationships" xmlns:p="http://schemas.openxmlformats.org/presentationml/2006/main" showMasterSp="0" showMasterPhAnim="0">
   <p:cSld>
     <p:spTree>
       <p:nvGrpSpPr>
-        <p:cNvPr id="77" name="Shape 77"/>
+        <p:cNvPr id="1" name="Shape 77"/>
         <p:cNvGrpSpPr/>
         <p:nvPr/>
       </p:nvGrpSpPr>
@@ -1022,9 +1052,11 @@
       <p:sp>
         <p:nvSpPr>
           <p:cNvPr id="78" name="Google Shape;78;gda30f557eb_0_5:notes"/>
-          <p:cNvSpPr/>
+          <p:cNvSpPr>
+            <a:spLocks noGrp="1" noRot="1" noChangeAspect="1"/>
+          </p:cNvSpPr>
           <p:nvPr>
-            <p:ph idx="2" type="sldImg"/>
+            <p:ph type="sldImg" idx="2"/>
           </p:nvPr>
         </p:nvSpPr>
         <p:spPr>
@@ -1033,9 +1065,13 @@
             <a:ext cx="6096000" cy="3429000"/>
           </a:xfrm>
           <a:custGeom>
-            <a:rect b="b" l="l" r="r" t="t"/>
+            <a:avLst/>
+            <a:gdLst/>
+            <a:ahLst/>
+            <a:cxnLst/>
+            <a:rect l="l" t="t" r="r" b="b"/>
             <a:pathLst>
-              <a:path extrusionOk="0" h="120000" w="120000">
+              <a:path w="120000" h="120000" extrusionOk="0">
                 <a:moveTo>
                   <a:pt x="0" y="0"/>
                 </a:moveTo>
@@ -1057,9 +1093,11 @@
       <p:sp>
         <p:nvSpPr>
           <p:cNvPr id="79" name="Google Shape;79;gda30f557eb_0_5:notes"/>
-          <p:cNvSpPr txBox="1"/>
+          <p:cNvSpPr txBox="1">
+            <a:spLocks noGrp="1"/>
+          </p:cNvSpPr>
           <p:nvPr>
-            <p:ph idx="1" type="body"/>
+            <p:ph type="body" idx="1"/>
           </p:nvPr>
         </p:nvSpPr>
         <p:spPr>
@@ -1072,12 +1110,12 @@
           </a:prstGeom>
         </p:spPr>
         <p:txBody>
-          <a:bodyPr anchorCtr="0" anchor="t" bIns="91425" lIns="91425" spcFirstLastPara="1" rIns="91425" wrap="square" tIns="91425">
+          <a:bodyPr spcFirstLastPara="1" wrap="square" lIns="91425" tIns="91425" rIns="91425" bIns="91425" anchor="t" anchorCtr="0">
             <a:noAutofit/>
           </a:bodyPr>
           <a:lstStyle/>
           <a:p>
-            <a:pPr indent="0" lvl="0" marL="0" rtl="0" algn="l">
+            <a:pPr marL="0" lvl="0" indent="0" algn="l" rtl="0">
               <a:spcBef>
                 <a:spcPts val="0"/>
               </a:spcBef>
@@ -1086,9 +1124,6 @@
               </a:spcAft>
               <a:buNone/>
             </a:pPr>
-            <a:r>
-              <a:t/>
-            </a:r>
             <a:endParaRPr/>
           </a:p>
         </p:txBody>
@@ -1102,11 +1137,11 @@
 </file>
 
 <file path=ppt/notesSlides/notesSlide5.xml><?xml version="1.0" encoding="utf-8"?>
-<p:notes xmlns:a="http://schemas.openxmlformats.org/drawingml/2006/main" xmlns:r="http://schemas.openxmlformats.org/officeDocument/2006/relationships" xmlns:mc="http://schemas.openxmlformats.org/markup-compatibility/2006" xmlns:mv="urn:schemas-microsoft-com:mac:vml" xmlns:p="http://schemas.openxmlformats.org/presentationml/2006/main" xmlns:c="http://schemas.openxmlformats.org/drawingml/2006/chart" xmlns:dgm="http://schemas.openxmlformats.org/drawingml/2006/diagram" xmlns:o="urn:schemas-microsoft-com:office:office" xmlns:v="urn:schemas-microsoft-com:vml" xmlns:pvml="urn:schemas-microsoft-com:office:powerpoint" xmlns:com="http://schemas.openxmlformats.org/drawingml/2006/compatibility" xmlns:p14="http://schemas.microsoft.com/office/powerpoint/2010/main" xmlns:p15="http://schemas.microsoft.com/office/powerpoint/2012/main" xmlns:ahyp="http://schemas.microsoft.com/office/drawing/2018/hyperlinkcolor" showMasterPhAnim="0" showMasterSp="0">
+<p:notes xmlns:a="http://schemas.openxmlformats.org/drawingml/2006/main" xmlns:r="http://schemas.openxmlformats.org/officeDocument/2006/relationships" xmlns:p="http://schemas.openxmlformats.org/presentationml/2006/main" showMasterSp="0" showMasterPhAnim="0">
   <p:cSld>
     <p:spTree>
       <p:nvGrpSpPr>
-        <p:cNvPr id="83" name="Shape 83"/>
+        <p:cNvPr id="1" name="Shape 83"/>
         <p:cNvGrpSpPr/>
         <p:nvPr/>
       </p:nvGrpSpPr>
@@ -1121,9 +1156,11 @@
       <p:sp>
         <p:nvSpPr>
           <p:cNvPr id="84" name="Google Shape;84;gda30f557eb_0_10:notes"/>
-          <p:cNvSpPr/>
+          <p:cNvSpPr>
+            <a:spLocks noGrp="1" noRot="1" noChangeAspect="1"/>
+          </p:cNvSpPr>
           <p:nvPr>
-            <p:ph idx="2" type="sldImg"/>
+            <p:ph type="sldImg" idx="2"/>
           </p:nvPr>
         </p:nvSpPr>
         <p:spPr>
@@ -1132,9 +1169,13 @@
             <a:ext cx="6096000" cy="3429000"/>
           </a:xfrm>
           <a:custGeom>
-            <a:rect b="b" l="l" r="r" t="t"/>
+            <a:avLst/>
+            <a:gdLst/>
+            <a:ahLst/>
+            <a:cxnLst/>
+            <a:rect l="l" t="t" r="r" b="b"/>
             <a:pathLst>
-              <a:path extrusionOk="0" h="120000" w="120000">
+              <a:path w="120000" h="120000" extrusionOk="0">
                 <a:moveTo>
                   <a:pt x="0" y="0"/>
                 </a:moveTo>
@@ -1156,9 +1197,11 @@
       <p:sp>
         <p:nvSpPr>
           <p:cNvPr id="85" name="Google Shape;85;gda30f557eb_0_10:notes"/>
-          <p:cNvSpPr txBox="1"/>
+          <p:cNvSpPr txBox="1">
+            <a:spLocks noGrp="1"/>
+          </p:cNvSpPr>
           <p:nvPr>
-            <p:ph idx="1" type="body"/>
+            <p:ph type="body" idx="1"/>
           </p:nvPr>
         </p:nvSpPr>
         <p:spPr>
@@ -1171,12 +1214,12 @@
           </a:prstGeom>
         </p:spPr>
         <p:txBody>
-          <a:bodyPr anchorCtr="0" anchor="t" bIns="91425" lIns="91425" spcFirstLastPara="1" rIns="91425" wrap="square" tIns="91425">
+          <a:bodyPr spcFirstLastPara="1" wrap="square" lIns="91425" tIns="91425" rIns="91425" bIns="91425" anchor="t" anchorCtr="0">
             <a:noAutofit/>
           </a:bodyPr>
           <a:lstStyle/>
           <a:p>
-            <a:pPr indent="0" lvl="0" marL="0" rtl="0" algn="l">
+            <a:pPr marL="0" lvl="0" indent="0" algn="l" rtl="0">
               <a:spcBef>
                 <a:spcPts val="0"/>
               </a:spcBef>
@@ -1185,9 +1228,6 @@
               </a:spcAft>
               <a:buNone/>
             </a:pPr>
-            <a:r>
-              <a:t/>
-            </a:r>
             <a:endParaRPr/>
           </a:p>
         </p:txBody>
@@ -1201,11 +1241,11 @@
 </file>
 
 <file path=ppt/notesSlides/notesSlide6.xml><?xml version="1.0" encoding="utf-8"?>
-<p:notes xmlns:a="http://schemas.openxmlformats.org/drawingml/2006/main" xmlns:r="http://schemas.openxmlformats.org/officeDocument/2006/relationships" xmlns:mc="http://schemas.openxmlformats.org/markup-compatibility/2006" xmlns:mv="urn:schemas-microsoft-com:mac:vml" xmlns:p="http://schemas.openxmlformats.org/presentationml/2006/main" xmlns:c="http://schemas.openxmlformats.org/drawingml/2006/chart" xmlns:dgm="http://schemas.openxmlformats.org/drawingml/2006/diagram" xmlns:o="urn:schemas-microsoft-com:office:office" xmlns:v="urn:schemas-microsoft-com:vml" xmlns:pvml="urn:schemas-microsoft-com:office:powerpoint" xmlns:com="http://schemas.openxmlformats.org/drawingml/2006/compatibility" xmlns:p14="http://schemas.microsoft.com/office/powerpoint/2010/main" xmlns:p15="http://schemas.microsoft.com/office/powerpoint/2012/main" xmlns:ahyp="http://schemas.microsoft.com/office/drawing/2018/hyperlinkcolor" showMasterPhAnim="0" showMasterSp="0">
+<p:notes xmlns:a="http://schemas.openxmlformats.org/drawingml/2006/main" xmlns:r="http://schemas.openxmlformats.org/officeDocument/2006/relationships" xmlns:p="http://schemas.openxmlformats.org/presentationml/2006/main" showMasterSp="0" showMasterPhAnim="0">
   <p:cSld>
     <p:spTree>
       <p:nvGrpSpPr>
-        <p:cNvPr id="89" name="Shape 89"/>
+        <p:cNvPr id="1" name="Shape 89"/>
         <p:cNvGrpSpPr/>
         <p:nvPr/>
       </p:nvGrpSpPr>
@@ -1220,20 +1260,26 @@
       <p:sp>
         <p:nvSpPr>
           <p:cNvPr id="90" name="Google Shape;90;gd9fe512690_0_0:notes"/>
-          <p:cNvSpPr/>
+          <p:cNvSpPr>
+            <a:spLocks noGrp="1" noRot="1" noChangeAspect="1"/>
+          </p:cNvSpPr>
           <p:nvPr>
-            <p:ph idx="2" type="sldImg"/>
+            <p:ph type="sldImg" idx="2"/>
           </p:nvPr>
         </p:nvSpPr>
         <p:spPr>
           <a:xfrm>
-            <a:off x="381300" y="685800"/>
+            <a:off x="381000" y="685800"/>
             <a:ext cx="6096000" cy="3429000"/>
           </a:xfrm>
           <a:custGeom>
-            <a:rect b="b" l="l" r="r" t="t"/>
+            <a:avLst/>
+            <a:gdLst/>
+            <a:ahLst/>
+            <a:cxnLst/>
+            <a:rect l="l" t="t" r="r" b="b"/>
             <a:pathLst>
-              <a:path extrusionOk="0" h="120000" w="120000">
+              <a:path w="120000" h="120000" extrusionOk="0">
                 <a:moveTo>
                   <a:pt x="0" y="0"/>
                 </a:moveTo>
@@ -1255,9 +1301,11 @@
       <p:sp>
         <p:nvSpPr>
           <p:cNvPr id="91" name="Google Shape;91;gd9fe512690_0_0:notes"/>
-          <p:cNvSpPr txBox="1"/>
+          <p:cNvSpPr txBox="1">
+            <a:spLocks noGrp="1"/>
+          </p:cNvSpPr>
           <p:nvPr>
-            <p:ph idx="1" type="body"/>
+            <p:ph type="body" idx="1"/>
           </p:nvPr>
         </p:nvSpPr>
         <p:spPr>
@@ -1270,12 +1318,12 @@
           </a:prstGeom>
         </p:spPr>
         <p:txBody>
-          <a:bodyPr anchorCtr="0" anchor="t" bIns="91425" lIns="91425" spcFirstLastPara="1" rIns="91425" wrap="square" tIns="91425">
+          <a:bodyPr spcFirstLastPara="1" wrap="square" lIns="91425" tIns="91425" rIns="91425" bIns="91425" anchor="t" anchorCtr="0">
             <a:noAutofit/>
           </a:bodyPr>
           <a:lstStyle/>
           <a:p>
-            <a:pPr indent="0" lvl="0" marL="0" rtl="0" algn="l">
+            <a:pPr marL="0" lvl="0" indent="0" algn="l" rtl="0">
               <a:spcBef>
                 <a:spcPts val="0"/>
               </a:spcBef>
@@ -1284,9 +1332,6 @@
               </a:spcAft>
               <a:buNone/>
             </a:pPr>
-            <a:r>
-              <a:t/>
-            </a:r>
             <a:endParaRPr/>
           </a:p>
         </p:txBody>
@@ -1300,11 +1345,11 @@
 </file>
 
 <file path=ppt/slideLayouts/slideLayout1.xml><?xml version="1.0" encoding="utf-8"?>
-<p:sldLayout xmlns:a="http://schemas.openxmlformats.org/drawingml/2006/main" xmlns:r="http://schemas.openxmlformats.org/officeDocument/2006/relationships" xmlns:mc="http://schemas.openxmlformats.org/markup-compatibility/2006" xmlns:mv="urn:schemas-microsoft-com:mac:vml" xmlns:p="http://schemas.openxmlformats.org/presentationml/2006/main" xmlns:c="http://schemas.openxmlformats.org/drawingml/2006/chart" xmlns:dgm="http://schemas.openxmlformats.org/drawingml/2006/diagram" xmlns:o="urn:schemas-microsoft-com:office:office" xmlns:v="urn:schemas-microsoft-com:vml" xmlns:pvml="urn:schemas-microsoft-com:office:powerpoint" xmlns:com="http://schemas.openxmlformats.org/drawingml/2006/compatibility" xmlns:p14="http://schemas.microsoft.com/office/powerpoint/2010/main" xmlns:p15="http://schemas.microsoft.com/office/powerpoint/2012/main" xmlns:ahyp="http://schemas.microsoft.com/office/drawing/2018/hyperlinkcolor" matchingName="Title slide" type="title">
+<p:sldLayout xmlns:a="http://schemas.openxmlformats.org/drawingml/2006/main" xmlns:r="http://schemas.openxmlformats.org/officeDocument/2006/relationships" xmlns:p="http://schemas.openxmlformats.org/presentationml/2006/main" matchingName="Title slide" type="title">
   <p:cSld name="TITLE">
     <p:spTree>
       <p:nvGrpSpPr>
-        <p:cNvPr id="9" name="Shape 9"/>
+        <p:cNvPr id="1" name="Shape 9"/>
         <p:cNvGrpSpPr/>
         <p:nvPr/>
       </p:nvGrpSpPr>
@@ -1328,9 +1373,13 @@
             <a:ext cx="1081625" cy="1124950"/>
           </a:xfrm>
           <a:custGeom>
-            <a:rect b="b" l="l" r="r" t="t"/>
+            <a:avLst/>
+            <a:gdLst/>
+            <a:ahLst/>
+            <a:cxnLst/>
+            <a:rect l="l" t="t" r="r" b="b"/>
             <a:pathLst>
-              <a:path extrusionOk="0" h="44998" w="43265">
+              <a:path w="43265" h="44998" extrusionOk="0">
                 <a:moveTo>
                   <a:pt x="0" y="44998"/>
                 </a:moveTo>
@@ -1344,14 +1393,14 @@
             </a:pathLst>
           </a:custGeom>
           <a:noFill/>
-          <a:ln cap="flat" cmpd="sng" w="28575">
+          <a:ln w="28575" cap="flat" cmpd="sng">
             <a:solidFill>
               <a:schemeClr val="accent5"/>
             </a:solidFill>
             <a:prstDash val="solid"/>
             <a:miter lim="8000"/>
-            <a:headEnd len="sm" w="sm" type="none"/>
-            <a:tailEnd len="sm" w="sm" type="none"/>
+            <a:headEnd type="none" w="sm" len="sm"/>
+            <a:tailEnd type="none" w="sm" len="sm"/>
           </a:ln>
         </p:spPr>
       </p:sp>
@@ -1367,9 +1416,13 @@
             <a:ext cx="1081625" cy="1124950"/>
           </a:xfrm>
           <a:custGeom>
-            <a:rect b="b" l="l" r="r" t="t"/>
+            <a:avLst/>
+            <a:gdLst/>
+            <a:ahLst/>
+            <a:cxnLst/>
+            <a:rect l="l" t="t" r="r" b="b"/>
             <a:pathLst>
-              <a:path extrusionOk="0" h="44998" w="43265">
+              <a:path w="43265" h="44998" extrusionOk="0">
                 <a:moveTo>
                   <a:pt x="0" y="44998"/>
                 </a:moveTo>
@@ -1383,14 +1436,14 @@
             </a:pathLst>
           </a:custGeom>
           <a:noFill/>
-          <a:ln cap="flat" cmpd="sng" w="28575">
+          <a:ln w="28575" cap="flat" cmpd="sng">
             <a:solidFill>
               <a:schemeClr val="accent5"/>
             </a:solidFill>
             <a:prstDash val="solid"/>
             <a:miter lim="8000"/>
-            <a:headEnd len="sm" w="sm" type="none"/>
-            <a:tailEnd len="sm" w="sm" type="none"/>
+            <a:headEnd type="none" w="sm" len="sm"/>
+            <a:tailEnd type="none" w="sm" len="sm"/>
           </a:ln>
         </p:spPr>
       </p:sp>
@@ -1409,21 +1462,23 @@
             <a:avLst/>
           </a:prstGeom>
           <a:noFill/>
-          <a:ln cap="flat" cmpd="sng" w="38100">
+          <a:ln w="38100" cap="flat" cmpd="sng">
             <a:solidFill>
               <a:schemeClr val="accent4"/>
             </a:solidFill>
             <a:prstDash val="solid"/>
             <a:round/>
-            <a:headEnd len="sm" w="sm" type="none"/>
-            <a:tailEnd len="sm" w="sm" type="none"/>
+            <a:headEnd type="none" w="sm" len="sm"/>
+            <a:tailEnd type="none" w="sm" len="sm"/>
           </a:ln>
         </p:spPr>
       </p:cxnSp>
       <p:sp>
         <p:nvSpPr>
           <p:cNvPr id="13" name="Google Shape;13;p2"/>
-          <p:cNvSpPr txBox="1"/>
+          <p:cNvSpPr txBox="1">
+            <a:spLocks noGrp="1"/>
+          </p:cNvSpPr>
           <p:nvPr>
             <p:ph type="ctrTitle"/>
           </p:nvPr>
@@ -1438,7 +1493,7 @@
           </a:prstGeom>
         </p:spPr>
         <p:txBody>
-          <a:bodyPr anchorCtr="0" anchor="b" bIns="91425" lIns="91425" spcFirstLastPara="1" rIns="91425" wrap="square" tIns="91425">
+          <a:bodyPr spcFirstLastPara="1" wrap="square" lIns="91425" tIns="91425" rIns="91425" bIns="91425" anchor="b" anchorCtr="0">
             <a:normAutofit/>
           </a:bodyPr>
           <a:lstStyle>
@@ -1542,15 +1597,19 @@
               <a:defRPr sz="4000"/>
             </a:lvl9pPr>
           </a:lstStyle>
-          <a:p/>
+          <a:p>
+            <a:endParaRPr/>
+          </a:p>
         </p:txBody>
       </p:sp>
       <p:sp>
         <p:nvSpPr>
           <p:cNvPr id="14" name="Google Shape;14;p2"/>
-          <p:cNvSpPr txBox="1"/>
+          <p:cNvSpPr txBox="1">
+            <a:spLocks noGrp="1"/>
+          </p:cNvSpPr>
           <p:nvPr>
-            <p:ph idx="1" type="subTitle"/>
+            <p:ph type="subTitle" idx="1"/>
           </p:nvPr>
         </p:nvSpPr>
         <p:spPr>
@@ -1563,7 +1622,7 @@
           </a:prstGeom>
         </p:spPr>
         <p:txBody>
-          <a:bodyPr anchorCtr="0" anchor="t" bIns="91425" lIns="91425" spcFirstLastPara="1" rIns="91425" wrap="square" tIns="91425">
+          <a:bodyPr spcFirstLastPara="1" wrap="square" lIns="91425" tIns="91425" rIns="91425" bIns="91425" anchor="t" anchorCtr="0">
             <a:normAutofit/>
           </a:bodyPr>
           <a:lstStyle>
@@ -1802,15 +1861,19 @@
               </a:defRPr>
             </a:lvl9pPr>
           </a:lstStyle>
-          <a:p/>
+          <a:p>
+            <a:endParaRPr/>
+          </a:p>
         </p:txBody>
       </p:sp>
       <p:sp>
         <p:nvSpPr>
           <p:cNvPr id="15" name="Google Shape;15;p2"/>
-          <p:cNvSpPr txBox="1"/>
+          <p:cNvSpPr txBox="1">
+            <a:spLocks noGrp="1"/>
+          </p:cNvSpPr>
           <p:nvPr>
-            <p:ph idx="12" type="sldNum"/>
+            <p:ph type="sldNum" idx="12"/>
           </p:nvPr>
         </p:nvSpPr>
         <p:spPr>
@@ -1823,7 +1886,7 @@
           </a:prstGeom>
         </p:spPr>
         <p:txBody>
-          <a:bodyPr anchorCtr="0" anchor="ctr" bIns="91425" lIns="91425" spcFirstLastPara="1" rIns="91425" wrap="square" tIns="91425">
+          <a:bodyPr spcFirstLastPara="1" wrap="square" lIns="91425" tIns="91425" rIns="91425" bIns="91425" anchor="ctr" anchorCtr="0">
             <a:normAutofit/>
           </a:bodyPr>
           <a:lstStyle>
@@ -1865,7 +1928,7 @@
             </a:lvl9pPr>
           </a:lstStyle>
           <a:p>
-            <a:pPr indent="0" lvl="0" marL="0" rtl="0" algn="r">
+            <a:pPr marL="0" lvl="0" indent="0" algn="r" rtl="0">
               <a:spcBef>
                 <a:spcPts val="0"/>
               </a:spcBef>
@@ -1876,7 +1939,7 @@
             </a:pPr>
             <a:fld id="{00000000-1234-1234-1234-123412341234}" type="slidenum">
               <a:rPr lang="fr"/>
-              <a:t>‹#›</a:t>
+              <a:t>‹N°›</a:t>
             </a:fld>
             <a:endParaRPr/>
           </a:p>
@@ -1891,11 +1954,11 @@
 </file>
 
 <file path=ppt/slideLayouts/slideLayout10.xml><?xml version="1.0" encoding="utf-8"?>
-<p:sldLayout xmlns:a="http://schemas.openxmlformats.org/drawingml/2006/main" xmlns:r="http://schemas.openxmlformats.org/officeDocument/2006/relationships" xmlns:mc="http://schemas.openxmlformats.org/markup-compatibility/2006" xmlns:mv="urn:schemas-microsoft-com:mac:vml" xmlns:p="http://schemas.openxmlformats.org/presentationml/2006/main" xmlns:c="http://schemas.openxmlformats.org/drawingml/2006/chart" xmlns:dgm="http://schemas.openxmlformats.org/drawingml/2006/diagram" xmlns:o="urn:schemas-microsoft-com:office:office" xmlns:v="urn:schemas-microsoft-com:vml" xmlns:pvml="urn:schemas-microsoft-com:office:powerpoint" xmlns:com="http://schemas.openxmlformats.org/drawingml/2006/compatibility" xmlns:p14="http://schemas.microsoft.com/office/powerpoint/2010/main" xmlns:p15="http://schemas.microsoft.com/office/powerpoint/2012/main" xmlns:ahyp="http://schemas.microsoft.com/office/drawing/2018/hyperlinkcolor" matchingName="Big number">
+<p:sldLayout xmlns:a="http://schemas.openxmlformats.org/drawingml/2006/main" xmlns:r="http://schemas.openxmlformats.org/officeDocument/2006/relationships" xmlns:p="http://schemas.openxmlformats.org/presentationml/2006/main" matchingName="Big number">
   <p:cSld name="BIG_NUMBER">
     <p:spTree>
       <p:nvGrpSpPr>
-        <p:cNvPr id="52" name="Shape 52"/>
+        <p:cNvPr id="1" name="Shape 52"/>
         <p:cNvGrpSpPr/>
         <p:nvPr/>
       </p:nvGrpSpPr>
@@ -1929,12 +1992,12 @@
           </a:ln>
         </p:spPr>
         <p:txBody>
-          <a:bodyPr anchorCtr="0" anchor="ctr" bIns="91425" lIns="91425" spcFirstLastPara="1" rIns="91425" wrap="square" tIns="91425">
+          <a:bodyPr spcFirstLastPara="1" wrap="square" lIns="91425" tIns="91425" rIns="91425" bIns="91425" anchor="ctr" anchorCtr="0">
             <a:noAutofit/>
           </a:bodyPr>
           <a:lstStyle/>
           <a:p>
-            <a:pPr indent="0" lvl="0" marL="0" rtl="0" algn="l">
+            <a:pPr marL="0" lvl="0" indent="0" algn="l" rtl="0">
               <a:spcBef>
                 <a:spcPts val="0"/>
               </a:spcBef>
@@ -1943,9 +2006,6 @@
               </a:spcAft>
               <a:buNone/>
             </a:pPr>
-            <a:r>
-              <a:t/>
-            </a:r>
             <a:endParaRPr/>
           </a:p>
         </p:txBody>
@@ -1953,9 +2013,11 @@
       <p:sp>
         <p:nvSpPr>
           <p:cNvPr id="54" name="Google Shape;54;p11"/>
-          <p:cNvSpPr txBox="1"/>
+          <p:cNvSpPr txBox="1">
+            <a:spLocks noGrp="1"/>
+          </p:cNvSpPr>
           <p:nvPr>
-            <p:ph hasCustomPrompt="1" type="title"/>
+            <p:ph type="title" hasCustomPrompt="1"/>
           </p:nvPr>
         </p:nvSpPr>
         <p:spPr>
@@ -1968,7 +2030,7 @@
           </a:prstGeom>
         </p:spPr>
         <p:txBody>
-          <a:bodyPr anchorCtr="0" anchor="ctr" bIns="91425" lIns="91425" spcFirstLastPara="1" rIns="91425" wrap="square" tIns="91425">
+          <a:bodyPr spcFirstLastPara="1" wrap="square" lIns="91425" tIns="91425" rIns="91425" bIns="91425" anchor="ctr" anchorCtr="0">
             <a:normAutofit/>
           </a:bodyPr>
           <a:lstStyle>
@@ -2145,9 +2207,11 @@
       <p:sp>
         <p:nvSpPr>
           <p:cNvPr id="55" name="Google Shape;55;p11"/>
-          <p:cNvSpPr txBox="1"/>
+          <p:cNvSpPr txBox="1">
+            <a:spLocks noGrp="1"/>
+          </p:cNvSpPr>
           <p:nvPr>
-            <p:ph idx="1" type="body"/>
+            <p:ph type="body" idx="1"/>
           </p:nvPr>
         </p:nvSpPr>
         <p:spPr>
@@ -2160,11 +2224,11 @@
           </a:prstGeom>
         </p:spPr>
         <p:txBody>
-          <a:bodyPr anchorCtr="0" anchor="t" bIns="91425" lIns="91425" spcFirstLastPara="1" rIns="91425" wrap="square" tIns="91425">
+          <a:bodyPr spcFirstLastPara="1" wrap="square" lIns="91425" tIns="91425" rIns="91425" bIns="91425" anchor="t" anchorCtr="0">
             <a:normAutofit/>
           </a:bodyPr>
           <a:lstStyle>
-            <a:lvl1pPr indent="-342900" lvl="0" marL="457200" algn="ctr">
+            <a:lvl1pPr marL="457200" lvl="0" indent="-342900" algn="ctr">
               <a:spcBef>
                 <a:spcPts val="0"/>
               </a:spcBef>
@@ -2175,7 +2239,7 @@
               <a:buChar char="●"/>
               <a:defRPr/>
             </a:lvl1pPr>
-            <a:lvl2pPr indent="-317500" lvl="1" marL="914400" algn="ctr">
+            <a:lvl2pPr marL="914400" lvl="1" indent="-317500" algn="ctr">
               <a:spcBef>
                 <a:spcPts val="0"/>
               </a:spcBef>
@@ -2186,7 +2250,7 @@
               <a:buChar char="○"/>
               <a:defRPr/>
             </a:lvl2pPr>
-            <a:lvl3pPr indent="-317500" lvl="2" marL="1371600" algn="ctr">
+            <a:lvl3pPr marL="1371600" lvl="2" indent="-317500" algn="ctr">
               <a:spcBef>
                 <a:spcPts val="0"/>
               </a:spcBef>
@@ -2197,7 +2261,7 @@
               <a:buChar char="■"/>
               <a:defRPr/>
             </a:lvl3pPr>
-            <a:lvl4pPr indent="-317500" lvl="3" marL="1828800" algn="ctr">
+            <a:lvl4pPr marL="1828800" lvl="3" indent="-317500" algn="ctr">
               <a:spcBef>
                 <a:spcPts val="0"/>
               </a:spcBef>
@@ -2208,7 +2272,7 @@
               <a:buChar char="●"/>
               <a:defRPr/>
             </a:lvl4pPr>
-            <a:lvl5pPr indent="-317500" lvl="4" marL="2286000" algn="ctr">
+            <a:lvl5pPr marL="2286000" lvl="4" indent="-317500" algn="ctr">
               <a:spcBef>
                 <a:spcPts val="0"/>
               </a:spcBef>
@@ -2219,7 +2283,7 @@
               <a:buChar char="○"/>
               <a:defRPr/>
             </a:lvl5pPr>
-            <a:lvl6pPr indent="-317500" lvl="5" marL="2743200" algn="ctr">
+            <a:lvl6pPr marL="2743200" lvl="5" indent="-317500" algn="ctr">
               <a:spcBef>
                 <a:spcPts val="0"/>
               </a:spcBef>
@@ -2230,7 +2294,7 @@
               <a:buChar char="■"/>
               <a:defRPr/>
             </a:lvl6pPr>
-            <a:lvl7pPr indent="-317500" lvl="6" marL="3200400" algn="ctr">
+            <a:lvl7pPr marL="3200400" lvl="6" indent="-317500" algn="ctr">
               <a:spcBef>
                 <a:spcPts val="0"/>
               </a:spcBef>
@@ -2241,7 +2305,7 @@
               <a:buChar char="●"/>
               <a:defRPr/>
             </a:lvl7pPr>
-            <a:lvl8pPr indent="-317500" lvl="7" marL="3657600" algn="ctr">
+            <a:lvl8pPr marL="3657600" lvl="7" indent="-317500" algn="ctr">
               <a:spcBef>
                 <a:spcPts val="0"/>
               </a:spcBef>
@@ -2252,7 +2316,7 @@
               <a:buChar char="○"/>
               <a:defRPr/>
             </a:lvl8pPr>
-            <a:lvl9pPr indent="-317500" lvl="8" marL="4114800" algn="ctr">
+            <a:lvl9pPr marL="4114800" lvl="8" indent="-317500" algn="ctr">
               <a:spcBef>
                 <a:spcPts val="0"/>
               </a:spcBef>
@@ -2264,15 +2328,19 @@
               <a:defRPr/>
             </a:lvl9pPr>
           </a:lstStyle>
-          <a:p/>
+          <a:p>
+            <a:endParaRPr/>
+          </a:p>
         </p:txBody>
       </p:sp>
       <p:sp>
         <p:nvSpPr>
           <p:cNvPr id="56" name="Google Shape;56;p11"/>
-          <p:cNvSpPr txBox="1"/>
+          <p:cNvSpPr txBox="1">
+            <a:spLocks noGrp="1"/>
+          </p:cNvSpPr>
           <p:nvPr>
-            <p:ph idx="12" type="sldNum"/>
+            <p:ph type="sldNum" idx="12"/>
           </p:nvPr>
         </p:nvSpPr>
         <p:spPr>
@@ -2285,7 +2353,7 @@
           </a:prstGeom>
         </p:spPr>
         <p:txBody>
-          <a:bodyPr anchorCtr="0" anchor="ctr" bIns="91425" lIns="91425" spcFirstLastPara="1" rIns="91425" wrap="square" tIns="91425">
+          <a:bodyPr spcFirstLastPara="1" wrap="square" lIns="91425" tIns="91425" rIns="91425" bIns="91425" anchor="ctr" anchorCtr="0">
             <a:normAutofit/>
           </a:bodyPr>
           <a:lstStyle>
@@ -2327,7 +2395,7 @@
             </a:lvl9pPr>
           </a:lstStyle>
           <a:p>
-            <a:pPr indent="0" lvl="0" marL="0" rtl="0" algn="r">
+            <a:pPr marL="0" lvl="0" indent="0" algn="r" rtl="0">
               <a:spcBef>
                 <a:spcPts val="0"/>
               </a:spcBef>
@@ -2338,7 +2406,7 @@
             </a:pPr>
             <a:fld id="{00000000-1234-1234-1234-123412341234}" type="slidenum">
               <a:rPr lang="fr"/>
-              <a:t>‹#›</a:t>
+              <a:t>‹N°›</a:t>
             </a:fld>
             <a:endParaRPr/>
           </a:p>
@@ -2353,11 +2421,11 @@
 </file>
 
 <file path=ppt/slideLayouts/slideLayout11.xml><?xml version="1.0" encoding="utf-8"?>
-<p:sldLayout xmlns:a="http://schemas.openxmlformats.org/drawingml/2006/main" xmlns:r="http://schemas.openxmlformats.org/officeDocument/2006/relationships" xmlns:mc="http://schemas.openxmlformats.org/markup-compatibility/2006" xmlns:mv="urn:schemas-microsoft-com:mac:vml" xmlns:p="http://schemas.openxmlformats.org/presentationml/2006/main" xmlns:c="http://schemas.openxmlformats.org/drawingml/2006/chart" xmlns:dgm="http://schemas.openxmlformats.org/drawingml/2006/diagram" xmlns:o="urn:schemas-microsoft-com:office:office" xmlns:v="urn:schemas-microsoft-com:vml" xmlns:pvml="urn:schemas-microsoft-com:office:powerpoint" xmlns:com="http://schemas.openxmlformats.org/drawingml/2006/compatibility" xmlns:p14="http://schemas.microsoft.com/office/powerpoint/2010/main" xmlns:p15="http://schemas.microsoft.com/office/powerpoint/2012/main" xmlns:ahyp="http://schemas.microsoft.com/office/drawing/2018/hyperlinkcolor" matchingName="Blank" type="blank">
+<p:sldLayout xmlns:a="http://schemas.openxmlformats.org/drawingml/2006/main" xmlns:r="http://schemas.openxmlformats.org/officeDocument/2006/relationships" xmlns:p="http://schemas.openxmlformats.org/presentationml/2006/main" matchingName="Blank" type="blank">
   <p:cSld name="BLANK">
     <p:spTree>
       <p:nvGrpSpPr>
-        <p:cNvPr id="57" name="Shape 57"/>
+        <p:cNvPr id="1" name="Shape 57"/>
         <p:cNvGrpSpPr/>
         <p:nvPr/>
       </p:nvGrpSpPr>
@@ -2372,9 +2440,11 @@
       <p:sp>
         <p:nvSpPr>
           <p:cNvPr id="58" name="Google Shape;58;p12"/>
-          <p:cNvSpPr txBox="1"/>
+          <p:cNvSpPr txBox="1">
+            <a:spLocks noGrp="1"/>
+          </p:cNvSpPr>
           <p:nvPr>
-            <p:ph idx="12" type="sldNum"/>
+            <p:ph type="sldNum" idx="12"/>
           </p:nvPr>
         </p:nvSpPr>
         <p:spPr>
@@ -2387,7 +2457,7 @@
           </a:prstGeom>
         </p:spPr>
         <p:txBody>
-          <a:bodyPr anchorCtr="0" anchor="ctr" bIns="91425" lIns="91425" spcFirstLastPara="1" rIns="91425" wrap="square" tIns="91425">
+          <a:bodyPr spcFirstLastPara="1" wrap="square" lIns="91425" tIns="91425" rIns="91425" bIns="91425" anchor="ctr" anchorCtr="0">
             <a:normAutofit/>
           </a:bodyPr>
           <a:lstStyle>
@@ -2429,7 +2499,7 @@
             </a:lvl9pPr>
           </a:lstStyle>
           <a:p>
-            <a:pPr indent="0" lvl="0" marL="0" rtl="0" algn="r">
+            <a:pPr marL="0" lvl="0" indent="0" algn="r" rtl="0">
               <a:spcBef>
                 <a:spcPts val="0"/>
               </a:spcBef>
@@ -2440,7 +2510,7 @@
             </a:pPr>
             <a:fld id="{00000000-1234-1234-1234-123412341234}" type="slidenum">
               <a:rPr lang="fr"/>
-              <a:t>‹#›</a:t>
+              <a:t>‹N°›</a:t>
             </a:fld>
             <a:endParaRPr/>
           </a:p>
@@ -2455,11 +2525,11 @@
 </file>
 
 <file path=ppt/slideLayouts/slideLayout2.xml><?xml version="1.0" encoding="utf-8"?>
-<p:sldLayout xmlns:a="http://schemas.openxmlformats.org/drawingml/2006/main" xmlns:r="http://schemas.openxmlformats.org/officeDocument/2006/relationships" xmlns:mc="http://schemas.openxmlformats.org/markup-compatibility/2006" xmlns:mv="urn:schemas-microsoft-com:mac:vml" xmlns:p="http://schemas.openxmlformats.org/presentationml/2006/main" xmlns:c="http://schemas.openxmlformats.org/drawingml/2006/chart" xmlns:dgm="http://schemas.openxmlformats.org/drawingml/2006/diagram" xmlns:o="urn:schemas-microsoft-com:office:office" xmlns:v="urn:schemas-microsoft-com:vml" xmlns:pvml="urn:schemas-microsoft-com:office:powerpoint" xmlns:com="http://schemas.openxmlformats.org/drawingml/2006/compatibility" xmlns:p14="http://schemas.microsoft.com/office/powerpoint/2010/main" xmlns:p15="http://schemas.microsoft.com/office/powerpoint/2012/main" xmlns:ahyp="http://schemas.microsoft.com/office/drawing/2018/hyperlinkcolor" matchingName="Section header" type="secHead">
+<p:sldLayout xmlns:a="http://schemas.openxmlformats.org/drawingml/2006/main" xmlns:r="http://schemas.openxmlformats.org/officeDocument/2006/relationships" xmlns:p="http://schemas.openxmlformats.org/presentationml/2006/main" matchingName="Section header" type="secHead">
   <p:cSld name="SECTION_HEADER">
     <p:spTree>
       <p:nvGrpSpPr>
-        <p:cNvPr id="16" name="Shape 16"/>
+        <p:cNvPr id="1" name="Shape 16"/>
         <p:cNvGrpSpPr/>
         <p:nvPr/>
       </p:nvGrpSpPr>
@@ -2486,21 +2556,23 @@
             <a:avLst/>
           </a:prstGeom>
           <a:noFill/>
-          <a:ln cap="flat" cmpd="sng" w="38100">
+          <a:ln w="38100" cap="flat" cmpd="sng">
             <a:solidFill>
               <a:schemeClr val="accent4"/>
             </a:solidFill>
             <a:prstDash val="solid"/>
             <a:round/>
-            <a:headEnd len="sm" w="sm" type="none"/>
-            <a:tailEnd len="sm" w="sm" type="none"/>
+            <a:headEnd type="none" w="sm" len="sm"/>
+            <a:tailEnd type="none" w="sm" len="sm"/>
           </a:ln>
         </p:spPr>
       </p:cxnSp>
       <p:sp>
         <p:nvSpPr>
           <p:cNvPr id="18" name="Google Shape;18;p3"/>
-          <p:cNvSpPr txBox="1"/>
+          <p:cNvSpPr txBox="1">
+            <a:spLocks noGrp="1"/>
+          </p:cNvSpPr>
           <p:nvPr>
             <p:ph type="title"/>
           </p:nvPr>
@@ -2515,7 +2587,7 @@
           </a:prstGeom>
         </p:spPr>
         <p:txBody>
-          <a:bodyPr anchorCtr="0" anchor="b" bIns="91425" lIns="91425" spcFirstLastPara="1" rIns="91425" wrap="square" tIns="91425">
+          <a:bodyPr spcFirstLastPara="1" wrap="square" lIns="91425" tIns="91425" rIns="91425" bIns="91425" anchor="b" anchorCtr="0">
             <a:normAutofit/>
           </a:bodyPr>
           <a:lstStyle>
@@ -2619,15 +2691,19 @@
               <a:defRPr sz="4800"/>
             </a:lvl9pPr>
           </a:lstStyle>
-          <a:p/>
+          <a:p>
+            <a:endParaRPr/>
+          </a:p>
         </p:txBody>
       </p:sp>
       <p:sp>
         <p:nvSpPr>
           <p:cNvPr id="19" name="Google Shape;19;p3"/>
-          <p:cNvSpPr txBox="1"/>
+          <p:cNvSpPr txBox="1">
+            <a:spLocks noGrp="1"/>
+          </p:cNvSpPr>
           <p:nvPr>
-            <p:ph idx="12" type="sldNum"/>
+            <p:ph type="sldNum" idx="12"/>
           </p:nvPr>
         </p:nvSpPr>
         <p:spPr>
@@ -2640,7 +2716,7 @@
           </a:prstGeom>
         </p:spPr>
         <p:txBody>
-          <a:bodyPr anchorCtr="0" anchor="ctr" bIns="91425" lIns="91425" spcFirstLastPara="1" rIns="91425" wrap="square" tIns="91425">
+          <a:bodyPr spcFirstLastPara="1" wrap="square" lIns="91425" tIns="91425" rIns="91425" bIns="91425" anchor="ctr" anchorCtr="0">
             <a:normAutofit/>
           </a:bodyPr>
           <a:lstStyle>
@@ -2682,7 +2758,7 @@
             </a:lvl9pPr>
           </a:lstStyle>
           <a:p>
-            <a:pPr indent="0" lvl="0" marL="0" rtl="0" algn="r">
+            <a:pPr marL="0" lvl="0" indent="0" algn="r" rtl="0">
               <a:spcBef>
                 <a:spcPts val="0"/>
               </a:spcBef>
@@ -2693,7 +2769,7 @@
             </a:pPr>
             <a:fld id="{00000000-1234-1234-1234-123412341234}" type="slidenum">
               <a:rPr lang="fr"/>
-              <a:t>‹#›</a:t>
+              <a:t>‹N°›</a:t>
             </a:fld>
             <a:endParaRPr/>
           </a:p>
@@ -2708,11 +2784,11 @@
 </file>
 
 <file path=ppt/slideLayouts/slideLayout3.xml><?xml version="1.0" encoding="utf-8"?>
-<p:sldLayout xmlns:a="http://schemas.openxmlformats.org/drawingml/2006/main" xmlns:r="http://schemas.openxmlformats.org/officeDocument/2006/relationships" xmlns:mc="http://schemas.openxmlformats.org/markup-compatibility/2006" xmlns:mv="urn:schemas-microsoft-com:mac:vml" xmlns:p="http://schemas.openxmlformats.org/presentationml/2006/main" xmlns:c="http://schemas.openxmlformats.org/drawingml/2006/chart" xmlns:dgm="http://schemas.openxmlformats.org/drawingml/2006/diagram" xmlns:o="urn:schemas-microsoft-com:office:office" xmlns:v="urn:schemas-microsoft-com:vml" xmlns:pvml="urn:schemas-microsoft-com:office:powerpoint" xmlns:com="http://schemas.openxmlformats.org/drawingml/2006/compatibility" xmlns:p14="http://schemas.microsoft.com/office/powerpoint/2010/main" xmlns:p15="http://schemas.microsoft.com/office/powerpoint/2012/main" xmlns:ahyp="http://schemas.microsoft.com/office/drawing/2018/hyperlinkcolor" matchingName="Title and body" type="tx">
+<p:sldLayout xmlns:a="http://schemas.openxmlformats.org/drawingml/2006/main" xmlns:r="http://schemas.openxmlformats.org/officeDocument/2006/relationships" xmlns:p="http://schemas.openxmlformats.org/presentationml/2006/main" matchingName="Title and body" type="tx">
   <p:cSld name="TITLE_AND_BODY">
     <p:spTree>
       <p:nvGrpSpPr>
-        <p:cNvPr id="20" name="Shape 20"/>
+        <p:cNvPr id="1" name="Shape 20"/>
         <p:cNvGrpSpPr/>
         <p:nvPr/>
       </p:nvGrpSpPr>
@@ -2739,21 +2815,23 @@
             <a:avLst/>
           </a:prstGeom>
           <a:noFill/>
-          <a:ln cap="flat" cmpd="sng" w="38100">
+          <a:ln w="38100" cap="flat" cmpd="sng">
             <a:solidFill>
               <a:schemeClr val="accent4"/>
             </a:solidFill>
             <a:prstDash val="solid"/>
             <a:round/>
-            <a:headEnd len="sm" w="sm" type="none"/>
-            <a:tailEnd len="sm" w="sm" type="none"/>
+            <a:headEnd type="none" w="sm" len="sm"/>
+            <a:tailEnd type="none" w="sm" len="sm"/>
           </a:ln>
         </p:spPr>
       </p:cxnSp>
       <p:sp>
         <p:nvSpPr>
           <p:cNvPr id="22" name="Google Shape;22;p4"/>
-          <p:cNvSpPr txBox="1"/>
+          <p:cNvSpPr txBox="1">
+            <a:spLocks noGrp="1"/>
+          </p:cNvSpPr>
           <p:nvPr>
             <p:ph type="title"/>
           </p:nvPr>
@@ -2768,7 +2846,7 @@
           </a:prstGeom>
         </p:spPr>
         <p:txBody>
-          <a:bodyPr anchorCtr="0" anchor="b" bIns="91425" lIns="91425" spcFirstLastPara="1" rIns="91425" wrap="square" tIns="91425">
+          <a:bodyPr spcFirstLastPara="1" wrap="square" lIns="91425" tIns="91425" rIns="91425" bIns="91425" anchor="b" anchorCtr="0">
             <a:normAutofit/>
           </a:bodyPr>
           <a:lstStyle>
@@ -2872,15 +2950,19 @@
               <a:defRPr/>
             </a:lvl9pPr>
           </a:lstStyle>
-          <a:p/>
+          <a:p>
+            <a:endParaRPr/>
+          </a:p>
         </p:txBody>
       </p:sp>
       <p:sp>
         <p:nvSpPr>
           <p:cNvPr id="23" name="Google Shape;23;p4"/>
-          <p:cNvSpPr txBox="1"/>
+          <p:cNvSpPr txBox="1">
+            <a:spLocks noGrp="1"/>
+          </p:cNvSpPr>
           <p:nvPr>
-            <p:ph idx="1" type="body"/>
+            <p:ph type="body" idx="1"/>
           </p:nvPr>
         </p:nvSpPr>
         <p:spPr>
@@ -2893,11 +2975,11 @@
           </a:prstGeom>
         </p:spPr>
         <p:txBody>
-          <a:bodyPr anchorCtr="0" anchor="t" bIns="91425" lIns="91425" spcFirstLastPara="1" rIns="91425" wrap="square" tIns="91425">
+          <a:bodyPr spcFirstLastPara="1" wrap="square" lIns="91425" tIns="91425" rIns="91425" bIns="91425" anchor="t" anchorCtr="0">
             <a:normAutofit/>
           </a:bodyPr>
           <a:lstStyle>
-            <a:lvl1pPr indent="-342900" lvl="0" marL="457200">
+            <a:lvl1pPr marL="457200" lvl="0" indent="-342900">
               <a:spcBef>
                 <a:spcPts val="0"/>
               </a:spcBef>
@@ -2908,7 +2990,7 @@
               <a:buChar char="●"/>
               <a:defRPr/>
             </a:lvl1pPr>
-            <a:lvl2pPr indent="-317500" lvl="1" marL="914400">
+            <a:lvl2pPr marL="914400" lvl="1" indent="-317500">
               <a:spcBef>
                 <a:spcPts val="0"/>
               </a:spcBef>
@@ -2919,7 +3001,7 @@
               <a:buChar char="○"/>
               <a:defRPr/>
             </a:lvl2pPr>
-            <a:lvl3pPr indent="-317500" lvl="2" marL="1371600">
+            <a:lvl3pPr marL="1371600" lvl="2" indent="-317500">
               <a:spcBef>
                 <a:spcPts val="0"/>
               </a:spcBef>
@@ -2930,7 +3012,7 @@
               <a:buChar char="■"/>
               <a:defRPr/>
             </a:lvl3pPr>
-            <a:lvl4pPr indent="-317500" lvl="3" marL="1828800">
+            <a:lvl4pPr marL="1828800" lvl="3" indent="-317500">
               <a:spcBef>
                 <a:spcPts val="0"/>
               </a:spcBef>
@@ -2941,7 +3023,7 @@
               <a:buChar char="●"/>
               <a:defRPr/>
             </a:lvl4pPr>
-            <a:lvl5pPr indent="-317500" lvl="4" marL="2286000">
+            <a:lvl5pPr marL="2286000" lvl="4" indent="-317500">
               <a:spcBef>
                 <a:spcPts val="0"/>
               </a:spcBef>
@@ -2952,7 +3034,7 @@
               <a:buChar char="○"/>
               <a:defRPr/>
             </a:lvl5pPr>
-            <a:lvl6pPr indent="-317500" lvl="5" marL="2743200">
+            <a:lvl6pPr marL="2743200" lvl="5" indent="-317500">
               <a:spcBef>
                 <a:spcPts val="0"/>
               </a:spcBef>
@@ -2963,7 +3045,7 @@
               <a:buChar char="■"/>
               <a:defRPr/>
             </a:lvl6pPr>
-            <a:lvl7pPr indent="-317500" lvl="6" marL="3200400">
+            <a:lvl7pPr marL="3200400" lvl="6" indent="-317500">
               <a:spcBef>
                 <a:spcPts val="0"/>
               </a:spcBef>
@@ -2974,7 +3056,7 @@
               <a:buChar char="●"/>
               <a:defRPr/>
             </a:lvl7pPr>
-            <a:lvl8pPr indent="-317500" lvl="7" marL="3657600">
+            <a:lvl8pPr marL="3657600" lvl="7" indent="-317500">
               <a:spcBef>
                 <a:spcPts val="0"/>
               </a:spcBef>
@@ -2985,7 +3067,7 @@
               <a:buChar char="○"/>
               <a:defRPr/>
             </a:lvl8pPr>
-            <a:lvl9pPr indent="-317500" lvl="8" marL="4114800">
+            <a:lvl9pPr marL="4114800" lvl="8" indent="-317500">
               <a:spcBef>
                 <a:spcPts val="0"/>
               </a:spcBef>
@@ -2997,15 +3079,19 @@
               <a:defRPr/>
             </a:lvl9pPr>
           </a:lstStyle>
-          <a:p/>
+          <a:p>
+            <a:endParaRPr/>
+          </a:p>
         </p:txBody>
       </p:sp>
       <p:sp>
         <p:nvSpPr>
           <p:cNvPr id="24" name="Google Shape;24;p4"/>
-          <p:cNvSpPr txBox="1"/>
+          <p:cNvSpPr txBox="1">
+            <a:spLocks noGrp="1"/>
+          </p:cNvSpPr>
           <p:nvPr>
-            <p:ph idx="12" type="sldNum"/>
+            <p:ph type="sldNum" idx="12"/>
           </p:nvPr>
         </p:nvSpPr>
         <p:spPr>
@@ -3018,7 +3104,7 @@
           </a:prstGeom>
         </p:spPr>
         <p:txBody>
-          <a:bodyPr anchorCtr="0" anchor="ctr" bIns="91425" lIns="91425" spcFirstLastPara="1" rIns="91425" wrap="square" tIns="91425">
+          <a:bodyPr spcFirstLastPara="1" wrap="square" lIns="91425" tIns="91425" rIns="91425" bIns="91425" anchor="ctr" anchorCtr="0">
             <a:normAutofit/>
           </a:bodyPr>
           <a:lstStyle>
@@ -3060,7 +3146,7 @@
             </a:lvl9pPr>
           </a:lstStyle>
           <a:p>
-            <a:pPr indent="0" lvl="0" marL="0" rtl="0" algn="r">
+            <a:pPr marL="0" lvl="0" indent="0" algn="r" rtl="0">
               <a:spcBef>
                 <a:spcPts val="0"/>
               </a:spcBef>
@@ -3071,7 +3157,7 @@
             </a:pPr>
             <a:fld id="{00000000-1234-1234-1234-123412341234}" type="slidenum">
               <a:rPr lang="fr"/>
-              <a:t>‹#›</a:t>
+              <a:t>‹N°›</a:t>
             </a:fld>
             <a:endParaRPr/>
           </a:p>
@@ -3086,11 +3172,11 @@
 </file>
 
 <file path=ppt/slideLayouts/slideLayout4.xml><?xml version="1.0" encoding="utf-8"?>
-<p:sldLayout xmlns:a="http://schemas.openxmlformats.org/drawingml/2006/main" xmlns:r="http://schemas.openxmlformats.org/officeDocument/2006/relationships" xmlns:mc="http://schemas.openxmlformats.org/markup-compatibility/2006" xmlns:mv="urn:schemas-microsoft-com:mac:vml" xmlns:p="http://schemas.openxmlformats.org/presentationml/2006/main" xmlns:c="http://schemas.openxmlformats.org/drawingml/2006/chart" xmlns:dgm="http://schemas.openxmlformats.org/drawingml/2006/diagram" xmlns:o="urn:schemas-microsoft-com:office:office" xmlns:v="urn:schemas-microsoft-com:vml" xmlns:pvml="urn:schemas-microsoft-com:office:powerpoint" xmlns:com="http://schemas.openxmlformats.org/drawingml/2006/compatibility" xmlns:p14="http://schemas.microsoft.com/office/powerpoint/2010/main" xmlns:p15="http://schemas.microsoft.com/office/powerpoint/2012/main" xmlns:ahyp="http://schemas.microsoft.com/office/drawing/2018/hyperlinkcolor" matchingName="Title and two columns" type="twoColTx">
+<p:sldLayout xmlns:a="http://schemas.openxmlformats.org/drawingml/2006/main" xmlns:r="http://schemas.openxmlformats.org/officeDocument/2006/relationships" xmlns:p="http://schemas.openxmlformats.org/presentationml/2006/main" matchingName="Title and two columns" type="twoColTx">
   <p:cSld name="TITLE_AND_TWO_COLUMNS">
     <p:spTree>
       <p:nvGrpSpPr>
-        <p:cNvPr id="25" name="Shape 25"/>
+        <p:cNvPr id="1" name="Shape 25"/>
         <p:cNvGrpSpPr/>
         <p:nvPr/>
       </p:nvGrpSpPr>
@@ -3117,21 +3203,23 @@
             <a:avLst/>
           </a:prstGeom>
           <a:noFill/>
-          <a:ln cap="flat" cmpd="sng" w="38100">
+          <a:ln w="38100" cap="flat" cmpd="sng">
             <a:solidFill>
               <a:schemeClr val="accent4"/>
             </a:solidFill>
             <a:prstDash val="solid"/>
             <a:round/>
-            <a:headEnd len="sm" w="sm" type="none"/>
-            <a:tailEnd len="sm" w="sm" type="none"/>
+            <a:headEnd type="none" w="sm" len="sm"/>
+            <a:tailEnd type="none" w="sm" len="sm"/>
           </a:ln>
         </p:spPr>
       </p:cxnSp>
       <p:sp>
         <p:nvSpPr>
           <p:cNvPr id="27" name="Google Shape;27;p5"/>
-          <p:cNvSpPr txBox="1"/>
+          <p:cNvSpPr txBox="1">
+            <a:spLocks noGrp="1"/>
+          </p:cNvSpPr>
           <p:nvPr>
             <p:ph type="title"/>
           </p:nvPr>
@@ -3146,7 +3234,7 @@
           </a:prstGeom>
         </p:spPr>
         <p:txBody>
-          <a:bodyPr anchorCtr="0" anchor="b" bIns="91425" lIns="91425" spcFirstLastPara="1" rIns="91425" wrap="square" tIns="91425">
+          <a:bodyPr spcFirstLastPara="1" wrap="square" lIns="91425" tIns="91425" rIns="91425" bIns="91425" anchor="b" anchorCtr="0">
             <a:normAutofit/>
           </a:bodyPr>
           <a:lstStyle>
@@ -3250,15 +3338,19 @@
               <a:defRPr/>
             </a:lvl9pPr>
           </a:lstStyle>
-          <a:p/>
+          <a:p>
+            <a:endParaRPr/>
+          </a:p>
         </p:txBody>
       </p:sp>
       <p:sp>
         <p:nvSpPr>
           <p:cNvPr id="28" name="Google Shape;28;p5"/>
-          <p:cNvSpPr txBox="1"/>
+          <p:cNvSpPr txBox="1">
+            <a:spLocks noGrp="1"/>
+          </p:cNvSpPr>
           <p:nvPr>
-            <p:ph idx="1" type="body"/>
+            <p:ph type="body" idx="1"/>
           </p:nvPr>
         </p:nvSpPr>
         <p:spPr>
@@ -3271,11 +3363,11 @@
           </a:prstGeom>
         </p:spPr>
         <p:txBody>
-          <a:bodyPr anchorCtr="0" anchor="t" bIns="91425" lIns="91425" spcFirstLastPara="1" rIns="91425" wrap="square" tIns="91425">
+          <a:bodyPr spcFirstLastPara="1" wrap="square" lIns="91425" tIns="91425" rIns="91425" bIns="91425" anchor="t" anchorCtr="0">
             <a:normAutofit/>
           </a:bodyPr>
           <a:lstStyle>
-            <a:lvl1pPr indent="-317500" lvl="0" marL="457200">
+            <a:lvl1pPr marL="457200" lvl="0" indent="-317500">
               <a:spcBef>
                 <a:spcPts val="0"/>
               </a:spcBef>
@@ -3286,7 +3378,7 @@
               <a:buChar char="●"/>
               <a:defRPr sz="1400"/>
             </a:lvl1pPr>
-            <a:lvl2pPr indent="-304800" lvl="1" marL="914400">
+            <a:lvl2pPr marL="914400" lvl="1" indent="-304800">
               <a:spcBef>
                 <a:spcPts val="0"/>
               </a:spcBef>
@@ -3297,7 +3389,7 @@
               <a:buChar char="○"/>
               <a:defRPr sz="1200"/>
             </a:lvl2pPr>
-            <a:lvl3pPr indent="-304800" lvl="2" marL="1371600">
+            <a:lvl3pPr marL="1371600" lvl="2" indent="-304800">
               <a:spcBef>
                 <a:spcPts val="0"/>
               </a:spcBef>
@@ -3308,7 +3400,7 @@
               <a:buChar char="■"/>
               <a:defRPr sz="1200"/>
             </a:lvl3pPr>
-            <a:lvl4pPr indent="-304800" lvl="3" marL="1828800">
+            <a:lvl4pPr marL="1828800" lvl="3" indent="-304800">
               <a:spcBef>
                 <a:spcPts val="0"/>
               </a:spcBef>
@@ -3319,7 +3411,7 @@
               <a:buChar char="●"/>
               <a:defRPr sz="1200"/>
             </a:lvl4pPr>
-            <a:lvl5pPr indent="-304800" lvl="4" marL="2286000">
+            <a:lvl5pPr marL="2286000" lvl="4" indent="-304800">
               <a:spcBef>
                 <a:spcPts val="0"/>
               </a:spcBef>
@@ -3330,7 +3422,7 @@
               <a:buChar char="○"/>
               <a:defRPr sz="1200"/>
             </a:lvl5pPr>
-            <a:lvl6pPr indent="-304800" lvl="5" marL="2743200">
+            <a:lvl6pPr marL="2743200" lvl="5" indent="-304800">
               <a:spcBef>
                 <a:spcPts val="0"/>
               </a:spcBef>
@@ -3341,7 +3433,7 @@
               <a:buChar char="■"/>
               <a:defRPr sz="1200"/>
             </a:lvl6pPr>
-            <a:lvl7pPr indent="-304800" lvl="6" marL="3200400">
+            <a:lvl7pPr marL="3200400" lvl="6" indent="-304800">
               <a:spcBef>
                 <a:spcPts val="0"/>
               </a:spcBef>
@@ -3352,7 +3444,7 @@
               <a:buChar char="●"/>
               <a:defRPr sz="1200"/>
             </a:lvl7pPr>
-            <a:lvl8pPr indent="-304800" lvl="7" marL="3657600">
+            <a:lvl8pPr marL="3657600" lvl="7" indent="-304800">
               <a:spcBef>
                 <a:spcPts val="0"/>
               </a:spcBef>
@@ -3363,7 +3455,7 @@
               <a:buChar char="○"/>
               <a:defRPr sz="1200"/>
             </a:lvl8pPr>
-            <a:lvl9pPr indent="-304800" lvl="8" marL="4114800">
+            <a:lvl9pPr marL="4114800" lvl="8" indent="-304800">
               <a:spcBef>
                 <a:spcPts val="0"/>
               </a:spcBef>
@@ -3375,15 +3467,19 @@
               <a:defRPr sz="1200"/>
             </a:lvl9pPr>
           </a:lstStyle>
-          <a:p/>
+          <a:p>
+            <a:endParaRPr/>
+          </a:p>
         </p:txBody>
       </p:sp>
       <p:sp>
         <p:nvSpPr>
           <p:cNvPr id="29" name="Google Shape;29;p5"/>
-          <p:cNvSpPr txBox="1"/>
+          <p:cNvSpPr txBox="1">
+            <a:spLocks noGrp="1"/>
+          </p:cNvSpPr>
           <p:nvPr>
-            <p:ph idx="2" type="body"/>
+            <p:ph type="body" idx="2"/>
           </p:nvPr>
         </p:nvSpPr>
         <p:spPr>
@@ -3396,11 +3492,11 @@
           </a:prstGeom>
         </p:spPr>
         <p:txBody>
-          <a:bodyPr anchorCtr="0" anchor="t" bIns="91425" lIns="91425" spcFirstLastPara="1" rIns="91425" wrap="square" tIns="91425">
+          <a:bodyPr spcFirstLastPara="1" wrap="square" lIns="91425" tIns="91425" rIns="91425" bIns="91425" anchor="t" anchorCtr="0">
             <a:normAutofit/>
           </a:bodyPr>
           <a:lstStyle>
-            <a:lvl1pPr indent="-317500" lvl="0" marL="457200">
+            <a:lvl1pPr marL="457200" lvl="0" indent="-317500">
               <a:spcBef>
                 <a:spcPts val="0"/>
               </a:spcBef>
@@ -3411,7 +3507,7 @@
               <a:buChar char="●"/>
               <a:defRPr sz="1400"/>
             </a:lvl1pPr>
-            <a:lvl2pPr indent="-304800" lvl="1" marL="914400">
+            <a:lvl2pPr marL="914400" lvl="1" indent="-304800">
               <a:spcBef>
                 <a:spcPts val="0"/>
               </a:spcBef>
@@ -3422,7 +3518,7 @@
               <a:buChar char="○"/>
               <a:defRPr sz="1200"/>
             </a:lvl2pPr>
-            <a:lvl3pPr indent="-304800" lvl="2" marL="1371600">
+            <a:lvl3pPr marL="1371600" lvl="2" indent="-304800">
               <a:spcBef>
                 <a:spcPts val="0"/>
               </a:spcBef>
@@ -3433,7 +3529,7 @@
               <a:buChar char="■"/>
               <a:defRPr sz="1200"/>
             </a:lvl3pPr>
-            <a:lvl4pPr indent="-304800" lvl="3" marL="1828800">
+            <a:lvl4pPr marL="1828800" lvl="3" indent="-304800">
               <a:spcBef>
                 <a:spcPts val="0"/>
               </a:spcBef>
@@ -3444,7 +3540,7 @@
               <a:buChar char="●"/>
               <a:defRPr sz="1200"/>
             </a:lvl4pPr>
-            <a:lvl5pPr indent="-304800" lvl="4" marL="2286000">
+            <a:lvl5pPr marL="2286000" lvl="4" indent="-304800">
               <a:spcBef>
                 <a:spcPts val="0"/>
               </a:spcBef>
@@ -3455,7 +3551,7 @@
               <a:buChar char="○"/>
               <a:defRPr sz="1200"/>
             </a:lvl5pPr>
-            <a:lvl6pPr indent="-304800" lvl="5" marL="2743200">
+            <a:lvl6pPr marL="2743200" lvl="5" indent="-304800">
               <a:spcBef>
                 <a:spcPts val="0"/>
               </a:spcBef>
@@ -3466,7 +3562,7 @@
               <a:buChar char="■"/>
               <a:defRPr sz="1200"/>
             </a:lvl6pPr>
-            <a:lvl7pPr indent="-304800" lvl="6" marL="3200400">
+            <a:lvl7pPr marL="3200400" lvl="6" indent="-304800">
               <a:spcBef>
                 <a:spcPts val="0"/>
               </a:spcBef>
@@ -3477,7 +3573,7 @@
               <a:buChar char="●"/>
               <a:defRPr sz="1200"/>
             </a:lvl7pPr>
-            <a:lvl8pPr indent="-304800" lvl="7" marL="3657600">
+            <a:lvl8pPr marL="3657600" lvl="7" indent="-304800">
               <a:spcBef>
                 <a:spcPts val="0"/>
               </a:spcBef>
@@ -3488,7 +3584,7 @@
               <a:buChar char="○"/>
               <a:defRPr sz="1200"/>
             </a:lvl8pPr>
-            <a:lvl9pPr indent="-304800" lvl="8" marL="4114800">
+            <a:lvl9pPr marL="4114800" lvl="8" indent="-304800">
               <a:spcBef>
                 <a:spcPts val="0"/>
               </a:spcBef>
@@ -3500,15 +3596,19 @@
               <a:defRPr sz="1200"/>
             </a:lvl9pPr>
           </a:lstStyle>
-          <a:p/>
+          <a:p>
+            <a:endParaRPr/>
+          </a:p>
         </p:txBody>
       </p:sp>
       <p:sp>
         <p:nvSpPr>
           <p:cNvPr id="30" name="Google Shape;30;p5"/>
-          <p:cNvSpPr txBox="1"/>
+          <p:cNvSpPr txBox="1">
+            <a:spLocks noGrp="1"/>
+          </p:cNvSpPr>
           <p:nvPr>
-            <p:ph idx="12" type="sldNum"/>
+            <p:ph type="sldNum" idx="12"/>
           </p:nvPr>
         </p:nvSpPr>
         <p:spPr>
@@ -3521,7 +3621,7 @@
           </a:prstGeom>
         </p:spPr>
         <p:txBody>
-          <a:bodyPr anchorCtr="0" anchor="ctr" bIns="91425" lIns="91425" spcFirstLastPara="1" rIns="91425" wrap="square" tIns="91425">
+          <a:bodyPr spcFirstLastPara="1" wrap="square" lIns="91425" tIns="91425" rIns="91425" bIns="91425" anchor="ctr" anchorCtr="0">
             <a:normAutofit/>
           </a:bodyPr>
           <a:lstStyle>
@@ -3563,7 +3663,7 @@
             </a:lvl9pPr>
           </a:lstStyle>
           <a:p>
-            <a:pPr indent="0" lvl="0" marL="0" rtl="0" algn="r">
+            <a:pPr marL="0" lvl="0" indent="0" algn="r" rtl="0">
               <a:spcBef>
                 <a:spcPts val="0"/>
               </a:spcBef>
@@ -3574,7 +3674,7 @@
             </a:pPr>
             <a:fld id="{00000000-1234-1234-1234-123412341234}" type="slidenum">
               <a:rPr lang="fr"/>
-              <a:t>‹#›</a:t>
+              <a:t>‹N°›</a:t>
             </a:fld>
             <a:endParaRPr/>
           </a:p>
@@ -3589,11 +3689,11 @@
 </file>
 
 <file path=ppt/slideLayouts/slideLayout5.xml><?xml version="1.0" encoding="utf-8"?>
-<p:sldLayout xmlns:a="http://schemas.openxmlformats.org/drawingml/2006/main" xmlns:r="http://schemas.openxmlformats.org/officeDocument/2006/relationships" xmlns:mc="http://schemas.openxmlformats.org/markup-compatibility/2006" xmlns:mv="urn:schemas-microsoft-com:mac:vml" xmlns:p="http://schemas.openxmlformats.org/presentationml/2006/main" xmlns:c="http://schemas.openxmlformats.org/drawingml/2006/chart" xmlns:dgm="http://schemas.openxmlformats.org/drawingml/2006/diagram" xmlns:o="urn:schemas-microsoft-com:office:office" xmlns:v="urn:schemas-microsoft-com:vml" xmlns:pvml="urn:schemas-microsoft-com:office:powerpoint" xmlns:com="http://schemas.openxmlformats.org/drawingml/2006/compatibility" xmlns:p14="http://schemas.microsoft.com/office/powerpoint/2010/main" xmlns:p15="http://schemas.microsoft.com/office/powerpoint/2012/main" xmlns:ahyp="http://schemas.microsoft.com/office/drawing/2018/hyperlinkcolor" matchingName="Title only" type="titleOnly">
+<p:sldLayout xmlns:a="http://schemas.openxmlformats.org/drawingml/2006/main" xmlns:r="http://schemas.openxmlformats.org/officeDocument/2006/relationships" xmlns:p="http://schemas.openxmlformats.org/presentationml/2006/main" matchingName="Title only" type="titleOnly">
   <p:cSld name="TITLE_ONLY">
     <p:spTree>
       <p:nvGrpSpPr>
-        <p:cNvPr id="31" name="Shape 31"/>
+        <p:cNvPr id="1" name="Shape 31"/>
         <p:cNvGrpSpPr/>
         <p:nvPr/>
       </p:nvGrpSpPr>
@@ -3608,7 +3708,9 @@
       <p:sp>
         <p:nvSpPr>
           <p:cNvPr id="32" name="Google Shape;32;p6"/>
-          <p:cNvSpPr txBox="1"/>
+          <p:cNvSpPr txBox="1">
+            <a:spLocks noGrp="1"/>
+          </p:cNvSpPr>
           <p:nvPr>
             <p:ph type="title"/>
           </p:nvPr>
@@ -3623,7 +3725,7 @@
           </a:prstGeom>
         </p:spPr>
         <p:txBody>
-          <a:bodyPr anchorCtr="0" anchor="b" bIns="91425" lIns="91425" spcFirstLastPara="1" rIns="91425" wrap="square" tIns="91425">
+          <a:bodyPr spcFirstLastPara="1" wrap="square" lIns="91425" tIns="91425" rIns="91425" bIns="91425" anchor="b" anchorCtr="0">
             <a:normAutofit/>
           </a:bodyPr>
           <a:lstStyle>
@@ -3727,15 +3829,19 @@
               <a:defRPr/>
             </a:lvl9pPr>
           </a:lstStyle>
-          <a:p/>
+          <a:p>
+            <a:endParaRPr/>
+          </a:p>
         </p:txBody>
       </p:sp>
       <p:sp>
         <p:nvSpPr>
           <p:cNvPr id="33" name="Google Shape;33;p6"/>
-          <p:cNvSpPr txBox="1"/>
+          <p:cNvSpPr txBox="1">
+            <a:spLocks noGrp="1"/>
+          </p:cNvSpPr>
           <p:nvPr>
-            <p:ph idx="12" type="sldNum"/>
+            <p:ph type="sldNum" idx="12"/>
           </p:nvPr>
         </p:nvSpPr>
         <p:spPr>
@@ -3748,7 +3854,7 @@
           </a:prstGeom>
         </p:spPr>
         <p:txBody>
-          <a:bodyPr anchorCtr="0" anchor="ctr" bIns="91425" lIns="91425" spcFirstLastPara="1" rIns="91425" wrap="square" tIns="91425">
+          <a:bodyPr spcFirstLastPara="1" wrap="square" lIns="91425" tIns="91425" rIns="91425" bIns="91425" anchor="ctr" anchorCtr="0">
             <a:normAutofit/>
           </a:bodyPr>
           <a:lstStyle>
@@ -3790,7 +3896,7 @@
             </a:lvl9pPr>
           </a:lstStyle>
           <a:p>
-            <a:pPr indent="0" lvl="0" marL="0" rtl="0" algn="r">
+            <a:pPr marL="0" lvl="0" indent="0" algn="r" rtl="0">
               <a:spcBef>
                 <a:spcPts val="0"/>
               </a:spcBef>
@@ -3801,7 +3907,7 @@
             </a:pPr>
             <a:fld id="{00000000-1234-1234-1234-123412341234}" type="slidenum">
               <a:rPr lang="fr"/>
-              <a:t>‹#›</a:t>
+              <a:t>‹N°›</a:t>
             </a:fld>
             <a:endParaRPr/>
           </a:p>
@@ -3816,11 +3922,11 @@
 </file>
 
 <file path=ppt/slideLayouts/slideLayout6.xml><?xml version="1.0" encoding="utf-8"?>
-<p:sldLayout xmlns:a="http://schemas.openxmlformats.org/drawingml/2006/main" xmlns:r="http://schemas.openxmlformats.org/officeDocument/2006/relationships" xmlns:mc="http://schemas.openxmlformats.org/markup-compatibility/2006" xmlns:mv="urn:schemas-microsoft-com:mac:vml" xmlns:p="http://schemas.openxmlformats.org/presentationml/2006/main" xmlns:c="http://schemas.openxmlformats.org/drawingml/2006/chart" xmlns:dgm="http://schemas.openxmlformats.org/drawingml/2006/diagram" xmlns:o="urn:schemas-microsoft-com:office:office" xmlns:v="urn:schemas-microsoft-com:vml" xmlns:pvml="urn:schemas-microsoft-com:office:powerpoint" xmlns:com="http://schemas.openxmlformats.org/drawingml/2006/compatibility" xmlns:p14="http://schemas.microsoft.com/office/powerpoint/2010/main" xmlns:p15="http://schemas.microsoft.com/office/powerpoint/2012/main" xmlns:ahyp="http://schemas.microsoft.com/office/drawing/2018/hyperlinkcolor" matchingName="One column text">
+<p:sldLayout xmlns:a="http://schemas.openxmlformats.org/drawingml/2006/main" xmlns:r="http://schemas.openxmlformats.org/officeDocument/2006/relationships" xmlns:p="http://schemas.openxmlformats.org/presentationml/2006/main" matchingName="One column text">
   <p:cSld name="ONE_COLUMN_TEXT">
     <p:spTree>
       <p:nvGrpSpPr>
-        <p:cNvPr id="34" name="Shape 34"/>
+        <p:cNvPr id="1" name="Shape 34"/>
         <p:cNvGrpSpPr/>
         <p:nvPr/>
       </p:nvGrpSpPr>
@@ -3847,21 +3953,23 @@
             <a:avLst/>
           </a:prstGeom>
           <a:noFill/>
-          <a:ln cap="flat" cmpd="sng" w="38100">
+          <a:ln w="38100" cap="flat" cmpd="sng">
             <a:solidFill>
               <a:schemeClr val="accent4"/>
             </a:solidFill>
             <a:prstDash val="solid"/>
             <a:round/>
-            <a:headEnd len="sm" w="sm" type="none"/>
-            <a:tailEnd len="sm" w="sm" type="none"/>
+            <a:headEnd type="none" w="sm" len="sm"/>
+            <a:tailEnd type="none" w="sm" len="sm"/>
           </a:ln>
         </p:spPr>
       </p:cxnSp>
       <p:sp>
         <p:nvSpPr>
           <p:cNvPr id="36" name="Google Shape;36;p7"/>
-          <p:cNvSpPr txBox="1"/>
+          <p:cNvSpPr txBox="1">
+            <a:spLocks noGrp="1"/>
+          </p:cNvSpPr>
           <p:nvPr>
             <p:ph type="title"/>
           </p:nvPr>
@@ -3876,7 +3984,7 @@
           </a:prstGeom>
         </p:spPr>
         <p:txBody>
-          <a:bodyPr anchorCtr="0" anchor="b" bIns="91425" lIns="91425" spcFirstLastPara="1" rIns="91425" wrap="square" tIns="91425">
+          <a:bodyPr spcFirstLastPara="1" wrap="square" lIns="91425" tIns="91425" rIns="91425" bIns="91425" anchor="b" anchorCtr="0">
             <a:normAutofit/>
           </a:bodyPr>
           <a:lstStyle>
@@ -3980,15 +4088,19 @@
               <a:defRPr sz="2400"/>
             </a:lvl9pPr>
           </a:lstStyle>
-          <a:p/>
+          <a:p>
+            <a:endParaRPr/>
+          </a:p>
         </p:txBody>
       </p:sp>
       <p:sp>
         <p:nvSpPr>
           <p:cNvPr id="37" name="Google Shape;37;p7"/>
-          <p:cNvSpPr txBox="1"/>
+          <p:cNvSpPr txBox="1">
+            <a:spLocks noGrp="1"/>
+          </p:cNvSpPr>
           <p:nvPr>
-            <p:ph idx="1" type="body"/>
+            <p:ph type="body" idx="1"/>
           </p:nvPr>
         </p:nvSpPr>
         <p:spPr>
@@ -4001,11 +4113,11 @@
           </a:prstGeom>
         </p:spPr>
         <p:txBody>
-          <a:bodyPr anchorCtr="0" anchor="t" bIns="91425" lIns="91425" spcFirstLastPara="1" rIns="91425" wrap="square" tIns="91425">
+          <a:bodyPr spcFirstLastPara="1" wrap="square" lIns="91425" tIns="91425" rIns="91425" bIns="91425" anchor="t" anchorCtr="0">
             <a:normAutofit/>
           </a:bodyPr>
           <a:lstStyle>
-            <a:lvl1pPr indent="-304800" lvl="0" marL="457200">
+            <a:lvl1pPr marL="457200" lvl="0" indent="-304800">
               <a:spcBef>
                 <a:spcPts val="0"/>
               </a:spcBef>
@@ -4016,7 +4128,7 @@
               <a:buChar char="●"/>
               <a:defRPr sz="1200"/>
             </a:lvl1pPr>
-            <a:lvl2pPr indent="-304800" lvl="1" marL="914400">
+            <a:lvl2pPr marL="914400" lvl="1" indent="-304800">
               <a:spcBef>
                 <a:spcPts val="0"/>
               </a:spcBef>
@@ -4027,7 +4139,7 @@
               <a:buChar char="○"/>
               <a:defRPr sz="1200"/>
             </a:lvl2pPr>
-            <a:lvl3pPr indent="-304800" lvl="2" marL="1371600">
+            <a:lvl3pPr marL="1371600" lvl="2" indent="-304800">
               <a:spcBef>
                 <a:spcPts val="0"/>
               </a:spcBef>
@@ -4038,7 +4150,7 @@
               <a:buChar char="■"/>
               <a:defRPr sz="1200"/>
             </a:lvl3pPr>
-            <a:lvl4pPr indent="-304800" lvl="3" marL="1828800">
+            <a:lvl4pPr marL="1828800" lvl="3" indent="-304800">
               <a:spcBef>
                 <a:spcPts val="0"/>
               </a:spcBef>
@@ -4049,7 +4161,7 @@
               <a:buChar char="●"/>
               <a:defRPr sz="1200"/>
             </a:lvl4pPr>
-            <a:lvl5pPr indent="-304800" lvl="4" marL="2286000">
+            <a:lvl5pPr marL="2286000" lvl="4" indent="-304800">
               <a:spcBef>
                 <a:spcPts val="0"/>
               </a:spcBef>
@@ -4060,7 +4172,7 @@
               <a:buChar char="○"/>
               <a:defRPr sz="1200"/>
             </a:lvl5pPr>
-            <a:lvl6pPr indent="-304800" lvl="5" marL="2743200">
+            <a:lvl6pPr marL="2743200" lvl="5" indent="-304800">
               <a:spcBef>
                 <a:spcPts val="0"/>
               </a:spcBef>
@@ -4071,7 +4183,7 @@
               <a:buChar char="■"/>
               <a:defRPr sz="1200"/>
             </a:lvl6pPr>
-            <a:lvl7pPr indent="-304800" lvl="6" marL="3200400">
+            <a:lvl7pPr marL="3200400" lvl="6" indent="-304800">
               <a:spcBef>
                 <a:spcPts val="0"/>
               </a:spcBef>
@@ -4082,7 +4194,7 @@
               <a:buChar char="●"/>
               <a:defRPr sz="1200"/>
             </a:lvl7pPr>
-            <a:lvl8pPr indent="-304800" lvl="7" marL="3657600">
+            <a:lvl8pPr marL="3657600" lvl="7" indent="-304800">
               <a:spcBef>
                 <a:spcPts val="0"/>
               </a:spcBef>
@@ -4093,7 +4205,7 @@
               <a:buChar char="○"/>
               <a:defRPr sz="1200"/>
             </a:lvl8pPr>
-            <a:lvl9pPr indent="-304800" lvl="8" marL="4114800">
+            <a:lvl9pPr marL="4114800" lvl="8" indent="-304800">
               <a:spcBef>
                 <a:spcPts val="0"/>
               </a:spcBef>
@@ -4105,15 +4217,19 @@
               <a:defRPr sz="1200"/>
             </a:lvl9pPr>
           </a:lstStyle>
-          <a:p/>
+          <a:p>
+            <a:endParaRPr/>
+          </a:p>
         </p:txBody>
       </p:sp>
       <p:sp>
         <p:nvSpPr>
           <p:cNvPr id="38" name="Google Shape;38;p7"/>
-          <p:cNvSpPr txBox="1"/>
+          <p:cNvSpPr txBox="1">
+            <a:spLocks noGrp="1"/>
+          </p:cNvSpPr>
           <p:nvPr>
-            <p:ph idx="12" type="sldNum"/>
+            <p:ph type="sldNum" idx="12"/>
           </p:nvPr>
         </p:nvSpPr>
         <p:spPr>
@@ -4126,7 +4242,7 @@
           </a:prstGeom>
         </p:spPr>
         <p:txBody>
-          <a:bodyPr anchorCtr="0" anchor="ctr" bIns="91425" lIns="91425" spcFirstLastPara="1" rIns="91425" wrap="square" tIns="91425">
+          <a:bodyPr spcFirstLastPara="1" wrap="square" lIns="91425" tIns="91425" rIns="91425" bIns="91425" anchor="ctr" anchorCtr="0">
             <a:normAutofit/>
           </a:bodyPr>
           <a:lstStyle>
@@ -4168,7 +4284,7 @@
             </a:lvl9pPr>
           </a:lstStyle>
           <a:p>
-            <a:pPr indent="0" lvl="0" marL="0" rtl="0" algn="r">
+            <a:pPr marL="0" lvl="0" indent="0" algn="r" rtl="0">
               <a:spcBef>
                 <a:spcPts val="0"/>
               </a:spcBef>
@@ -4179,7 +4295,7 @@
             </a:pPr>
             <a:fld id="{00000000-1234-1234-1234-123412341234}" type="slidenum">
               <a:rPr lang="fr"/>
-              <a:t>‹#›</a:t>
+              <a:t>‹N°›</a:t>
             </a:fld>
             <a:endParaRPr/>
           </a:p>
@@ -4194,11 +4310,11 @@
 </file>
 
 <file path=ppt/slideLayouts/slideLayout7.xml><?xml version="1.0" encoding="utf-8"?>
-<p:sldLayout xmlns:a="http://schemas.openxmlformats.org/drawingml/2006/main" xmlns:r="http://schemas.openxmlformats.org/officeDocument/2006/relationships" xmlns:mc="http://schemas.openxmlformats.org/markup-compatibility/2006" xmlns:mv="urn:schemas-microsoft-com:mac:vml" xmlns:p="http://schemas.openxmlformats.org/presentationml/2006/main" xmlns:c="http://schemas.openxmlformats.org/drawingml/2006/chart" xmlns:dgm="http://schemas.openxmlformats.org/drawingml/2006/diagram" xmlns:o="urn:schemas-microsoft-com:office:office" xmlns:v="urn:schemas-microsoft-com:vml" xmlns:pvml="urn:schemas-microsoft-com:office:powerpoint" xmlns:com="http://schemas.openxmlformats.org/drawingml/2006/compatibility" xmlns:p14="http://schemas.microsoft.com/office/powerpoint/2010/main" xmlns:p15="http://schemas.microsoft.com/office/powerpoint/2012/main" xmlns:ahyp="http://schemas.microsoft.com/office/drawing/2018/hyperlinkcolor" matchingName="Main point">
+<p:sldLayout xmlns:a="http://schemas.openxmlformats.org/drawingml/2006/main" xmlns:r="http://schemas.openxmlformats.org/officeDocument/2006/relationships" xmlns:p="http://schemas.openxmlformats.org/presentationml/2006/main" matchingName="Main point">
   <p:cSld name="MAIN_POINT">
     <p:spTree>
       <p:nvGrpSpPr>
-        <p:cNvPr id="39" name="Shape 39"/>
+        <p:cNvPr id="1" name="Shape 39"/>
         <p:cNvGrpSpPr/>
         <p:nvPr/>
       </p:nvGrpSpPr>
@@ -4213,7 +4329,9 @@
       <p:sp>
         <p:nvSpPr>
           <p:cNvPr id="40" name="Google Shape;40;p8"/>
-          <p:cNvSpPr txBox="1"/>
+          <p:cNvSpPr txBox="1">
+            <a:spLocks noGrp="1"/>
+          </p:cNvSpPr>
           <p:nvPr>
             <p:ph type="title"/>
           </p:nvPr>
@@ -4228,7 +4346,7 @@
           </a:prstGeom>
         </p:spPr>
         <p:txBody>
-          <a:bodyPr anchorCtr="0" anchor="ctr" bIns="91425" lIns="91425" spcFirstLastPara="1" rIns="91425" wrap="square" tIns="91425">
+          <a:bodyPr spcFirstLastPara="1" wrap="square" lIns="91425" tIns="91425" rIns="91425" bIns="91425" anchor="ctr" anchorCtr="0">
             <a:normAutofit/>
           </a:bodyPr>
           <a:lstStyle>
@@ -4332,15 +4450,19 @@
               <a:defRPr sz="4800"/>
             </a:lvl9pPr>
           </a:lstStyle>
-          <a:p/>
+          <a:p>
+            <a:endParaRPr/>
+          </a:p>
         </p:txBody>
       </p:sp>
       <p:sp>
         <p:nvSpPr>
           <p:cNvPr id="41" name="Google Shape;41;p8"/>
-          <p:cNvSpPr txBox="1"/>
+          <p:cNvSpPr txBox="1">
+            <a:spLocks noGrp="1"/>
+          </p:cNvSpPr>
           <p:nvPr>
-            <p:ph idx="12" type="sldNum"/>
+            <p:ph type="sldNum" idx="12"/>
           </p:nvPr>
         </p:nvSpPr>
         <p:spPr>
@@ -4353,7 +4475,7 @@
           </a:prstGeom>
         </p:spPr>
         <p:txBody>
-          <a:bodyPr anchorCtr="0" anchor="ctr" bIns="91425" lIns="91425" spcFirstLastPara="1" rIns="91425" wrap="square" tIns="91425">
+          <a:bodyPr spcFirstLastPara="1" wrap="square" lIns="91425" tIns="91425" rIns="91425" bIns="91425" anchor="ctr" anchorCtr="0">
             <a:normAutofit/>
           </a:bodyPr>
           <a:lstStyle>
@@ -4395,7 +4517,7 @@
             </a:lvl9pPr>
           </a:lstStyle>
           <a:p>
-            <a:pPr indent="0" lvl="0" marL="0" rtl="0" algn="r">
+            <a:pPr marL="0" lvl="0" indent="0" algn="r" rtl="0">
               <a:spcBef>
                 <a:spcPts val="0"/>
               </a:spcBef>
@@ -4406,7 +4528,7 @@
             </a:pPr>
             <a:fld id="{00000000-1234-1234-1234-123412341234}" type="slidenum">
               <a:rPr lang="fr"/>
-              <a:t>‹#›</a:t>
+              <a:t>‹N°›</a:t>
             </a:fld>
             <a:endParaRPr/>
           </a:p>
@@ -4421,11 +4543,11 @@
 </file>
 
 <file path=ppt/slideLayouts/slideLayout8.xml><?xml version="1.0" encoding="utf-8"?>
-<p:sldLayout xmlns:a="http://schemas.openxmlformats.org/drawingml/2006/main" xmlns:r="http://schemas.openxmlformats.org/officeDocument/2006/relationships" xmlns:mc="http://schemas.openxmlformats.org/markup-compatibility/2006" xmlns:mv="urn:schemas-microsoft-com:mac:vml" xmlns:p="http://schemas.openxmlformats.org/presentationml/2006/main" xmlns:c="http://schemas.openxmlformats.org/drawingml/2006/chart" xmlns:dgm="http://schemas.openxmlformats.org/drawingml/2006/diagram" xmlns:o="urn:schemas-microsoft-com:office:office" xmlns:v="urn:schemas-microsoft-com:vml" xmlns:pvml="urn:schemas-microsoft-com:office:powerpoint" xmlns:com="http://schemas.openxmlformats.org/drawingml/2006/compatibility" xmlns:p14="http://schemas.microsoft.com/office/powerpoint/2010/main" xmlns:p15="http://schemas.microsoft.com/office/powerpoint/2012/main" xmlns:ahyp="http://schemas.microsoft.com/office/drawing/2018/hyperlinkcolor" matchingName="Section title and description">
+<p:sldLayout xmlns:a="http://schemas.openxmlformats.org/drawingml/2006/main" xmlns:r="http://schemas.openxmlformats.org/officeDocument/2006/relationships" xmlns:p="http://schemas.openxmlformats.org/presentationml/2006/main" matchingName="Section title and description">
   <p:cSld name="SECTION_TITLE_AND_DESCRIPTION">
     <p:spTree>
       <p:nvGrpSpPr>
-        <p:cNvPr id="42" name="Shape 42"/>
+        <p:cNvPr id="1" name="Shape 42"/>
         <p:cNvGrpSpPr/>
         <p:nvPr/>
       </p:nvGrpSpPr>
@@ -4459,12 +4581,12 @@
           </a:ln>
         </p:spPr>
         <p:txBody>
-          <a:bodyPr anchorCtr="0" anchor="ctr" bIns="91425" lIns="91425" spcFirstLastPara="1" rIns="91425" wrap="square" tIns="91425">
+          <a:bodyPr spcFirstLastPara="1" wrap="square" lIns="91425" tIns="91425" rIns="91425" bIns="91425" anchor="ctr" anchorCtr="0">
             <a:noAutofit/>
           </a:bodyPr>
           <a:lstStyle/>
           <a:p>
-            <a:pPr indent="0" lvl="0" marL="0" rtl="0" algn="l">
+            <a:pPr marL="0" lvl="0" indent="0" algn="l" rtl="0">
               <a:spcBef>
                 <a:spcPts val="0"/>
               </a:spcBef>
@@ -4473,9 +4595,6 @@
               </a:spcAft>
               <a:buNone/>
             </a:pPr>
-            <a:r>
-              <a:t/>
-            </a:r>
             <a:endParaRPr/>
           </a:p>
         </p:txBody>
@@ -4495,21 +4614,23 @@
             <a:avLst/>
           </a:prstGeom>
           <a:noFill/>
-          <a:ln cap="flat" cmpd="sng" w="38100">
+          <a:ln w="38100" cap="flat" cmpd="sng">
             <a:solidFill>
               <a:schemeClr val="accent5"/>
             </a:solidFill>
             <a:prstDash val="solid"/>
             <a:round/>
-            <a:headEnd len="sm" w="sm" type="none"/>
-            <a:tailEnd len="sm" w="sm" type="none"/>
+            <a:headEnd type="none" w="sm" len="sm"/>
+            <a:tailEnd type="none" w="sm" len="sm"/>
           </a:ln>
         </p:spPr>
       </p:cxnSp>
       <p:sp>
         <p:nvSpPr>
           <p:cNvPr id="45" name="Google Shape;45;p9"/>
-          <p:cNvSpPr txBox="1"/>
+          <p:cNvSpPr txBox="1">
+            <a:spLocks noGrp="1"/>
+          </p:cNvSpPr>
           <p:nvPr>
             <p:ph type="title"/>
           </p:nvPr>
@@ -4524,7 +4645,7 @@
           </a:prstGeom>
         </p:spPr>
         <p:txBody>
-          <a:bodyPr anchorCtr="0" anchor="b" bIns="91425" lIns="91425" spcFirstLastPara="1" rIns="91425" wrap="square" tIns="91425">
+          <a:bodyPr spcFirstLastPara="1" wrap="square" lIns="91425" tIns="91425" rIns="91425" bIns="91425" anchor="b" anchorCtr="0">
             <a:normAutofit/>
           </a:bodyPr>
           <a:lstStyle>
@@ -4628,15 +4749,19 @@
               <a:defRPr sz="3800"/>
             </a:lvl9pPr>
           </a:lstStyle>
-          <a:p/>
+          <a:p>
+            <a:endParaRPr/>
+          </a:p>
         </p:txBody>
       </p:sp>
       <p:sp>
         <p:nvSpPr>
           <p:cNvPr id="46" name="Google Shape;46;p9"/>
-          <p:cNvSpPr txBox="1"/>
+          <p:cNvSpPr txBox="1">
+            <a:spLocks noGrp="1"/>
+          </p:cNvSpPr>
           <p:nvPr>
-            <p:ph idx="1" type="subTitle"/>
+            <p:ph type="subTitle" idx="1"/>
           </p:nvPr>
         </p:nvSpPr>
         <p:spPr>
@@ -4649,7 +4774,7 @@
           </a:prstGeom>
         </p:spPr>
         <p:txBody>
-          <a:bodyPr anchorCtr="0" anchor="t" bIns="91425" lIns="91425" spcFirstLastPara="1" rIns="91425" wrap="square" tIns="91425">
+          <a:bodyPr spcFirstLastPara="1" wrap="square" lIns="91425" tIns="91425" rIns="91425" bIns="91425" anchor="t" anchorCtr="0">
             <a:normAutofit/>
           </a:bodyPr>
           <a:lstStyle>
@@ -4843,15 +4968,19 @@
               </a:defRPr>
             </a:lvl9pPr>
           </a:lstStyle>
-          <a:p/>
+          <a:p>
+            <a:endParaRPr/>
+          </a:p>
         </p:txBody>
       </p:sp>
       <p:sp>
         <p:nvSpPr>
           <p:cNvPr id="47" name="Google Shape;47;p9"/>
-          <p:cNvSpPr txBox="1"/>
+          <p:cNvSpPr txBox="1">
+            <a:spLocks noGrp="1"/>
+          </p:cNvSpPr>
           <p:nvPr>
-            <p:ph idx="2" type="body"/>
+            <p:ph type="body" idx="2"/>
           </p:nvPr>
         </p:nvSpPr>
         <p:spPr>
@@ -4864,11 +4993,11 @@
           </a:prstGeom>
         </p:spPr>
         <p:txBody>
-          <a:bodyPr anchorCtr="0" anchor="ctr" bIns="91425" lIns="91425" spcFirstLastPara="1" rIns="91425" wrap="square" tIns="91425">
+          <a:bodyPr spcFirstLastPara="1" wrap="square" lIns="91425" tIns="91425" rIns="91425" bIns="91425" anchor="ctr" anchorCtr="0">
             <a:normAutofit/>
           </a:bodyPr>
           <a:lstStyle>
-            <a:lvl1pPr indent="-342900" lvl="0" marL="457200">
+            <a:lvl1pPr marL="457200" lvl="0" indent="-342900">
               <a:spcBef>
                 <a:spcPts val="0"/>
               </a:spcBef>
@@ -4879,7 +5008,7 @@
               <a:buChar char="●"/>
               <a:defRPr/>
             </a:lvl1pPr>
-            <a:lvl2pPr indent="-317500" lvl="1" marL="914400">
+            <a:lvl2pPr marL="914400" lvl="1" indent="-317500">
               <a:spcBef>
                 <a:spcPts val="0"/>
               </a:spcBef>
@@ -4890,7 +5019,7 @@
               <a:buChar char="○"/>
               <a:defRPr/>
             </a:lvl2pPr>
-            <a:lvl3pPr indent="-317500" lvl="2" marL="1371600">
+            <a:lvl3pPr marL="1371600" lvl="2" indent="-317500">
               <a:spcBef>
                 <a:spcPts val="0"/>
               </a:spcBef>
@@ -4901,7 +5030,7 @@
               <a:buChar char="■"/>
               <a:defRPr/>
             </a:lvl3pPr>
-            <a:lvl4pPr indent="-317500" lvl="3" marL="1828800">
+            <a:lvl4pPr marL="1828800" lvl="3" indent="-317500">
               <a:spcBef>
                 <a:spcPts val="0"/>
               </a:spcBef>
@@ -4912,7 +5041,7 @@
               <a:buChar char="●"/>
               <a:defRPr/>
             </a:lvl4pPr>
-            <a:lvl5pPr indent="-317500" lvl="4" marL="2286000">
+            <a:lvl5pPr marL="2286000" lvl="4" indent="-317500">
               <a:spcBef>
                 <a:spcPts val="0"/>
               </a:spcBef>
@@ -4923,7 +5052,7 @@
               <a:buChar char="○"/>
               <a:defRPr/>
             </a:lvl5pPr>
-            <a:lvl6pPr indent="-317500" lvl="5" marL="2743200">
+            <a:lvl6pPr marL="2743200" lvl="5" indent="-317500">
               <a:spcBef>
                 <a:spcPts val="0"/>
               </a:spcBef>
@@ -4934,7 +5063,7 @@
               <a:buChar char="■"/>
               <a:defRPr/>
             </a:lvl6pPr>
-            <a:lvl7pPr indent="-317500" lvl="6" marL="3200400">
+            <a:lvl7pPr marL="3200400" lvl="6" indent="-317500">
               <a:spcBef>
                 <a:spcPts val="0"/>
               </a:spcBef>
@@ -4945,7 +5074,7 @@
               <a:buChar char="●"/>
               <a:defRPr/>
             </a:lvl7pPr>
-            <a:lvl8pPr indent="-317500" lvl="7" marL="3657600">
+            <a:lvl8pPr marL="3657600" lvl="7" indent="-317500">
               <a:spcBef>
                 <a:spcPts val="0"/>
               </a:spcBef>
@@ -4956,7 +5085,7 @@
               <a:buChar char="○"/>
               <a:defRPr/>
             </a:lvl8pPr>
-            <a:lvl9pPr indent="-317500" lvl="8" marL="4114800">
+            <a:lvl9pPr marL="4114800" lvl="8" indent="-317500">
               <a:spcBef>
                 <a:spcPts val="0"/>
               </a:spcBef>
@@ -4968,15 +5097,19 @@
               <a:defRPr/>
             </a:lvl9pPr>
           </a:lstStyle>
-          <a:p/>
+          <a:p>
+            <a:endParaRPr/>
+          </a:p>
         </p:txBody>
       </p:sp>
       <p:sp>
         <p:nvSpPr>
           <p:cNvPr id="48" name="Google Shape;48;p9"/>
-          <p:cNvSpPr txBox="1"/>
+          <p:cNvSpPr txBox="1">
+            <a:spLocks noGrp="1"/>
+          </p:cNvSpPr>
           <p:nvPr>
-            <p:ph idx="12" type="sldNum"/>
+            <p:ph type="sldNum" idx="12"/>
           </p:nvPr>
         </p:nvSpPr>
         <p:spPr>
@@ -4989,7 +5122,7 @@
           </a:prstGeom>
         </p:spPr>
         <p:txBody>
-          <a:bodyPr anchorCtr="0" anchor="ctr" bIns="91425" lIns="91425" spcFirstLastPara="1" rIns="91425" wrap="square" tIns="91425">
+          <a:bodyPr spcFirstLastPara="1" wrap="square" lIns="91425" tIns="91425" rIns="91425" bIns="91425" anchor="ctr" anchorCtr="0">
             <a:normAutofit/>
           </a:bodyPr>
           <a:lstStyle>
@@ -5031,7 +5164,7 @@
             </a:lvl9pPr>
           </a:lstStyle>
           <a:p>
-            <a:pPr indent="0" lvl="0" marL="0" rtl="0" algn="r">
+            <a:pPr marL="0" lvl="0" indent="0" algn="r" rtl="0">
               <a:spcBef>
                 <a:spcPts val="0"/>
               </a:spcBef>
@@ -5042,7 +5175,7 @@
             </a:pPr>
             <a:fld id="{00000000-1234-1234-1234-123412341234}" type="slidenum">
               <a:rPr lang="fr"/>
-              <a:t>‹#›</a:t>
+              <a:t>‹N°›</a:t>
             </a:fld>
             <a:endParaRPr/>
           </a:p>
@@ -5057,11 +5190,11 @@
 </file>
 
 <file path=ppt/slideLayouts/slideLayout9.xml><?xml version="1.0" encoding="utf-8"?>
-<p:sldLayout xmlns:a="http://schemas.openxmlformats.org/drawingml/2006/main" xmlns:r="http://schemas.openxmlformats.org/officeDocument/2006/relationships" xmlns:mc="http://schemas.openxmlformats.org/markup-compatibility/2006" xmlns:mv="urn:schemas-microsoft-com:mac:vml" xmlns:p="http://schemas.openxmlformats.org/presentationml/2006/main" xmlns:c="http://schemas.openxmlformats.org/drawingml/2006/chart" xmlns:dgm="http://schemas.openxmlformats.org/drawingml/2006/diagram" xmlns:o="urn:schemas-microsoft-com:office:office" xmlns:v="urn:schemas-microsoft-com:vml" xmlns:pvml="urn:schemas-microsoft-com:office:powerpoint" xmlns:com="http://schemas.openxmlformats.org/drawingml/2006/compatibility" xmlns:p14="http://schemas.microsoft.com/office/powerpoint/2010/main" xmlns:p15="http://schemas.microsoft.com/office/powerpoint/2012/main" xmlns:ahyp="http://schemas.microsoft.com/office/drawing/2018/hyperlinkcolor" matchingName="Caption">
+<p:sldLayout xmlns:a="http://schemas.openxmlformats.org/drawingml/2006/main" xmlns:r="http://schemas.openxmlformats.org/officeDocument/2006/relationships" xmlns:p="http://schemas.openxmlformats.org/presentationml/2006/main" matchingName="Caption">
   <p:cSld name="CAPTION_ONLY">
     <p:spTree>
       <p:nvGrpSpPr>
-        <p:cNvPr id="49" name="Shape 49"/>
+        <p:cNvPr id="1" name="Shape 49"/>
         <p:cNvGrpSpPr/>
         <p:nvPr/>
       </p:nvGrpSpPr>
@@ -5076,9 +5209,11 @@
       <p:sp>
         <p:nvSpPr>
           <p:cNvPr id="50" name="Google Shape;50;p10"/>
-          <p:cNvSpPr txBox="1"/>
+          <p:cNvSpPr txBox="1">
+            <a:spLocks noGrp="1"/>
+          </p:cNvSpPr>
           <p:nvPr>
-            <p:ph idx="1" type="body"/>
+            <p:ph type="body" idx="1"/>
           </p:nvPr>
         </p:nvSpPr>
         <p:spPr>
@@ -5091,11 +5226,11 @@
           </a:prstGeom>
         </p:spPr>
         <p:txBody>
-          <a:bodyPr anchorCtr="0" anchor="ctr" bIns="91425" lIns="91425" spcFirstLastPara="1" rIns="91425" wrap="square" tIns="91425">
+          <a:bodyPr spcFirstLastPara="1" wrap="square" lIns="91425" tIns="91425" rIns="91425" bIns="91425" anchor="ctr" anchorCtr="0">
             <a:normAutofit/>
           </a:bodyPr>
           <a:lstStyle>
-            <a:lvl1pPr indent="-228600" lvl="0" marL="457200">
+            <a:lvl1pPr marL="457200" lvl="0" indent="-228600">
               <a:lnSpc>
                 <a:spcPct val="100000"/>
               </a:lnSpc>
@@ -5116,15 +5251,19 @@
               </a:defRPr>
             </a:lvl1pPr>
           </a:lstStyle>
-          <a:p/>
+          <a:p>
+            <a:endParaRPr/>
+          </a:p>
         </p:txBody>
       </p:sp>
       <p:sp>
         <p:nvSpPr>
           <p:cNvPr id="51" name="Google Shape;51;p10"/>
-          <p:cNvSpPr txBox="1"/>
+          <p:cNvSpPr txBox="1">
+            <a:spLocks noGrp="1"/>
+          </p:cNvSpPr>
           <p:nvPr>
-            <p:ph idx="12" type="sldNum"/>
+            <p:ph type="sldNum" idx="12"/>
           </p:nvPr>
         </p:nvSpPr>
         <p:spPr>
@@ -5137,7 +5276,7 @@
           </a:prstGeom>
         </p:spPr>
         <p:txBody>
-          <a:bodyPr anchorCtr="0" anchor="ctr" bIns="91425" lIns="91425" spcFirstLastPara="1" rIns="91425" wrap="square" tIns="91425">
+          <a:bodyPr spcFirstLastPara="1" wrap="square" lIns="91425" tIns="91425" rIns="91425" bIns="91425" anchor="ctr" anchorCtr="0">
             <a:normAutofit/>
           </a:bodyPr>
           <a:lstStyle>
@@ -5179,7 +5318,7 @@
             </a:lvl9pPr>
           </a:lstStyle>
           <a:p>
-            <a:pPr indent="0" lvl="0" marL="0" rtl="0" algn="r">
+            <a:pPr marL="0" lvl="0" indent="0" algn="r" rtl="0">
               <a:spcBef>
                 <a:spcPts val="0"/>
               </a:spcBef>
@@ -5190,7 +5329,7 @@
             </a:pPr>
             <a:fld id="{00000000-1234-1234-1234-123412341234}" type="slidenum">
               <a:rPr lang="fr"/>
-              <a:t>‹#›</a:t>
+              <a:t>‹N°›</a:t>
             </a:fld>
             <a:endParaRPr/>
           </a:p>
@@ -5205,18 +5344,19 @@
 </file>
 
 <file path=ppt/slideMasters/slideMaster1.xml><?xml version="1.0" encoding="utf-8"?>
-<p:sldMaster xmlns:a="http://schemas.openxmlformats.org/drawingml/2006/main" xmlns:r="http://schemas.openxmlformats.org/officeDocument/2006/relationships" xmlns:mc="http://schemas.openxmlformats.org/markup-compatibility/2006" xmlns:mv="urn:schemas-microsoft-com:mac:vml" xmlns:p="http://schemas.openxmlformats.org/presentationml/2006/main" xmlns:c="http://schemas.openxmlformats.org/drawingml/2006/chart" xmlns:dgm="http://schemas.openxmlformats.org/drawingml/2006/diagram" xmlns:o="urn:schemas-microsoft-com:office:office" xmlns:v="urn:schemas-microsoft-com:vml" xmlns:pvml="urn:schemas-microsoft-com:office:powerpoint" xmlns:com="http://schemas.openxmlformats.org/drawingml/2006/compatibility" xmlns:p14="http://schemas.microsoft.com/office/powerpoint/2010/main" xmlns:p15="http://schemas.microsoft.com/office/powerpoint/2012/main" xmlns:ahyp="http://schemas.microsoft.com/office/drawing/2018/hyperlinkcolor">
+<p:sldMaster xmlns:a="http://schemas.openxmlformats.org/drawingml/2006/main" xmlns:r="http://schemas.openxmlformats.org/officeDocument/2006/relationships" xmlns:p="http://schemas.openxmlformats.org/presentationml/2006/main">
   <p:cSld name="marina">
     <p:bg>
       <p:bgPr>
         <a:solidFill>
           <a:schemeClr val="lt1"/>
         </a:solidFill>
+        <a:effectLst/>
       </p:bgPr>
     </p:bg>
     <p:spTree>
       <p:nvGrpSpPr>
-        <p:cNvPr id="5" name="Shape 5"/>
+        <p:cNvPr id="1" name="Shape 5"/>
         <p:cNvGrpSpPr/>
         <p:nvPr/>
       </p:nvGrpSpPr>
@@ -5231,7 +5371,9 @@
       <p:sp>
         <p:nvSpPr>
           <p:cNvPr id="6" name="Google Shape;6;p1"/>
-          <p:cNvSpPr txBox="1"/>
+          <p:cNvSpPr txBox="1">
+            <a:spLocks noGrp="1"/>
+          </p:cNvSpPr>
           <p:nvPr>
             <p:ph type="title"/>
           </p:nvPr>
@@ -5250,7 +5392,7 @@
           </a:ln>
         </p:spPr>
         <p:txBody>
-          <a:bodyPr anchorCtr="0" anchor="b" bIns="91425" lIns="91425" spcFirstLastPara="1" rIns="91425" wrap="square" tIns="91425">
+          <a:bodyPr spcFirstLastPara="1" wrap="square" lIns="91425" tIns="91425" rIns="91425" bIns="91425" anchor="b" anchorCtr="0">
             <a:normAutofit/>
           </a:bodyPr>
           <a:lstStyle>
@@ -5462,15 +5604,19 @@
               </a:defRPr>
             </a:lvl9pPr>
           </a:lstStyle>
-          <a:p/>
+          <a:p>
+            <a:endParaRPr/>
+          </a:p>
         </p:txBody>
       </p:sp>
       <p:sp>
         <p:nvSpPr>
           <p:cNvPr id="7" name="Google Shape;7;p1"/>
-          <p:cNvSpPr txBox="1"/>
+          <p:cNvSpPr txBox="1">
+            <a:spLocks noGrp="1"/>
+          </p:cNvSpPr>
           <p:nvPr>
-            <p:ph idx="1" type="body"/>
+            <p:ph type="body" idx="1"/>
           </p:nvPr>
         </p:nvSpPr>
         <p:spPr>
@@ -5487,11 +5633,11 @@
           </a:ln>
         </p:spPr>
         <p:txBody>
-          <a:bodyPr anchorCtr="0" anchor="t" bIns="91425" lIns="91425" spcFirstLastPara="1" rIns="91425" wrap="square" tIns="91425">
+          <a:bodyPr spcFirstLastPara="1" wrap="square" lIns="91425" tIns="91425" rIns="91425" bIns="91425" anchor="t" anchorCtr="0">
             <a:normAutofit/>
           </a:bodyPr>
           <a:lstStyle>
-            <a:lvl1pPr indent="-342900" lvl="0" marL="457200">
+            <a:lvl1pPr marL="457200" lvl="0" indent="-342900">
               <a:lnSpc>
                 <a:spcPct val="115000"/>
               </a:lnSpc>
@@ -5517,7 +5663,7 @@
                 <a:sym typeface="Roboto"/>
               </a:defRPr>
             </a:lvl1pPr>
-            <a:lvl2pPr indent="-317500" lvl="1" marL="914400">
+            <a:lvl2pPr marL="914400" lvl="1" indent="-317500">
               <a:lnSpc>
                 <a:spcPct val="115000"/>
               </a:lnSpc>
@@ -5543,7 +5689,7 @@
                 <a:sym typeface="Roboto"/>
               </a:defRPr>
             </a:lvl2pPr>
-            <a:lvl3pPr indent="-317500" lvl="2" marL="1371600">
+            <a:lvl3pPr marL="1371600" lvl="2" indent="-317500">
               <a:lnSpc>
                 <a:spcPct val="115000"/>
               </a:lnSpc>
@@ -5569,7 +5715,7 @@
                 <a:sym typeface="Roboto"/>
               </a:defRPr>
             </a:lvl3pPr>
-            <a:lvl4pPr indent="-317500" lvl="3" marL="1828800">
+            <a:lvl4pPr marL="1828800" lvl="3" indent="-317500">
               <a:lnSpc>
                 <a:spcPct val="115000"/>
               </a:lnSpc>
@@ -5595,7 +5741,7 @@
                 <a:sym typeface="Roboto"/>
               </a:defRPr>
             </a:lvl4pPr>
-            <a:lvl5pPr indent="-317500" lvl="4" marL="2286000">
+            <a:lvl5pPr marL="2286000" lvl="4" indent="-317500">
               <a:lnSpc>
                 <a:spcPct val="115000"/>
               </a:lnSpc>
@@ -5621,7 +5767,7 @@
                 <a:sym typeface="Roboto"/>
               </a:defRPr>
             </a:lvl5pPr>
-            <a:lvl6pPr indent="-317500" lvl="5" marL="2743200">
+            <a:lvl6pPr marL="2743200" lvl="5" indent="-317500">
               <a:lnSpc>
                 <a:spcPct val="115000"/>
               </a:lnSpc>
@@ -5647,7 +5793,7 @@
                 <a:sym typeface="Roboto"/>
               </a:defRPr>
             </a:lvl6pPr>
-            <a:lvl7pPr indent="-317500" lvl="6" marL="3200400">
+            <a:lvl7pPr marL="3200400" lvl="6" indent="-317500">
               <a:lnSpc>
                 <a:spcPct val="115000"/>
               </a:lnSpc>
@@ -5673,7 +5819,7 @@
                 <a:sym typeface="Roboto"/>
               </a:defRPr>
             </a:lvl7pPr>
-            <a:lvl8pPr indent="-317500" lvl="7" marL="3657600">
+            <a:lvl8pPr marL="3657600" lvl="7" indent="-317500">
               <a:lnSpc>
                 <a:spcPct val="115000"/>
               </a:lnSpc>
@@ -5699,7 +5845,7 @@
                 <a:sym typeface="Roboto"/>
               </a:defRPr>
             </a:lvl8pPr>
-            <a:lvl9pPr indent="-317500" lvl="8" marL="4114800">
+            <a:lvl9pPr marL="4114800" lvl="8" indent="-317500">
               <a:lnSpc>
                 <a:spcPct val="115000"/>
               </a:lnSpc>
@@ -5726,15 +5872,19 @@
               </a:defRPr>
             </a:lvl9pPr>
           </a:lstStyle>
-          <a:p/>
+          <a:p>
+            <a:endParaRPr/>
+          </a:p>
         </p:txBody>
       </p:sp>
       <p:sp>
         <p:nvSpPr>
           <p:cNvPr id="8" name="Google Shape;8;p1"/>
-          <p:cNvSpPr txBox="1"/>
+          <p:cNvSpPr txBox="1">
+            <a:spLocks noGrp="1"/>
+          </p:cNvSpPr>
           <p:nvPr>
-            <p:ph idx="12" type="sldNum"/>
+            <p:ph type="sldNum" idx="12"/>
           </p:nvPr>
         </p:nvSpPr>
         <p:spPr>
@@ -5751,7 +5901,7 @@
           </a:ln>
         </p:spPr>
         <p:txBody>
-          <a:bodyPr anchorCtr="0" anchor="ctr" bIns="91425" lIns="91425" spcFirstLastPara="1" rIns="91425" wrap="square" tIns="91425">
+          <a:bodyPr spcFirstLastPara="1" wrap="square" lIns="91425" tIns="91425" rIns="91425" bIns="91425" anchor="ctr" anchorCtr="0">
             <a:normAutofit/>
           </a:bodyPr>
           <a:lstStyle>
@@ -5865,7 +6015,7 @@
             </a:lvl9pPr>
           </a:lstStyle>
           <a:p>
-            <a:pPr indent="0" lvl="0" marL="0" rtl="0" algn="r">
+            <a:pPr marL="0" lvl="0" indent="0" algn="r" rtl="0">
               <a:spcBef>
                 <a:spcPts val="0"/>
               </a:spcBef>
@@ -5876,7 +6026,7 @@
             </a:pPr>
             <a:fld id="{00000000-1234-1234-1234-123412341234}" type="slidenum">
               <a:rPr lang="fr"/>
-              <a:t>‹#›</a:t>
+              <a:t>‹N°›</a:t>
             </a:fld>
             <a:endParaRPr/>
           </a:p>
@@ -5884,7 +6034,7 @@
       </p:sp>
     </p:spTree>
   </p:cSld>
-  <p:clrMap accent1="accent1" accent2="accent2" accent3="accent3" accent4="accent4" accent5="accent5" accent6="accent6" bg1="lt1" bg2="dk2" tx1="dk1" tx2="lt2" folHlink="folHlink" hlink="hlink"/>
+  <p:clrMap bg1="lt1" tx1="dk1" bg2="dk2" tx2="lt2" accent1="accent1" accent2="accent2" accent3="accent3" accent4="accent4" accent5="accent5" accent6="accent6" hlink="hlink" folHlink="folHlink"/>
   <p:sldLayoutIdLst>
     <p:sldLayoutId id="2147483648" r:id="rId1"/>
     <p:sldLayoutId id="2147483649" r:id="rId2"/>
@@ -5898,10 +6048,10 @@
     <p:sldLayoutId id="2147483657" r:id="rId10"/>
     <p:sldLayoutId id="2147483658" r:id="rId11"/>
   </p:sldLayoutIdLst>
-  <p:hf dt="0" ftr="0" hdr="0" sldNum="0"/>
+  <p:hf sldNum="0" hdr="0" ftr="0" dt="0"/>
   <p:txStyles>
     <p:titleStyle>
-      <a:defPPr lvl="0" marR="0" rtl="0" algn="l">
+      <a:defPPr marR="0" lvl="0" algn="l" rtl="0">
         <a:lnSpc>
           <a:spcPct val="100000"/>
         </a:lnSpc>
@@ -5912,7 +6062,7 @@
           <a:spcPts val="0"/>
         </a:spcAft>
       </a:defPPr>
-      <a:lvl1pPr lvl="0" marR="0" rtl="0" algn="l">
+      <a:lvl1pPr marR="0" lvl="0" algn="l" rtl="0">
         <a:lnSpc>
           <a:spcPct val="100000"/>
         </a:lnSpc>
@@ -5926,7 +6076,7 @@
           <a:srgbClr val="000000"/>
         </a:buClr>
         <a:buFont typeface="Arial"/>
-        <a:defRPr b="0" i="0" sz="1400" u="none" cap="none" strike="noStrike">
+        <a:defRPr sz="1400" b="0" i="0" u="none" strike="noStrike" cap="none">
           <a:solidFill>
             <a:srgbClr val="000000"/>
           </a:solidFill>
@@ -5936,7 +6086,7 @@
           <a:sym typeface="Arial"/>
         </a:defRPr>
       </a:lvl1pPr>
-      <a:lvl2pPr lvl="1" marR="0" rtl="0" algn="l">
+      <a:lvl2pPr marR="0" lvl="1" algn="l" rtl="0">
         <a:lnSpc>
           <a:spcPct val="100000"/>
         </a:lnSpc>
@@ -5950,7 +6100,7 @@
           <a:srgbClr val="000000"/>
         </a:buClr>
         <a:buFont typeface="Arial"/>
-        <a:defRPr b="0" i="0" sz="1400" u="none" cap="none" strike="noStrike">
+        <a:defRPr sz="1400" b="0" i="0" u="none" strike="noStrike" cap="none">
           <a:solidFill>
             <a:srgbClr val="000000"/>
           </a:solidFill>
@@ -5960,7 +6110,7 @@
           <a:sym typeface="Arial"/>
         </a:defRPr>
       </a:lvl2pPr>
-      <a:lvl3pPr lvl="2" marR="0" rtl="0" algn="l">
+      <a:lvl3pPr marR="0" lvl="2" algn="l" rtl="0">
         <a:lnSpc>
           <a:spcPct val="100000"/>
         </a:lnSpc>
@@ -5974,7 +6124,7 @@
           <a:srgbClr val="000000"/>
         </a:buClr>
         <a:buFont typeface="Arial"/>
-        <a:defRPr b="0" i="0" sz="1400" u="none" cap="none" strike="noStrike">
+        <a:defRPr sz="1400" b="0" i="0" u="none" strike="noStrike" cap="none">
           <a:solidFill>
             <a:srgbClr val="000000"/>
           </a:solidFill>
@@ -5984,7 +6134,7 @@
           <a:sym typeface="Arial"/>
         </a:defRPr>
       </a:lvl3pPr>
-      <a:lvl4pPr lvl="3" marR="0" rtl="0" algn="l">
+      <a:lvl4pPr marR="0" lvl="3" algn="l" rtl="0">
         <a:lnSpc>
           <a:spcPct val="100000"/>
         </a:lnSpc>
@@ -5998,7 +6148,7 @@
           <a:srgbClr val="000000"/>
         </a:buClr>
         <a:buFont typeface="Arial"/>
-        <a:defRPr b="0" i="0" sz="1400" u="none" cap="none" strike="noStrike">
+        <a:defRPr sz="1400" b="0" i="0" u="none" strike="noStrike" cap="none">
           <a:solidFill>
             <a:srgbClr val="000000"/>
           </a:solidFill>
@@ -6008,7 +6158,7 @@
           <a:sym typeface="Arial"/>
         </a:defRPr>
       </a:lvl4pPr>
-      <a:lvl5pPr lvl="4" marR="0" rtl="0" algn="l">
+      <a:lvl5pPr marR="0" lvl="4" algn="l" rtl="0">
         <a:lnSpc>
           <a:spcPct val="100000"/>
         </a:lnSpc>
@@ -6022,7 +6172,7 @@
           <a:srgbClr val="000000"/>
         </a:buClr>
         <a:buFont typeface="Arial"/>
-        <a:defRPr b="0" i="0" sz="1400" u="none" cap="none" strike="noStrike">
+        <a:defRPr sz="1400" b="0" i="0" u="none" strike="noStrike" cap="none">
           <a:solidFill>
             <a:srgbClr val="000000"/>
           </a:solidFill>
@@ -6032,7 +6182,7 @@
           <a:sym typeface="Arial"/>
         </a:defRPr>
       </a:lvl5pPr>
-      <a:lvl6pPr lvl="5" marR="0" rtl="0" algn="l">
+      <a:lvl6pPr marR="0" lvl="5" algn="l" rtl="0">
         <a:lnSpc>
           <a:spcPct val="100000"/>
         </a:lnSpc>
@@ -6046,7 +6196,7 @@
           <a:srgbClr val="000000"/>
         </a:buClr>
         <a:buFont typeface="Arial"/>
-        <a:defRPr b="0" i="0" sz="1400" u="none" cap="none" strike="noStrike">
+        <a:defRPr sz="1400" b="0" i="0" u="none" strike="noStrike" cap="none">
           <a:solidFill>
             <a:srgbClr val="000000"/>
           </a:solidFill>
@@ -6056,7 +6206,7 @@
           <a:sym typeface="Arial"/>
         </a:defRPr>
       </a:lvl6pPr>
-      <a:lvl7pPr lvl="6" marR="0" rtl="0" algn="l">
+      <a:lvl7pPr marR="0" lvl="6" algn="l" rtl="0">
         <a:lnSpc>
           <a:spcPct val="100000"/>
         </a:lnSpc>
@@ -6070,7 +6220,7 @@
           <a:srgbClr val="000000"/>
         </a:buClr>
         <a:buFont typeface="Arial"/>
-        <a:defRPr b="0" i="0" sz="1400" u="none" cap="none" strike="noStrike">
+        <a:defRPr sz="1400" b="0" i="0" u="none" strike="noStrike" cap="none">
           <a:solidFill>
             <a:srgbClr val="000000"/>
           </a:solidFill>
@@ -6080,7 +6230,7 @@
           <a:sym typeface="Arial"/>
         </a:defRPr>
       </a:lvl7pPr>
-      <a:lvl8pPr lvl="7" marR="0" rtl="0" algn="l">
+      <a:lvl8pPr marR="0" lvl="7" algn="l" rtl="0">
         <a:lnSpc>
           <a:spcPct val="100000"/>
         </a:lnSpc>
@@ -6094,7 +6244,7 @@
           <a:srgbClr val="000000"/>
         </a:buClr>
         <a:buFont typeface="Arial"/>
-        <a:defRPr b="0" i="0" sz="1400" u="none" cap="none" strike="noStrike">
+        <a:defRPr sz="1400" b="0" i="0" u="none" strike="noStrike" cap="none">
           <a:solidFill>
             <a:srgbClr val="000000"/>
           </a:solidFill>
@@ -6104,7 +6254,7 @@
           <a:sym typeface="Arial"/>
         </a:defRPr>
       </a:lvl8pPr>
-      <a:lvl9pPr lvl="8" marR="0" rtl="0" algn="l">
+      <a:lvl9pPr marR="0" lvl="8" algn="l" rtl="0">
         <a:lnSpc>
           <a:spcPct val="100000"/>
         </a:lnSpc>
@@ -6118,7 +6268,7 @@
           <a:srgbClr val="000000"/>
         </a:buClr>
         <a:buFont typeface="Arial"/>
-        <a:defRPr b="0" i="0" sz="1400" u="none" cap="none" strike="noStrike">
+        <a:defRPr sz="1400" b="0" i="0" u="none" strike="noStrike" cap="none">
           <a:solidFill>
             <a:srgbClr val="000000"/>
           </a:solidFill>
@@ -6130,7 +6280,7 @@
       </a:lvl9pPr>
     </p:titleStyle>
     <p:bodyStyle>
-      <a:defPPr lvl="0" marR="0" rtl="0" algn="l">
+      <a:defPPr marR="0" lvl="0" algn="l" rtl="0">
         <a:lnSpc>
           <a:spcPct val="100000"/>
         </a:lnSpc>
@@ -6141,7 +6291,7 @@
           <a:spcPts val="0"/>
         </a:spcAft>
       </a:defPPr>
-      <a:lvl1pPr lvl="0" marR="0" rtl="0" algn="l">
+      <a:lvl1pPr marR="0" lvl="0" algn="l" rtl="0">
         <a:lnSpc>
           <a:spcPct val="100000"/>
         </a:lnSpc>
@@ -6155,7 +6305,7 @@
           <a:srgbClr val="000000"/>
         </a:buClr>
         <a:buFont typeface="Arial"/>
-        <a:defRPr b="0" i="0" sz="1400" u="none" cap="none" strike="noStrike">
+        <a:defRPr sz="1400" b="0" i="0" u="none" strike="noStrike" cap="none">
           <a:solidFill>
             <a:srgbClr val="000000"/>
           </a:solidFill>
@@ -6165,7 +6315,7 @@
           <a:sym typeface="Arial"/>
         </a:defRPr>
       </a:lvl1pPr>
-      <a:lvl2pPr lvl="1" marR="0" rtl="0" algn="l">
+      <a:lvl2pPr marR="0" lvl="1" algn="l" rtl="0">
         <a:lnSpc>
           <a:spcPct val="100000"/>
         </a:lnSpc>
@@ -6179,7 +6329,7 @@
           <a:srgbClr val="000000"/>
         </a:buClr>
         <a:buFont typeface="Arial"/>
-        <a:defRPr b="0" i="0" sz="1400" u="none" cap="none" strike="noStrike">
+        <a:defRPr sz="1400" b="0" i="0" u="none" strike="noStrike" cap="none">
           <a:solidFill>
             <a:srgbClr val="000000"/>
           </a:solidFill>
@@ -6189,7 +6339,7 @@
           <a:sym typeface="Arial"/>
         </a:defRPr>
       </a:lvl2pPr>
-      <a:lvl3pPr lvl="2" marR="0" rtl="0" algn="l">
+      <a:lvl3pPr marR="0" lvl="2" algn="l" rtl="0">
         <a:lnSpc>
           <a:spcPct val="100000"/>
         </a:lnSpc>
@@ -6203,7 +6353,7 @@
           <a:srgbClr val="000000"/>
         </a:buClr>
         <a:buFont typeface="Arial"/>
-        <a:defRPr b="0" i="0" sz="1400" u="none" cap="none" strike="noStrike">
+        <a:defRPr sz="1400" b="0" i="0" u="none" strike="noStrike" cap="none">
           <a:solidFill>
             <a:srgbClr val="000000"/>
           </a:solidFill>
@@ -6213,7 +6363,7 @@
           <a:sym typeface="Arial"/>
         </a:defRPr>
       </a:lvl3pPr>
-      <a:lvl4pPr lvl="3" marR="0" rtl="0" algn="l">
+      <a:lvl4pPr marR="0" lvl="3" algn="l" rtl="0">
         <a:lnSpc>
           <a:spcPct val="100000"/>
         </a:lnSpc>
@@ -6227,7 +6377,7 @@
           <a:srgbClr val="000000"/>
         </a:buClr>
         <a:buFont typeface="Arial"/>
-        <a:defRPr b="0" i="0" sz="1400" u="none" cap="none" strike="noStrike">
+        <a:defRPr sz="1400" b="0" i="0" u="none" strike="noStrike" cap="none">
           <a:solidFill>
             <a:srgbClr val="000000"/>
           </a:solidFill>
@@ -6237,7 +6387,7 @@
           <a:sym typeface="Arial"/>
         </a:defRPr>
       </a:lvl4pPr>
-      <a:lvl5pPr lvl="4" marR="0" rtl="0" algn="l">
+      <a:lvl5pPr marR="0" lvl="4" algn="l" rtl="0">
         <a:lnSpc>
           <a:spcPct val="100000"/>
         </a:lnSpc>
@@ -6251,7 +6401,7 @@
           <a:srgbClr val="000000"/>
         </a:buClr>
         <a:buFont typeface="Arial"/>
-        <a:defRPr b="0" i="0" sz="1400" u="none" cap="none" strike="noStrike">
+        <a:defRPr sz="1400" b="0" i="0" u="none" strike="noStrike" cap="none">
           <a:solidFill>
             <a:srgbClr val="000000"/>
           </a:solidFill>
@@ -6261,7 +6411,7 @@
           <a:sym typeface="Arial"/>
         </a:defRPr>
       </a:lvl5pPr>
-      <a:lvl6pPr lvl="5" marR="0" rtl="0" algn="l">
+      <a:lvl6pPr marR="0" lvl="5" algn="l" rtl="0">
         <a:lnSpc>
           <a:spcPct val="100000"/>
         </a:lnSpc>
@@ -6275,7 +6425,7 @@
           <a:srgbClr val="000000"/>
         </a:buClr>
         <a:buFont typeface="Arial"/>
-        <a:defRPr b="0" i="0" sz="1400" u="none" cap="none" strike="noStrike">
+        <a:defRPr sz="1400" b="0" i="0" u="none" strike="noStrike" cap="none">
           <a:solidFill>
             <a:srgbClr val="000000"/>
           </a:solidFill>
@@ -6285,7 +6435,7 @@
           <a:sym typeface="Arial"/>
         </a:defRPr>
       </a:lvl6pPr>
-      <a:lvl7pPr lvl="6" marR="0" rtl="0" algn="l">
+      <a:lvl7pPr marR="0" lvl="6" algn="l" rtl="0">
         <a:lnSpc>
           <a:spcPct val="100000"/>
         </a:lnSpc>
@@ -6299,7 +6449,7 @@
           <a:srgbClr val="000000"/>
         </a:buClr>
         <a:buFont typeface="Arial"/>
-        <a:defRPr b="0" i="0" sz="1400" u="none" cap="none" strike="noStrike">
+        <a:defRPr sz="1400" b="0" i="0" u="none" strike="noStrike" cap="none">
           <a:solidFill>
             <a:srgbClr val="000000"/>
           </a:solidFill>
@@ -6309,7 +6459,7 @@
           <a:sym typeface="Arial"/>
         </a:defRPr>
       </a:lvl7pPr>
-      <a:lvl8pPr lvl="7" marR="0" rtl="0" algn="l">
+      <a:lvl8pPr marR="0" lvl="7" algn="l" rtl="0">
         <a:lnSpc>
           <a:spcPct val="100000"/>
         </a:lnSpc>
@@ -6323,7 +6473,7 @@
           <a:srgbClr val="000000"/>
         </a:buClr>
         <a:buFont typeface="Arial"/>
-        <a:defRPr b="0" i="0" sz="1400" u="none" cap="none" strike="noStrike">
+        <a:defRPr sz="1400" b="0" i="0" u="none" strike="noStrike" cap="none">
           <a:solidFill>
             <a:srgbClr val="000000"/>
           </a:solidFill>
@@ -6333,7 +6483,7 @@
           <a:sym typeface="Arial"/>
         </a:defRPr>
       </a:lvl8pPr>
-      <a:lvl9pPr lvl="8" marR="0" rtl="0" algn="l">
+      <a:lvl9pPr marR="0" lvl="8" algn="l" rtl="0">
         <a:lnSpc>
           <a:spcPct val="100000"/>
         </a:lnSpc>
@@ -6347,7 +6497,7 @@
           <a:srgbClr val="000000"/>
         </a:buClr>
         <a:buFont typeface="Arial"/>
-        <a:defRPr b="0" i="0" sz="1400" u="none" cap="none" strike="noStrike">
+        <a:defRPr sz="1400" b="0" i="0" u="none" strike="noStrike" cap="none">
           <a:solidFill>
             <a:srgbClr val="000000"/>
           </a:solidFill>
@@ -6359,7 +6509,7 @@
       </a:lvl9pPr>
     </p:bodyStyle>
     <p:otherStyle>
-      <a:defPPr lvl="0" marR="0" rtl="0" algn="l">
+      <a:defPPr marR="0" lvl="0" algn="l" rtl="0">
         <a:lnSpc>
           <a:spcPct val="100000"/>
         </a:lnSpc>
@@ -6370,7 +6520,7 @@
           <a:spcPts val="0"/>
         </a:spcAft>
       </a:defPPr>
-      <a:lvl1pPr lvl="0" marR="0" rtl="0" algn="l">
+      <a:lvl1pPr marR="0" lvl="0" algn="l" rtl="0">
         <a:lnSpc>
           <a:spcPct val="100000"/>
         </a:lnSpc>
@@ -6384,7 +6534,7 @@
           <a:srgbClr val="000000"/>
         </a:buClr>
         <a:buFont typeface="Arial"/>
-        <a:defRPr b="0" i="0" sz="1400" u="none" cap="none" strike="noStrike">
+        <a:defRPr sz="1400" b="0" i="0" u="none" strike="noStrike" cap="none">
           <a:solidFill>
             <a:srgbClr val="000000"/>
           </a:solidFill>
@@ -6394,7 +6544,7 @@
           <a:sym typeface="Arial"/>
         </a:defRPr>
       </a:lvl1pPr>
-      <a:lvl2pPr lvl="1" marR="0" rtl="0" algn="l">
+      <a:lvl2pPr marR="0" lvl="1" algn="l" rtl="0">
         <a:lnSpc>
           <a:spcPct val="100000"/>
         </a:lnSpc>
@@ -6408,7 +6558,7 @@
           <a:srgbClr val="000000"/>
         </a:buClr>
         <a:buFont typeface="Arial"/>
-        <a:defRPr b="0" i="0" sz="1400" u="none" cap="none" strike="noStrike">
+        <a:defRPr sz="1400" b="0" i="0" u="none" strike="noStrike" cap="none">
           <a:solidFill>
             <a:srgbClr val="000000"/>
           </a:solidFill>
@@ -6418,7 +6568,7 @@
           <a:sym typeface="Arial"/>
         </a:defRPr>
       </a:lvl2pPr>
-      <a:lvl3pPr lvl="2" marR="0" rtl="0" algn="l">
+      <a:lvl3pPr marR="0" lvl="2" algn="l" rtl="0">
         <a:lnSpc>
           <a:spcPct val="100000"/>
         </a:lnSpc>
@@ -6432,7 +6582,7 @@
           <a:srgbClr val="000000"/>
         </a:buClr>
         <a:buFont typeface="Arial"/>
-        <a:defRPr b="0" i="0" sz="1400" u="none" cap="none" strike="noStrike">
+        <a:defRPr sz="1400" b="0" i="0" u="none" strike="noStrike" cap="none">
           <a:solidFill>
             <a:srgbClr val="000000"/>
           </a:solidFill>
@@ -6442,7 +6592,7 @@
           <a:sym typeface="Arial"/>
         </a:defRPr>
       </a:lvl3pPr>
-      <a:lvl4pPr lvl="3" marR="0" rtl="0" algn="l">
+      <a:lvl4pPr marR="0" lvl="3" algn="l" rtl="0">
         <a:lnSpc>
           <a:spcPct val="100000"/>
         </a:lnSpc>
@@ -6456,7 +6606,7 @@
           <a:srgbClr val="000000"/>
         </a:buClr>
         <a:buFont typeface="Arial"/>
-        <a:defRPr b="0" i="0" sz="1400" u="none" cap="none" strike="noStrike">
+        <a:defRPr sz="1400" b="0" i="0" u="none" strike="noStrike" cap="none">
           <a:solidFill>
             <a:srgbClr val="000000"/>
           </a:solidFill>
@@ -6466,7 +6616,7 @@
           <a:sym typeface="Arial"/>
         </a:defRPr>
       </a:lvl4pPr>
-      <a:lvl5pPr lvl="4" marR="0" rtl="0" algn="l">
+      <a:lvl5pPr marR="0" lvl="4" algn="l" rtl="0">
         <a:lnSpc>
           <a:spcPct val="100000"/>
         </a:lnSpc>
@@ -6480,7 +6630,7 @@
           <a:srgbClr val="000000"/>
         </a:buClr>
         <a:buFont typeface="Arial"/>
-        <a:defRPr b="0" i="0" sz="1400" u="none" cap="none" strike="noStrike">
+        <a:defRPr sz="1400" b="0" i="0" u="none" strike="noStrike" cap="none">
           <a:solidFill>
             <a:srgbClr val="000000"/>
           </a:solidFill>
@@ -6490,7 +6640,7 @@
           <a:sym typeface="Arial"/>
         </a:defRPr>
       </a:lvl5pPr>
-      <a:lvl6pPr lvl="5" marR="0" rtl="0" algn="l">
+      <a:lvl6pPr marR="0" lvl="5" algn="l" rtl="0">
         <a:lnSpc>
           <a:spcPct val="100000"/>
         </a:lnSpc>
@@ -6504,7 +6654,7 @@
           <a:srgbClr val="000000"/>
         </a:buClr>
         <a:buFont typeface="Arial"/>
-        <a:defRPr b="0" i="0" sz="1400" u="none" cap="none" strike="noStrike">
+        <a:defRPr sz="1400" b="0" i="0" u="none" strike="noStrike" cap="none">
           <a:solidFill>
             <a:srgbClr val="000000"/>
           </a:solidFill>
@@ -6514,7 +6664,7 @@
           <a:sym typeface="Arial"/>
         </a:defRPr>
       </a:lvl6pPr>
-      <a:lvl7pPr lvl="6" marR="0" rtl="0" algn="l">
+      <a:lvl7pPr marR="0" lvl="6" algn="l" rtl="0">
         <a:lnSpc>
           <a:spcPct val="100000"/>
         </a:lnSpc>
@@ -6528,7 +6678,7 @@
           <a:srgbClr val="000000"/>
         </a:buClr>
         <a:buFont typeface="Arial"/>
-        <a:defRPr b="0" i="0" sz="1400" u="none" cap="none" strike="noStrike">
+        <a:defRPr sz="1400" b="0" i="0" u="none" strike="noStrike" cap="none">
           <a:solidFill>
             <a:srgbClr val="000000"/>
           </a:solidFill>
@@ -6538,7 +6688,7 @@
           <a:sym typeface="Arial"/>
         </a:defRPr>
       </a:lvl7pPr>
-      <a:lvl8pPr lvl="7" marR="0" rtl="0" algn="l">
+      <a:lvl8pPr marR="0" lvl="7" algn="l" rtl="0">
         <a:lnSpc>
           <a:spcPct val="100000"/>
         </a:lnSpc>
@@ -6552,7 +6702,7 @@
           <a:srgbClr val="000000"/>
         </a:buClr>
         <a:buFont typeface="Arial"/>
-        <a:defRPr b="0" i="0" sz="1400" u="none" cap="none" strike="noStrike">
+        <a:defRPr sz="1400" b="0" i="0" u="none" strike="noStrike" cap="none">
           <a:solidFill>
             <a:srgbClr val="000000"/>
           </a:solidFill>
@@ -6562,7 +6712,7 @@
           <a:sym typeface="Arial"/>
         </a:defRPr>
       </a:lvl8pPr>
-      <a:lvl9pPr lvl="8" marR="0" rtl="0" algn="l">
+      <a:lvl9pPr marR="0" lvl="8" algn="l" rtl="0">
         <a:lnSpc>
           <a:spcPct val="100000"/>
         </a:lnSpc>
@@ -6576,7 +6726,7 @@
           <a:srgbClr val="000000"/>
         </a:buClr>
         <a:buFont typeface="Arial"/>
-        <a:defRPr b="0" i="0" sz="1400" u="none" cap="none" strike="noStrike">
+        <a:defRPr sz="1400" b="0" i="0" u="none" strike="noStrike" cap="none">
           <a:solidFill>
             <a:srgbClr val="000000"/>
           </a:solidFill>
@@ -6592,11 +6742,11 @@
 </file>
 
 <file path=ppt/slides/slide1.xml><?xml version="1.0" encoding="utf-8"?>
-<p:sld xmlns:a="http://schemas.openxmlformats.org/drawingml/2006/main" xmlns:r="http://schemas.openxmlformats.org/officeDocument/2006/relationships" xmlns:mc="http://schemas.openxmlformats.org/markup-compatibility/2006" xmlns:mv="urn:schemas-microsoft-com:mac:vml" xmlns:p="http://schemas.openxmlformats.org/presentationml/2006/main" xmlns:c="http://schemas.openxmlformats.org/drawingml/2006/chart" xmlns:dgm="http://schemas.openxmlformats.org/drawingml/2006/diagram" xmlns:o="urn:schemas-microsoft-com:office:office" xmlns:v="urn:schemas-microsoft-com:vml" xmlns:pvml="urn:schemas-microsoft-com:office:powerpoint" xmlns:com="http://schemas.openxmlformats.org/drawingml/2006/compatibility" xmlns:p14="http://schemas.microsoft.com/office/powerpoint/2010/main" xmlns:p15="http://schemas.microsoft.com/office/powerpoint/2012/main" xmlns:ahyp="http://schemas.microsoft.com/office/drawing/2018/hyperlinkcolor">
+<p:sld xmlns:a="http://schemas.openxmlformats.org/drawingml/2006/main" xmlns:r="http://schemas.openxmlformats.org/officeDocument/2006/relationships" xmlns:p="http://schemas.openxmlformats.org/presentationml/2006/main">
   <p:cSld>
     <p:spTree>
       <p:nvGrpSpPr>
-        <p:cNvPr id="62" name="Shape 62"/>
+        <p:cNvPr id="1" name="Shape 62"/>
         <p:cNvGrpSpPr/>
         <p:nvPr/>
       </p:nvGrpSpPr>
@@ -6611,7 +6761,9 @@
       <p:sp>
         <p:nvSpPr>
           <p:cNvPr id="63" name="Google Shape;63;p13"/>
-          <p:cNvSpPr txBox="1"/>
+          <p:cNvSpPr txBox="1">
+            <a:spLocks noGrp="1"/>
+          </p:cNvSpPr>
           <p:nvPr>
             <p:ph type="ctrTitle"/>
           </p:nvPr>
@@ -6626,12 +6778,12 @@
           </a:prstGeom>
         </p:spPr>
         <p:txBody>
-          <a:bodyPr anchorCtr="0" anchor="b" bIns="91425" lIns="91425" spcFirstLastPara="1" rIns="91425" wrap="square" tIns="91425">
+          <a:bodyPr spcFirstLastPara="1" wrap="square" lIns="91425" tIns="91425" rIns="91425" bIns="91425" anchor="b" anchorCtr="0">
             <a:normAutofit/>
           </a:bodyPr>
           <a:lstStyle/>
           <a:p>
-            <a:pPr indent="0" lvl="0" marL="0" rtl="0" algn="ctr">
+            <a:pPr marL="0" lvl="0" indent="0" algn="ctr" rtl="0">
               <a:spcBef>
                 <a:spcPts val="0"/>
               </a:spcBef>
@@ -6651,9 +6803,11 @@
       <p:sp>
         <p:nvSpPr>
           <p:cNvPr id="64" name="Google Shape;64;p13"/>
-          <p:cNvSpPr txBox="1"/>
+          <p:cNvSpPr txBox="1">
+            <a:spLocks noGrp="1"/>
+          </p:cNvSpPr>
           <p:nvPr>
-            <p:ph idx="1" type="subTitle"/>
+            <p:ph type="subTitle" idx="1"/>
           </p:nvPr>
         </p:nvSpPr>
         <p:spPr>
@@ -6666,12 +6820,12 @@
           </a:prstGeom>
         </p:spPr>
         <p:txBody>
-          <a:bodyPr anchorCtr="0" anchor="t" bIns="91425" lIns="91425" spcFirstLastPara="1" rIns="91425" wrap="square" tIns="91425">
+          <a:bodyPr spcFirstLastPara="1" wrap="square" lIns="91425" tIns="91425" rIns="91425" bIns="91425" anchor="t" anchorCtr="0">
             <a:normAutofit/>
           </a:bodyPr>
           <a:lstStyle/>
           <a:p>
-            <a:pPr indent="0" lvl="0" marL="0" rtl="0" algn="ctr">
+            <a:pPr marL="0" lvl="0" indent="0" algn="ctr" rtl="0">
               <a:spcBef>
                 <a:spcPts val="0"/>
               </a:spcBef>
@@ -6697,11 +6851,11 @@
 </file>
 
 <file path=ppt/slides/slide2.xml><?xml version="1.0" encoding="utf-8"?>
-<p:sld xmlns:a="http://schemas.openxmlformats.org/drawingml/2006/main" xmlns:r="http://schemas.openxmlformats.org/officeDocument/2006/relationships" xmlns:mc="http://schemas.openxmlformats.org/markup-compatibility/2006" xmlns:mv="urn:schemas-microsoft-com:mac:vml" xmlns:p="http://schemas.openxmlformats.org/presentationml/2006/main" xmlns:c="http://schemas.openxmlformats.org/drawingml/2006/chart" xmlns:dgm="http://schemas.openxmlformats.org/drawingml/2006/diagram" xmlns:o="urn:schemas-microsoft-com:office:office" xmlns:v="urn:schemas-microsoft-com:vml" xmlns:pvml="urn:schemas-microsoft-com:office:powerpoint" xmlns:com="http://schemas.openxmlformats.org/drawingml/2006/compatibility" xmlns:p14="http://schemas.microsoft.com/office/powerpoint/2010/main" xmlns:p15="http://schemas.microsoft.com/office/powerpoint/2012/main" xmlns:ahyp="http://schemas.microsoft.com/office/drawing/2018/hyperlinkcolor">
+<p:sld xmlns:a="http://schemas.openxmlformats.org/drawingml/2006/main" xmlns:r="http://schemas.openxmlformats.org/officeDocument/2006/relationships" xmlns:p="http://schemas.openxmlformats.org/presentationml/2006/main">
   <p:cSld>
     <p:spTree>
       <p:nvGrpSpPr>
-        <p:cNvPr id="68" name="Shape 68"/>
+        <p:cNvPr id="1" name="Shape 68"/>
         <p:cNvGrpSpPr/>
         <p:nvPr/>
       </p:nvGrpSpPr>
@@ -6716,7 +6870,9 @@
       <p:sp>
         <p:nvSpPr>
           <p:cNvPr id="69" name="Google Shape;69;p14"/>
-          <p:cNvSpPr txBox="1"/>
+          <p:cNvSpPr txBox="1">
+            <a:spLocks noGrp="1"/>
+          </p:cNvSpPr>
           <p:nvPr>
             <p:ph type="title"/>
           </p:nvPr>
@@ -6731,12 +6887,12 @@
           </a:prstGeom>
         </p:spPr>
         <p:txBody>
-          <a:bodyPr anchorCtr="0" anchor="b" bIns="91425" lIns="91425" spcFirstLastPara="1" rIns="91425" wrap="square" tIns="91425">
+          <a:bodyPr spcFirstLastPara="1" wrap="square" lIns="91425" tIns="91425" rIns="91425" bIns="91425" anchor="b" anchorCtr="0">
             <a:normAutofit/>
           </a:bodyPr>
           <a:lstStyle/>
           <a:p>
-            <a:pPr indent="0" lvl="0" marL="0" rtl="0" algn="l">
+            <a:pPr marL="0" lvl="0" indent="0" algn="l" rtl="0">
               <a:spcBef>
                 <a:spcPts val="0"/>
               </a:spcBef>
@@ -6747,15 +6903,7 @@
             </a:pPr>
             <a:r>
               <a:rPr lang="fr"/>
-              <a:t>         </a:t>
-            </a:r>
-            <a:r>
-              <a:rPr lang="fr"/>
-              <a:t>DÉROULEMENT</a:t>
-            </a:r>
-            <a:r>
-              <a:rPr lang="fr"/>
-              <a:t> DE LA SOUTENANCE</a:t>
+              <a:t>         DÉROULEMENT DE LA SOUTENANCE</a:t>
             </a:r>
             <a:endParaRPr/>
           </a:p>
@@ -6764,9 +6912,11 @@
       <p:sp>
         <p:nvSpPr>
           <p:cNvPr id="70" name="Google Shape;70;p14"/>
-          <p:cNvSpPr txBox="1"/>
+          <p:cNvSpPr txBox="1">
+            <a:spLocks noGrp="1"/>
+          </p:cNvSpPr>
           <p:nvPr>
-            <p:ph idx="1" type="body"/>
+            <p:ph type="body" idx="1"/>
           </p:nvPr>
         </p:nvSpPr>
         <p:spPr>
@@ -6779,12 +6929,12 @@
           </a:prstGeom>
         </p:spPr>
         <p:txBody>
-          <a:bodyPr anchorCtr="0" anchor="t" bIns="91425" lIns="91425" spcFirstLastPara="1" rIns="91425" wrap="square" tIns="91425">
+          <a:bodyPr spcFirstLastPara="1" wrap="square" lIns="91425" tIns="91425" rIns="91425" bIns="91425" anchor="t" anchorCtr="0">
             <a:normAutofit fontScale="25000" lnSpcReduction="20000"/>
           </a:bodyPr>
           <a:lstStyle/>
           <a:p>
-            <a:pPr indent="-379823" lvl="0" marL="457200" rtl="0" algn="l">
+            <a:pPr marL="457200" lvl="0" indent="-379823" algn="l" rtl="0">
               <a:spcBef>
                 <a:spcPts val="0"/>
               </a:spcBef>
@@ -6801,7 +6951,7 @@
             <a:endParaRPr sz="9525"/>
           </a:p>
           <a:p>
-            <a:pPr indent="-379823" lvl="0" marL="457200" rtl="0" algn="l">
+            <a:pPr marL="457200" lvl="0" indent="-379823" algn="l" rtl="0">
               <a:spcBef>
                 <a:spcPts val="0"/>
               </a:spcBef>
@@ -6813,16 +6963,12 @@
             </a:pPr>
             <a:r>
               <a:rPr lang="fr" sz="9525"/>
-              <a:t>PRÉSENTATION</a:t>
-            </a:r>
-            <a:r>
-              <a:rPr lang="fr" sz="9525"/>
-              <a:t> DU CODE</a:t>
+              <a:t>PRÉSENTATION DU CODE</a:t>
             </a:r>
             <a:endParaRPr sz="9525"/>
           </a:p>
           <a:p>
-            <a:pPr indent="-379823" lvl="0" marL="1371600" rtl="0" algn="l">
+            <a:pPr marL="1371600" lvl="0" indent="-379823" algn="l" rtl="0">
               <a:spcBef>
                 <a:spcPts val="0"/>
               </a:spcBef>
@@ -6839,7 +6985,7 @@
             <a:endParaRPr sz="9525"/>
           </a:p>
           <a:p>
-            <a:pPr indent="0" lvl="0" marL="914400" rtl="0" algn="l">
+            <a:pPr marL="914400" lvl="0" indent="0" algn="l" rtl="0">
               <a:spcBef>
                 <a:spcPts val="1200"/>
               </a:spcBef>
@@ -6855,7 +7001,7 @@
             <a:endParaRPr sz="11525"/>
           </a:p>
           <a:p>
-            <a:pPr indent="0" lvl="0" marL="914400" rtl="0" algn="l">
+            <a:pPr marL="914400" lvl="0" indent="0" algn="l" rtl="0">
               <a:spcBef>
                 <a:spcPts val="1200"/>
               </a:spcBef>
@@ -6871,7 +7017,7 @@
             <a:endParaRPr sz="9525"/>
           </a:p>
           <a:p>
-            <a:pPr indent="-379823" lvl="0" marL="457200" rtl="0" algn="l">
+            <a:pPr marL="457200" lvl="0" indent="-379823" algn="l" rtl="0">
               <a:spcBef>
                 <a:spcPts val="1200"/>
               </a:spcBef>
@@ -6883,20 +7029,12 @@
             </a:pPr>
             <a:r>
               <a:rPr lang="fr" sz="9525"/>
-              <a:t>POI</a:t>
-            </a:r>
-            <a:r>
-              <a:rPr lang="fr" sz="9525"/>
-              <a:t>NTS </a:t>
-            </a:r>
-            <a:r>
-              <a:rPr lang="fr" sz="9525"/>
-              <a:t>D'AMÉLIORATION</a:t>
+              <a:t>POINTS D'AMÉLIORATION</a:t>
             </a:r>
             <a:endParaRPr sz="9525"/>
           </a:p>
           <a:p>
-            <a:pPr indent="0" lvl="0" marL="0" rtl="0" algn="l">
+            <a:pPr marL="0" lvl="0" indent="0" algn="l" rtl="0">
               <a:spcBef>
                 <a:spcPts val="1200"/>
               </a:spcBef>
@@ -6905,13 +7043,10 @@
               </a:spcAft>
               <a:buNone/>
             </a:pPr>
-            <a:r>
-              <a:t/>
-            </a:r>
             <a:endParaRPr/>
           </a:p>
           <a:p>
-            <a:pPr indent="0" lvl="0" marL="0" rtl="0" algn="l">
+            <a:pPr marL="0" lvl="0" indent="0" algn="l" rtl="0">
               <a:spcBef>
                 <a:spcPts val="1200"/>
               </a:spcBef>
@@ -6920,13 +7055,10 @@
               </a:spcAft>
               <a:buNone/>
             </a:pPr>
-            <a:r>
-              <a:t/>
-            </a:r>
             <a:endParaRPr/>
           </a:p>
           <a:p>
-            <a:pPr indent="0" lvl="0" marL="0" rtl="0" algn="l">
+            <a:pPr marL="0" lvl="0" indent="0" algn="l" rtl="0">
               <a:spcBef>
                 <a:spcPts val="1200"/>
               </a:spcBef>
@@ -6935,9 +7067,6 @@
               </a:spcAft>
               <a:buNone/>
             </a:pPr>
-            <a:r>
-              <a:t/>
-            </a:r>
             <a:endParaRPr/>
           </a:p>
         </p:txBody>
@@ -6951,11 +7080,11 @@
 </file>
 
 <file path=ppt/slides/slide3.xml><?xml version="1.0" encoding="utf-8"?>
-<p:sld xmlns:a="http://schemas.openxmlformats.org/drawingml/2006/main" xmlns:r="http://schemas.openxmlformats.org/officeDocument/2006/relationships" xmlns:mc="http://schemas.openxmlformats.org/markup-compatibility/2006" xmlns:mv="urn:schemas-microsoft-com:mac:vml" xmlns:p="http://schemas.openxmlformats.org/presentationml/2006/main" xmlns:c="http://schemas.openxmlformats.org/drawingml/2006/chart" xmlns:dgm="http://schemas.openxmlformats.org/drawingml/2006/diagram" xmlns:o="urn:schemas-microsoft-com:office:office" xmlns:v="urn:schemas-microsoft-com:vml" xmlns:pvml="urn:schemas-microsoft-com:office:powerpoint" xmlns:com="http://schemas.openxmlformats.org/drawingml/2006/compatibility" xmlns:p14="http://schemas.microsoft.com/office/powerpoint/2010/main" xmlns:p15="http://schemas.microsoft.com/office/powerpoint/2012/main" xmlns:ahyp="http://schemas.microsoft.com/office/drawing/2018/hyperlinkcolor">
+<p:sld xmlns:a="http://schemas.openxmlformats.org/drawingml/2006/main" xmlns:r="http://schemas.openxmlformats.org/officeDocument/2006/relationships" xmlns:p="http://schemas.openxmlformats.org/presentationml/2006/main">
   <p:cSld>
     <p:spTree>
       <p:nvGrpSpPr>
-        <p:cNvPr id="74" name="Shape 74"/>
+        <p:cNvPr id="1" name="Shape 74"/>
         <p:cNvGrpSpPr/>
         <p:nvPr/>
       </p:nvGrpSpPr>
@@ -6970,7 +7099,9 @@
       <p:sp>
         <p:nvSpPr>
           <p:cNvPr id="75" name="Google Shape;75;p15"/>
-          <p:cNvSpPr txBox="1"/>
+          <p:cNvSpPr txBox="1">
+            <a:spLocks noGrp="1"/>
+          </p:cNvSpPr>
           <p:nvPr>
             <p:ph type="title"/>
           </p:nvPr>
@@ -6985,12 +7116,12 @@
           </a:prstGeom>
         </p:spPr>
         <p:txBody>
-          <a:bodyPr anchorCtr="0" anchor="b" bIns="91425" lIns="91425" spcFirstLastPara="1" rIns="91425" wrap="square" tIns="91425">
+          <a:bodyPr spcFirstLastPara="1" wrap="square" lIns="91425" tIns="91425" rIns="91425" bIns="91425" anchor="b" anchorCtr="0">
             <a:normAutofit/>
           </a:bodyPr>
           <a:lstStyle/>
           <a:p>
-            <a:pPr indent="0" lvl="0" marL="0" rtl="0" algn="l">
+            <a:pPr marL="0" lvl="0" indent="0" algn="l" rtl="0">
               <a:spcBef>
                 <a:spcPts val="0"/>
               </a:spcBef>
@@ -7001,11 +7132,7 @@
             </a:pPr>
             <a:r>
               <a:rPr lang="fr"/>
-              <a:t>                          BASE DE </a:t>
-            </a:r>
-            <a:r>
-              <a:rPr lang="fr"/>
-              <a:t>DONNÉES</a:t>
+              <a:t>                          BASE DE DONNÉES</a:t>
             </a:r>
             <a:endParaRPr/>
           </a:p>
@@ -7014,9 +7141,11 @@
       <p:sp>
         <p:nvSpPr>
           <p:cNvPr id="76" name="Google Shape;76;p15"/>
-          <p:cNvSpPr txBox="1"/>
+          <p:cNvSpPr txBox="1">
+            <a:spLocks noGrp="1"/>
+          </p:cNvSpPr>
           <p:nvPr>
-            <p:ph idx="1" type="body"/>
+            <p:ph type="body" idx="1"/>
           </p:nvPr>
         </p:nvSpPr>
         <p:spPr>
@@ -7029,12 +7158,12 @@
           </a:prstGeom>
         </p:spPr>
         <p:txBody>
-          <a:bodyPr anchorCtr="0" anchor="t" bIns="91425" lIns="91425" spcFirstLastPara="1" rIns="91425" wrap="square" tIns="91425">
+          <a:bodyPr spcFirstLastPara="1" wrap="square" lIns="91425" tIns="91425" rIns="91425" bIns="91425" anchor="t" anchorCtr="0">
             <a:noAutofit/>
           </a:bodyPr>
           <a:lstStyle/>
           <a:p>
-            <a:pPr indent="-357505" lvl="0" marL="457200" rtl="0" algn="l">
+            <a:pPr marL="457200" lvl="0" indent="-357505" algn="l" rtl="0">
               <a:lnSpc>
                 <a:spcPct val="95000"/>
               </a:lnSpc>
@@ -7048,13 +7177,13 @@
               <a:buChar char="●"/>
             </a:pPr>
             <a:r>
-              <a:rPr lang="fr" sz="2029"/>
-              <a:t>BASE         :    SQL</a:t>
+              <a:rPr lang="fr" sz="2029" dirty="0"/>
+              <a:t>BASE              :    SQL</a:t>
             </a:r>
-            <a:endParaRPr sz="2029"/>
+            <a:endParaRPr sz="2029" dirty="0"/>
           </a:p>
           <a:p>
-            <a:pPr indent="0" lvl="0" marL="457200" rtl="0" algn="l">
+            <a:pPr marL="457200" lvl="0" indent="0" algn="l" rtl="0">
               <a:lnSpc>
                 <a:spcPct val="95000"/>
               </a:lnSpc>
@@ -7067,13 +7196,10 @@
               <a:buSzPts val="935"/>
               <a:buNone/>
             </a:pPr>
-            <a:r>
-              <a:t/>
-            </a:r>
-            <a:endParaRPr sz="2029"/>
+            <a:endParaRPr sz="2029" dirty="0"/>
           </a:p>
           <a:p>
-            <a:pPr indent="-357505" lvl="0" marL="457200" rtl="0" algn="l">
+            <a:pPr marL="457200" lvl="0" indent="-357505" algn="l" rtl="0">
               <a:lnSpc>
                 <a:spcPct val="95000"/>
               </a:lnSpc>
@@ -7087,13 +7213,13 @@
               <a:buChar char="●"/>
             </a:pPr>
             <a:r>
-              <a:rPr lang="fr" sz="2029"/>
-              <a:t>ORM          :     SEQUELIZE  v 6.6.2</a:t>
+              <a:rPr lang="fr" sz="2029" dirty="0"/>
+              <a:t>ORM                :     SEQUELIZE  v 6.6.2</a:t>
             </a:r>
-            <a:endParaRPr sz="2029"/>
+            <a:endParaRPr sz="2029" dirty="0"/>
           </a:p>
           <a:p>
-            <a:pPr indent="0" lvl="0" marL="457200" rtl="0" algn="l">
+            <a:pPr marL="457200" lvl="0" indent="0" algn="l" rtl="0">
               <a:lnSpc>
                 <a:spcPct val="95000"/>
               </a:lnSpc>
@@ -7106,13 +7232,10 @@
               <a:buSzPts val="935"/>
               <a:buNone/>
             </a:pPr>
-            <a:r>
-              <a:t/>
-            </a:r>
-            <a:endParaRPr sz="2029"/>
+            <a:endParaRPr sz="2029" dirty="0"/>
           </a:p>
           <a:p>
-            <a:pPr indent="-357505" lvl="0" marL="457200" rtl="0" algn="l">
+            <a:pPr marL="457200" lvl="0" indent="-357505" algn="l" rtl="0">
               <a:lnSpc>
                 <a:spcPct val="95000"/>
               </a:lnSpc>
@@ -7126,13 +7249,13 @@
               <a:buChar char="●"/>
             </a:pPr>
             <a:r>
-              <a:rPr lang="fr" sz="2029"/>
-              <a:t>SERVER    :     WAMPserver</a:t>
+              <a:rPr lang="fr" sz="2029" dirty="0"/>
+              <a:t>WAMP            :  Plateforme de Développement Web</a:t>
             </a:r>
-            <a:endParaRPr sz="2029"/>
+            <a:endParaRPr sz="2029" dirty="0"/>
           </a:p>
           <a:p>
-            <a:pPr indent="0" lvl="0" marL="457200" rtl="0" algn="l">
+            <a:pPr marL="457200" lvl="0" indent="0" algn="l" rtl="0">
               <a:lnSpc>
                 <a:spcPct val="95000"/>
               </a:lnSpc>
@@ -7145,13 +7268,10 @@
               <a:buSzPts val="935"/>
               <a:buNone/>
             </a:pPr>
-            <a:r>
-              <a:t/>
-            </a:r>
-            <a:endParaRPr sz="2029"/>
+            <a:endParaRPr sz="2029" dirty="0"/>
           </a:p>
           <a:p>
-            <a:pPr indent="-357505" lvl="0" marL="457200" rtl="0" algn="l">
+            <a:pPr marL="457200" lvl="0" indent="-357505" algn="l" rtl="0">
               <a:lnSpc>
                 <a:spcPct val="95000"/>
               </a:lnSpc>
@@ -7165,13 +7285,13 @@
               <a:buChar char="●"/>
             </a:pPr>
             <a:r>
-              <a:rPr lang="fr" sz="2029"/>
-              <a:t>Langage   :      MySQL</a:t>
+              <a:rPr lang="fr" sz="2029" dirty="0"/>
+              <a:t>MySQL            :  Serveur</a:t>
             </a:r>
-            <a:endParaRPr sz="2029"/>
+            <a:endParaRPr sz="2029" dirty="0"/>
           </a:p>
           <a:p>
-            <a:pPr indent="0" lvl="0" marL="457200" rtl="0" algn="l">
+            <a:pPr marL="457200" lvl="0" indent="0" algn="l" rtl="0">
               <a:lnSpc>
                 <a:spcPct val="95000"/>
               </a:lnSpc>
@@ -7184,10 +7304,7 @@
               <a:buSzPts val="935"/>
               <a:buNone/>
             </a:pPr>
-            <a:r>
-              <a:t/>
-            </a:r>
-            <a:endParaRPr sz="1530"/>
+            <a:endParaRPr sz="1530" dirty="0"/>
           </a:p>
         </p:txBody>
       </p:sp>
@@ -7200,11 +7317,11 @@
 </file>
 
 <file path=ppt/slides/slide4.xml><?xml version="1.0" encoding="utf-8"?>
-<p:sld xmlns:a="http://schemas.openxmlformats.org/drawingml/2006/main" xmlns:r="http://schemas.openxmlformats.org/officeDocument/2006/relationships" xmlns:mc="http://schemas.openxmlformats.org/markup-compatibility/2006" xmlns:mv="urn:schemas-microsoft-com:mac:vml" xmlns:p="http://schemas.openxmlformats.org/presentationml/2006/main" xmlns:c="http://schemas.openxmlformats.org/drawingml/2006/chart" xmlns:dgm="http://schemas.openxmlformats.org/drawingml/2006/diagram" xmlns:o="urn:schemas-microsoft-com:office:office" xmlns:v="urn:schemas-microsoft-com:vml" xmlns:pvml="urn:schemas-microsoft-com:office:powerpoint" xmlns:com="http://schemas.openxmlformats.org/drawingml/2006/compatibility" xmlns:p14="http://schemas.microsoft.com/office/powerpoint/2010/main" xmlns:p15="http://schemas.microsoft.com/office/powerpoint/2012/main" xmlns:ahyp="http://schemas.microsoft.com/office/drawing/2018/hyperlinkcolor">
+<p:sld xmlns:a="http://schemas.openxmlformats.org/drawingml/2006/main" xmlns:r="http://schemas.openxmlformats.org/officeDocument/2006/relationships" xmlns:p="http://schemas.openxmlformats.org/presentationml/2006/main">
   <p:cSld>
     <p:spTree>
       <p:nvGrpSpPr>
-        <p:cNvPr id="80" name="Shape 80"/>
+        <p:cNvPr id="1" name="Shape 80"/>
         <p:cNvGrpSpPr/>
         <p:nvPr/>
       </p:nvGrpSpPr>
@@ -7219,7 +7336,9 @@
       <p:sp>
         <p:nvSpPr>
           <p:cNvPr id="81" name="Google Shape;81;p16"/>
-          <p:cNvSpPr txBox="1"/>
+          <p:cNvSpPr txBox="1">
+            <a:spLocks noGrp="1"/>
+          </p:cNvSpPr>
           <p:nvPr>
             <p:ph type="title"/>
           </p:nvPr>
@@ -7234,12 +7353,12 @@
           </a:prstGeom>
         </p:spPr>
         <p:txBody>
-          <a:bodyPr anchorCtr="0" anchor="b" bIns="91425" lIns="91425" spcFirstLastPara="1" rIns="91425" wrap="square" tIns="91425">
+          <a:bodyPr spcFirstLastPara="1" wrap="square" lIns="91425" tIns="91425" rIns="91425" bIns="91425" anchor="b" anchorCtr="0">
             <a:normAutofit/>
           </a:bodyPr>
           <a:lstStyle/>
           <a:p>
-            <a:pPr indent="0" lvl="0" marL="0" rtl="0" algn="l">
+            <a:pPr marL="0" lvl="0" indent="0" algn="l" rtl="0">
               <a:spcBef>
                 <a:spcPts val="0"/>
               </a:spcBef>
@@ -7259,9 +7378,11 @@
       <p:sp>
         <p:nvSpPr>
           <p:cNvPr id="82" name="Google Shape;82;p16"/>
-          <p:cNvSpPr txBox="1"/>
+          <p:cNvSpPr txBox="1">
+            <a:spLocks noGrp="1"/>
+          </p:cNvSpPr>
           <p:nvPr>
-            <p:ph idx="1" type="body"/>
+            <p:ph type="body" idx="1"/>
           </p:nvPr>
         </p:nvSpPr>
         <p:spPr>
@@ -7274,12 +7395,12 @@
           </a:prstGeom>
         </p:spPr>
         <p:txBody>
-          <a:bodyPr anchorCtr="0" anchor="t" bIns="91425" lIns="91425" spcFirstLastPara="1" rIns="91425" wrap="square" tIns="91425">
+          <a:bodyPr spcFirstLastPara="1" wrap="square" lIns="91425" tIns="91425" rIns="91425" bIns="91425" anchor="t" anchorCtr="0">
             <a:normAutofit/>
           </a:bodyPr>
           <a:lstStyle/>
           <a:p>
-            <a:pPr indent="-361950" lvl="0" marL="457200" rtl="0" algn="l">
+            <a:pPr marL="457200" lvl="0" indent="-361950" algn="l" rtl="0">
               <a:spcBef>
                 <a:spcPts val="0"/>
               </a:spcBef>
@@ -7296,7 +7417,7 @@
             <a:endParaRPr sz="2100"/>
           </a:p>
           <a:p>
-            <a:pPr indent="-361950" lvl="0" marL="457200" rtl="0" algn="l">
+            <a:pPr marL="457200" lvl="0" indent="-361950" algn="l" rtl="0">
               <a:spcBef>
                 <a:spcPts val="0"/>
               </a:spcBef>
@@ -7313,7 +7434,7 @@
             <a:endParaRPr sz="2100"/>
           </a:p>
           <a:p>
-            <a:pPr indent="-361950" lvl="0" marL="457200" rtl="0" algn="l">
+            <a:pPr marL="457200" lvl="0" indent="-361950" algn="l" rtl="0">
               <a:spcBef>
                 <a:spcPts val="0"/>
               </a:spcBef>
@@ -7330,7 +7451,7 @@
             <a:endParaRPr sz="2100"/>
           </a:p>
           <a:p>
-            <a:pPr indent="-361950" lvl="0" marL="457200" rtl="0" algn="l">
+            <a:pPr marL="457200" lvl="0" indent="-361950" algn="l" rtl="0">
               <a:spcBef>
                 <a:spcPts val="0"/>
               </a:spcBef>
@@ -7342,24 +7463,12 @@
             </a:pPr>
             <a:r>
               <a:rPr lang="fr" sz="2100"/>
-              <a:t>A</a:t>
-            </a:r>
-            <a:r>
-              <a:rPr lang="fr" sz="2100"/>
-              <a:t>UTHENTIFICATION       :        </a:t>
-            </a:r>
-            <a:r>
-              <a:rPr lang="fr" sz="2100"/>
-              <a:t>Json Web Token</a:t>
-            </a:r>
-            <a:r>
-              <a:rPr lang="fr" sz="2100"/>
-              <a:t>  (  v 8.5.1 )</a:t>
+              <a:t>AUTHENTIFICATION       :        Json Web Token  (  v 8.5.1 )</a:t>
             </a:r>
             <a:endParaRPr sz="2100"/>
           </a:p>
           <a:p>
-            <a:pPr indent="-361950" lvl="0" marL="457200" rtl="0" algn="l">
+            <a:pPr marL="457200" lvl="0" indent="-361950" algn="l" rtl="0">
               <a:spcBef>
                 <a:spcPts val="0"/>
               </a:spcBef>
@@ -7371,16 +7480,12 @@
             </a:pPr>
             <a:r>
               <a:rPr lang="fr" sz="2100"/>
-              <a:t>SÉCURISATION</a:t>
-            </a:r>
-            <a:r>
-              <a:rPr lang="fr" sz="2100"/>
-              <a:t>   pwd      :        BCRYPT   ( v 5.0.1)   </a:t>
+              <a:t>SÉCURISATION   pwd      :        BCRYPT   ( v 5.0.1)   </a:t>
             </a:r>
             <a:endParaRPr sz="2100"/>
           </a:p>
           <a:p>
-            <a:pPr indent="0" lvl="0" marL="0" rtl="0" algn="l">
+            <a:pPr marL="0" lvl="0" indent="0" algn="l" rtl="0">
               <a:spcBef>
                 <a:spcPts val="1200"/>
               </a:spcBef>
@@ -7389,9 +7494,6 @@
               </a:spcAft>
               <a:buNone/>
             </a:pPr>
-            <a:r>
-              <a:t/>
-            </a:r>
             <a:endParaRPr/>
           </a:p>
         </p:txBody>
@@ -7405,11 +7507,11 @@
 </file>
 
 <file path=ppt/slides/slide5.xml><?xml version="1.0" encoding="utf-8"?>
-<p:sld xmlns:a="http://schemas.openxmlformats.org/drawingml/2006/main" xmlns:r="http://schemas.openxmlformats.org/officeDocument/2006/relationships" xmlns:mc="http://schemas.openxmlformats.org/markup-compatibility/2006" xmlns:mv="urn:schemas-microsoft-com:mac:vml" xmlns:p="http://schemas.openxmlformats.org/presentationml/2006/main" xmlns:c="http://schemas.openxmlformats.org/drawingml/2006/chart" xmlns:dgm="http://schemas.openxmlformats.org/drawingml/2006/diagram" xmlns:o="urn:schemas-microsoft-com:office:office" xmlns:v="urn:schemas-microsoft-com:vml" xmlns:pvml="urn:schemas-microsoft-com:office:powerpoint" xmlns:com="http://schemas.openxmlformats.org/drawingml/2006/compatibility" xmlns:p14="http://schemas.microsoft.com/office/powerpoint/2010/main" xmlns:p15="http://schemas.microsoft.com/office/powerpoint/2012/main" xmlns:ahyp="http://schemas.microsoft.com/office/drawing/2018/hyperlinkcolor">
+<p:sld xmlns:a="http://schemas.openxmlformats.org/drawingml/2006/main" xmlns:r="http://schemas.openxmlformats.org/officeDocument/2006/relationships" xmlns:p="http://schemas.openxmlformats.org/presentationml/2006/main">
   <p:cSld>
     <p:spTree>
       <p:nvGrpSpPr>
-        <p:cNvPr id="86" name="Shape 86"/>
+        <p:cNvPr id="1" name="Shape 86"/>
         <p:cNvGrpSpPr/>
         <p:nvPr/>
       </p:nvGrpSpPr>
@@ -7424,7 +7526,9 @@
       <p:sp>
         <p:nvSpPr>
           <p:cNvPr id="87" name="Google Shape;87;p17"/>
-          <p:cNvSpPr txBox="1"/>
+          <p:cNvSpPr txBox="1">
+            <a:spLocks noGrp="1"/>
+          </p:cNvSpPr>
           <p:nvPr>
             <p:ph type="title"/>
           </p:nvPr>
@@ -7439,12 +7543,12 @@
           </a:prstGeom>
         </p:spPr>
         <p:txBody>
-          <a:bodyPr anchorCtr="0" anchor="b" bIns="91425" lIns="91425" spcFirstLastPara="1" rIns="91425" wrap="square" tIns="91425">
+          <a:bodyPr spcFirstLastPara="1" wrap="square" lIns="91425" tIns="91425" rIns="91425" bIns="91425" anchor="b" anchorCtr="0">
             <a:normAutofit/>
           </a:bodyPr>
           <a:lstStyle/>
           <a:p>
-            <a:pPr indent="457200" lvl="0" marL="1371600" rtl="0" algn="l">
+            <a:pPr marL="1371600" lvl="0" indent="457200" algn="l" rtl="0">
               <a:spcBef>
                 <a:spcPts val="0"/>
               </a:spcBef>
@@ -7464,9 +7568,11 @@
       <p:sp>
         <p:nvSpPr>
           <p:cNvPr id="88" name="Google Shape;88;p17"/>
-          <p:cNvSpPr txBox="1"/>
+          <p:cNvSpPr txBox="1">
+            <a:spLocks noGrp="1"/>
+          </p:cNvSpPr>
           <p:nvPr>
-            <p:ph idx="1" type="body"/>
+            <p:ph type="body" idx="1"/>
           </p:nvPr>
         </p:nvSpPr>
         <p:spPr>
@@ -7479,12 +7585,12 @@
           </a:prstGeom>
         </p:spPr>
         <p:txBody>
-          <a:bodyPr anchorCtr="0" anchor="t" bIns="91425" lIns="91425" spcFirstLastPara="1" rIns="91425" wrap="square" tIns="91425">
+          <a:bodyPr spcFirstLastPara="1" wrap="square" lIns="91425" tIns="91425" rIns="91425" bIns="91425" anchor="t" anchorCtr="0">
             <a:normAutofit/>
           </a:bodyPr>
           <a:lstStyle/>
           <a:p>
-            <a:pPr indent="-425450" lvl="0" marL="457200" rtl="0" algn="l">
+            <a:pPr marL="457200" lvl="0" indent="-425450" algn="l" rtl="0">
               <a:spcBef>
                 <a:spcPts val="0"/>
               </a:spcBef>
@@ -7501,7 +7607,7 @@
             <a:endParaRPr sz="3100"/>
           </a:p>
           <a:p>
-            <a:pPr indent="0" lvl="0" marL="0" rtl="0" algn="l">
+            <a:pPr marL="0" lvl="0" indent="0" algn="l" rtl="0">
               <a:spcBef>
                 <a:spcPts val="1200"/>
               </a:spcBef>
@@ -7510,13 +7616,10 @@
               </a:spcAft>
               <a:buNone/>
             </a:pPr>
-            <a:r>
-              <a:t/>
-            </a:r>
             <a:endParaRPr sz="3100"/>
           </a:p>
           <a:p>
-            <a:pPr indent="-425450" lvl="0" marL="457200" rtl="0" algn="l">
+            <a:pPr marL="457200" lvl="0" indent="-425450" algn="l" rtl="0">
               <a:spcBef>
                 <a:spcPts val="1200"/>
               </a:spcBef>
@@ -7544,7 +7647,7 @@
             </a:endParaRPr>
           </a:p>
           <a:p>
-            <a:pPr indent="0" lvl="0" marL="457200" rtl="0" algn="l">
+            <a:pPr marL="457200" lvl="0" indent="0" algn="l" rtl="0">
               <a:spcBef>
                 <a:spcPts val="1200"/>
               </a:spcBef>
@@ -7553,9 +7656,6 @@
               </a:spcAft>
               <a:buNone/>
             </a:pPr>
-            <a:r>
-              <a:t/>
-            </a:r>
             <a:endParaRPr/>
           </a:p>
         </p:txBody>
@@ -7569,11 +7669,11 @@
 </file>
 
 <file path=ppt/slides/slide6.xml><?xml version="1.0" encoding="utf-8"?>
-<p:sld xmlns:a="http://schemas.openxmlformats.org/drawingml/2006/main" xmlns:r="http://schemas.openxmlformats.org/officeDocument/2006/relationships" xmlns:mc="http://schemas.openxmlformats.org/markup-compatibility/2006" xmlns:mv="urn:schemas-microsoft-com:mac:vml" xmlns:p="http://schemas.openxmlformats.org/presentationml/2006/main" xmlns:c="http://schemas.openxmlformats.org/drawingml/2006/chart" xmlns:dgm="http://schemas.openxmlformats.org/drawingml/2006/diagram" xmlns:o="urn:schemas-microsoft-com:office:office" xmlns:v="urn:schemas-microsoft-com:vml" xmlns:pvml="urn:schemas-microsoft-com:office:powerpoint" xmlns:com="http://schemas.openxmlformats.org/drawingml/2006/compatibility" xmlns:p14="http://schemas.microsoft.com/office/powerpoint/2010/main" xmlns:p15="http://schemas.microsoft.com/office/powerpoint/2012/main" xmlns:ahyp="http://schemas.microsoft.com/office/drawing/2018/hyperlinkcolor">
+<p:sld xmlns:a="http://schemas.openxmlformats.org/drawingml/2006/main" xmlns:r="http://schemas.openxmlformats.org/officeDocument/2006/relationships" xmlns:p="http://schemas.openxmlformats.org/presentationml/2006/main">
   <p:cSld>
     <p:spTree>
       <p:nvGrpSpPr>
-        <p:cNvPr id="92" name="Shape 92"/>
+        <p:cNvPr id="1" name="Shape 92"/>
         <p:cNvGrpSpPr/>
         <p:nvPr/>
       </p:nvGrpSpPr>
@@ -7588,7 +7688,9 @@
       <p:sp>
         <p:nvSpPr>
           <p:cNvPr id="93" name="Google Shape;93;p18"/>
-          <p:cNvSpPr txBox="1"/>
+          <p:cNvSpPr txBox="1">
+            <a:spLocks noGrp="1"/>
+          </p:cNvSpPr>
           <p:nvPr>
             <p:ph type="title"/>
           </p:nvPr>
@@ -7603,12 +7705,12 @@
           </a:prstGeom>
         </p:spPr>
         <p:txBody>
-          <a:bodyPr anchorCtr="0" anchor="b" bIns="91425" lIns="91425" spcFirstLastPara="1" rIns="91425" wrap="square" tIns="91425">
+          <a:bodyPr spcFirstLastPara="1" wrap="square" lIns="91425" tIns="91425" rIns="91425" bIns="91425" anchor="b" anchorCtr="0">
             <a:normAutofit/>
           </a:bodyPr>
           <a:lstStyle/>
           <a:p>
-            <a:pPr indent="0" lvl="0" marL="0" rtl="0" algn="l">
+            <a:pPr marL="0" lvl="0" indent="0" algn="l" rtl="0">
               <a:spcBef>
                 <a:spcPts val="0"/>
               </a:spcBef>
@@ -7619,11 +7721,7 @@
             </a:pPr>
             <a:r>
               <a:rPr lang="fr"/>
-              <a:t>			POINTS </a:t>
-            </a:r>
-            <a:r>
-              <a:rPr lang="fr"/>
-              <a:t>D'AMÉLIORATION</a:t>
+              <a:t>			POINTS D'AMÉLIORATION</a:t>
             </a:r>
             <a:endParaRPr/>
           </a:p>
@@ -7632,9 +7730,11 @@
       <p:sp>
         <p:nvSpPr>
           <p:cNvPr id="94" name="Google Shape;94;p18"/>
-          <p:cNvSpPr txBox="1"/>
+          <p:cNvSpPr txBox="1">
+            <a:spLocks noGrp="1"/>
+          </p:cNvSpPr>
           <p:nvPr>
-            <p:ph idx="1" type="body"/>
+            <p:ph type="body" idx="1"/>
           </p:nvPr>
         </p:nvSpPr>
         <p:spPr>
@@ -7647,12 +7747,12 @@
           </a:prstGeom>
         </p:spPr>
         <p:txBody>
-          <a:bodyPr anchorCtr="0" anchor="t" bIns="91425" lIns="91425" spcFirstLastPara="1" rIns="91425" wrap="square" tIns="91425">
+          <a:bodyPr spcFirstLastPara="1" wrap="square" lIns="91425" tIns="91425" rIns="91425" bIns="91425" anchor="t" anchorCtr="0">
             <a:normAutofit/>
           </a:bodyPr>
           <a:lstStyle/>
           <a:p>
-            <a:pPr indent="-342900" lvl="0" marL="457200" rtl="0" algn="l">
+            <a:pPr marL="457200" lvl="0" indent="-342900" algn="l" rtl="0">
               <a:spcBef>
                 <a:spcPts val="0"/>
               </a:spcBef>
@@ -7663,13 +7763,25 @@
               <a:buChar char="●"/>
             </a:pPr>
             <a:r>
-              <a:rPr lang="fr"/>
-              <a:t>LIKE - DISLIKE</a:t>
+              <a:rPr lang="fr" dirty="0"/>
+              <a:t>Like – Dislike</a:t>
             </a:r>
-            <a:endParaRPr/>
           </a:p>
           <a:p>
-            <a:pPr indent="-342900" lvl="0" marL="457200" rtl="0" algn="l">
+            <a:pPr marL="457200" lvl="0" indent="-342900" algn="l" rtl="0">
+              <a:spcBef>
+                <a:spcPts val="0"/>
+              </a:spcBef>
+              <a:spcAft>
+                <a:spcPts val="0"/>
+              </a:spcAft>
+              <a:buSzPts val="1800"/>
+              <a:buChar char="●"/>
+            </a:pPr>
+            <a:endParaRPr lang="fr" dirty="0"/>
+          </a:p>
+          <a:p>
+            <a:pPr marL="457200" lvl="0" indent="-342900" algn="l" rtl="0">
               <a:spcBef>
                 <a:spcPts val="0"/>
               </a:spcBef>
@@ -7680,9 +7792,52 @@
               <a:buChar char="●"/>
             </a:pPr>
             <a:r>
-              <a:t/>
+              <a:rPr lang="fr" dirty="0"/>
+              <a:t>Affichage Photo des utilisateurs</a:t>
             </a:r>
-            <a:endParaRPr/>
+          </a:p>
+          <a:p>
+            <a:pPr marL="457200" lvl="0" indent="-342900" algn="l" rtl="0">
+              <a:spcBef>
+                <a:spcPts val="0"/>
+              </a:spcBef>
+              <a:spcAft>
+                <a:spcPts val="0"/>
+              </a:spcAft>
+              <a:buSzPts val="1800"/>
+              <a:buChar char="●"/>
+            </a:pPr>
+            <a:endParaRPr lang="fr" dirty="0"/>
+          </a:p>
+          <a:p>
+            <a:pPr marL="457200" lvl="0" indent="-342900" algn="l" rtl="0">
+              <a:spcBef>
+                <a:spcPts val="0"/>
+              </a:spcBef>
+              <a:spcAft>
+                <a:spcPts val="0"/>
+              </a:spcAft>
+              <a:buSzPts val="1800"/>
+              <a:buChar char="●"/>
+            </a:pPr>
+            <a:r>
+              <a:rPr lang="fr" dirty="0"/>
+              <a:t>Service d’Affectation des  utilisateurs</a:t>
+            </a:r>
+            <a:endParaRPr dirty="0"/>
+          </a:p>
+          <a:p>
+            <a:pPr marL="457200" lvl="0" indent="-342900" algn="l" rtl="0">
+              <a:spcBef>
+                <a:spcPts val="0"/>
+              </a:spcBef>
+              <a:spcAft>
+                <a:spcPts val="0"/>
+              </a:spcAft>
+              <a:buSzPts val="1800"/>
+              <a:buChar char="●"/>
+            </a:pPr>
+            <a:endParaRPr dirty="0"/>
           </a:p>
         </p:txBody>
       </p:sp>
@@ -7695,7 +7850,7 @@
 </file>
 
 <file path=ppt/theme/theme1.xml><?xml version="1.0" encoding="utf-8"?>
-<a:theme xmlns:a="http://schemas.openxmlformats.org/drawingml/2006/main" xmlns:r="http://schemas.openxmlformats.org/officeDocument/2006/relationships" name="Marina">
+<a:theme xmlns:a="http://schemas.openxmlformats.org/drawingml/2006/main" name="Marina">
   <a:themeElements>
     <a:clrScheme name="Marina">
       <a:dk1>
@@ -7970,11 +8125,13 @@
       </a:bgFillStyleLst>
     </a:fmtScheme>
   </a:themeElements>
+  <a:objectDefaults/>
+  <a:extraClrSchemeLst/>
 </a:theme>
 </file>
 
 <file path=ppt/theme/theme2.xml><?xml version="1.0" encoding="utf-8"?>
-<a:theme xmlns:a="http://schemas.openxmlformats.org/drawingml/2006/main" xmlns:r="http://schemas.openxmlformats.org/officeDocument/2006/relationships">
+<a:theme xmlns:a="http://schemas.openxmlformats.org/drawingml/2006/main">
   <a:themeElements>
     <a:clrScheme name="Default">
       <a:dk1>
@@ -8249,5 +8406,7 @@
       </a:bgFillStyleLst>
     </a:fmtScheme>
   </a:themeElements>
+  <a:objectDefaults/>
+  <a:extraClrSchemeLst/>
 </a:theme>
 </file>
--- a/Présentation.pptx
+++ b/Présentation.pptx
@@ -1165,7 +1165,7 @@
         </p:nvSpPr>
         <p:spPr>
           <a:xfrm>
-            <a:off x="381300" y="685800"/>
+            <a:off x="381000" y="685800"/>
             <a:ext cx="6096000" cy="3429000"/>
           </a:xfrm>
           <a:custGeom>
@@ -7601,10 +7601,10 @@
               <a:buChar char="●"/>
             </a:pPr>
             <a:r>
-              <a:rPr lang="fr" sz="3100"/>
+              <a:rPr lang="fr" sz="3100" dirty="0"/>
               <a:t>FRAMEWORK :         VUEJS</a:t>
             </a:r>
-            <a:endParaRPr sz="3100"/>
+            <a:endParaRPr sz="3100" dirty="0"/>
           </a:p>
           <a:p>
             <a:pPr marL="0" lvl="0" indent="0" algn="l" rtl="0">
@@ -7616,7 +7616,7 @@
               </a:spcAft>
               <a:buNone/>
             </a:pPr>
-            <a:endParaRPr sz="3100"/>
+            <a:endParaRPr sz="3100" dirty="0"/>
           </a:p>
           <a:p>
             <a:pPr marL="457200" lvl="0" indent="-425450" algn="l" rtl="0">
@@ -7630,33 +7630,10 @@
               <a:buChar char="●"/>
             </a:pPr>
             <a:r>
-              <a:rPr lang="fr" sz="3100"/>
-              <a:t>AXIOS                  :     ( V  0.21.1)</a:t>
+              <a:rPr lang="fr" sz="3100" dirty="0"/>
+              <a:t>AXIOS  : Client HTTP basé sur des promesses    ( V  0.21.1).</a:t>
             </a:r>
-            <a:endParaRPr sz="2350">
-              <a:solidFill>
-                <a:srgbClr val="CE9178"/>
-              </a:solidFill>
-              <a:highlight>
-                <a:srgbClr val="1E1E1E"/>
-              </a:highlight>
-              <a:latin typeface="Courier New"/>
-              <a:ea typeface="Courier New"/>
-              <a:cs typeface="Courier New"/>
-              <a:sym typeface="Courier New"/>
-            </a:endParaRPr>
-          </a:p>
-          <a:p>
-            <a:pPr marL="457200" lvl="0" indent="0" algn="l" rtl="0">
-              <a:spcBef>
-                <a:spcPts val="1200"/>
-              </a:spcBef>
-              <a:spcAft>
-                <a:spcPts val="1200"/>
-              </a:spcAft>
-              <a:buNone/>
-            </a:pPr>
-            <a:endParaRPr/>
+            <a:endParaRPr dirty="0"/>
           </a:p>
         </p:txBody>
       </p:sp>
@@ -7720,10 +7697,10 @@
               <a:buNone/>
             </a:pPr>
             <a:r>
-              <a:rPr lang="fr"/>
-              <a:t>			POINTS D'AMÉLIORATION</a:t>
+              <a:rPr lang="fr" dirty="0"/>
+              <a:t>	POINTS D'AMÉLIORATION</a:t>
             </a:r>
-            <a:endParaRPr/>
+            <a:endParaRPr dirty="0"/>
           </a:p>
         </p:txBody>
       </p:sp>
@@ -7763,7 +7740,7 @@
               <a:buChar char="●"/>
             </a:pPr>
             <a:r>
-              <a:rPr lang="fr" dirty="0"/>
+              <a:rPr lang="fr" sz="2800" dirty="0"/>
               <a:t>Like – Dislike</a:t>
             </a:r>
           </a:p>
@@ -7778,7 +7755,7 @@
               <a:buSzPts val="1800"/>
               <a:buChar char="●"/>
             </a:pPr>
-            <a:endParaRPr lang="fr" dirty="0"/>
+            <a:endParaRPr lang="fr" sz="2800" dirty="0"/>
           </a:p>
           <a:p>
             <a:pPr marL="457200" lvl="0" indent="-342900" algn="l" rtl="0">
@@ -7792,7 +7769,7 @@
               <a:buChar char="●"/>
             </a:pPr>
             <a:r>
-              <a:rPr lang="fr" dirty="0"/>
+              <a:rPr lang="fr" sz="2800" dirty="0"/>
               <a:t>Affichage Photo des utilisateurs</a:t>
             </a:r>
           </a:p>
@@ -7807,7 +7784,7 @@
               <a:buSzPts val="1800"/>
               <a:buChar char="●"/>
             </a:pPr>
-            <a:endParaRPr lang="fr" dirty="0"/>
+            <a:endParaRPr lang="fr" sz="2800" dirty="0"/>
           </a:p>
           <a:p>
             <a:pPr marL="457200" lvl="0" indent="-342900" algn="l" rtl="0">
@@ -7821,10 +7798,10 @@
               <a:buChar char="●"/>
             </a:pPr>
             <a:r>
-              <a:rPr lang="fr" dirty="0"/>
+              <a:rPr lang="fr" sz="2800" dirty="0"/>
               <a:t>Service d’Affectation des  utilisateurs</a:t>
             </a:r>
-            <a:endParaRPr dirty="0"/>
+            <a:endParaRPr sz="2800" dirty="0"/>
           </a:p>
           <a:p>
             <a:pPr marL="457200" lvl="0" indent="-342900" algn="l" rtl="0">
